--- a/dokumentasi ppt/Pertemuan 1 – Pengantar Bahasa Python.pptx
+++ b/dokumentasi ppt/Pertemuan 1 – Pengantar Bahasa Python.pptx
@@ -5,20 +5,25 @@
     <p:sldMasterId id="2147483648" r:id="rId1"/>
   </p:sldMasterIdLst>
   <p:notesMasterIdLst>
-    <p:notesMasterId r:id="rId13"/>
+    <p:notesMasterId r:id="rId18"/>
   </p:notesMasterIdLst>
   <p:sldIdLst>
     <p:sldId id="256" r:id="rId2"/>
-    <p:sldId id="257" r:id="rId3"/>
-    <p:sldId id="260" r:id="rId4"/>
-    <p:sldId id="258" r:id="rId5"/>
-    <p:sldId id="259" r:id="rId6"/>
-    <p:sldId id="262" r:id="rId7"/>
-    <p:sldId id="263" r:id="rId8"/>
-    <p:sldId id="264" r:id="rId9"/>
+    <p:sldId id="260" r:id="rId3"/>
+    <p:sldId id="258" r:id="rId4"/>
+    <p:sldId id="259" r:id="rId5"/>
+    <p:sldId id="262" r:id="rId6"/>
+    <p:sldId id="263" r:id="rId7"/>
+    <p:sldId id="264" r:id="rId8"/>
+    <p:sldId id="268" r:id="rId9"/>
     <p:sldId id="265" r:id="rId10"/>
-    <p:sldId id="266" r:id="rId11"/>
-    <p:sldId id="267" r:id="rId12"/>
+    <p:sldId id="269" r:id="rId11"/>
+    <p:sldId id="266" r:id="rId12"/>
+    <p:sldId id="271" r:id="rId13"/>
+    <p:sldId id="270" r:id="rId14"/>
+    <p:sldId id="272" r:id="rId15"/>
+    <p:sldId id="273" r:id="rId16"/>
+    <p:sldId id="267" r:id="rId17"/>
   </p:sldIdLst>
   <p:sldSz cx="12192000" cy="6858000"/>
   <p:notesSz cx="6858000" cy="9144000"/>
@@ -207,7 +212,7 @@
           <a:p>
             <a:fld id="{4D946EBF-1817-442E-86AF-7BE04FBA80C7}" type="datetimeFigureOut">
               <a:rPr lang="en-ID" smtClean="0"/>
-              <a:t>12/09/2024</a:t>
+              <a:t>21/09/2024</a:t>
             </a:fld>
             <a:endParaRPr lang="en-ID"/>
           </a:p>
@@ -559,6 +564,90 @@
 </p:notes>
 </file>
 
+<file path=ppt/notesSlides/notesSlide2.xml><?xml version="1.0" encoding="utf-8"?>
+<p:notes xmlns:a="http://schemas.openxmlformats.org/drawingml/2006/main" xmlns:r="http://schemas.openxmlformats.org/officeDocument/2006/relationships" xmlns:p="http://schemas.openxmlformats.org/presentationml/2006/main">
+  <p:cSld>
+    <p:spTree>
+      <p:nvGrpSpPr>
+        <p:cNvPr id="1" name=""/>
+        <p:cNvGrpSpPr/>
+        <p:nvPr/>
+      </p:nvGrpSpPr>
+      <p:grpSpPr>
+        <a:xfrm>
+          <a:off x="0" y="0"/>
+          <a:ext cx="0" cy="0"/>
+          <a:chOff x="0" y="0"/>
+          <a:chExt cx="0" cy="0"/>
+        </a:xfrm>
+      </p:grpSpPr>
+      <p:sp>
+        <p:nvSpPr>
+          <p:cNvPr id="2" name="Slide Image Placeholder 1"/>
+          <p:cNvSpPr>
+            <a:spLocks noGrp="1" noRot="1" noChangeAspect="1"/>
+          </p:cNvSpPr>
+          <p:nvPr>
+            <p:ph type="sldImg"/>
+          </p:nvPr>
+        </p:nvSpPr>
+        <p:spPr/>
+      </p:sp>
+      <p:sp>
+        <p:nvSpPr>
+          <p:cNvPr id="3" name="Notes Placeholder 2"/>
+          <p:cNvSpPr>
+            <a:spLocks noGrp="1"/>
+          </p:cNvSpPr>
+          <p:nvPr>
+            <p:ph type="body" idx="1"/>
+          </p:nvPr>
+        </p:nvSpPr>
+        <p:spPr/>
+        <p:txBody>
+          <a:bodyPr/>
+          <a:lstStyle/>
+          <a:p>
+            <a:endParaRPr lang="en-ID"/>
+          </a:p>
+        </p:txBody>
+      </p:sp>
+      <p:sp>
+        <p:nvSpPr>
+          <p:cNvPr id="4" name="Slide Number Placeholder 3"/>
+          <p:cNvSpPr>
+            <a:spLocks noGrp="1"/>
+          </p:cNvSpPr>
+          <p:nvPr>
+            <p:ph type="sldNum" sz="quarter" idx="5"/>
+          </p:nvPr>
+        </p:nvSpPr>
+        <p:spPr/>
+        <p:txBody>
+          <a:bodyPr/>
+          <a:lstStyle/>
+          <a:p>
+            <a:fld id="{59183D26-5286-4408-9EFF-B1BE59EA111C}" type="slidenum">
+              <a:rPr lang="en-ID" smtClean="0"/>
+              <a:t>3</a:t>
+            </a:fld>
+            <a:endParaRPr lang="en-ID"/>
+          </a:p>
+        </p:txBody>
+      </p:sp>
+    </p:spTree>
+    <p:extLst>
+      <p:ext uri="{BB962C8B-B14F-4D97-AF65-F5344CB8AC3E}">
+        <p14:creationId xmlns:p14="http://schemas.microsoft.com/office/powerpoint/2010/main" val="842243447"/>
+      </p:ext>
+    </p:extLst>
+  </p:cSld>
+  <p:clrMapOvr>
+    <a:masterClrMapping/>
+  </p:clrMapOvr>
+</p:notes>
+</file>
+
 <file path=ppt/slideLayouts/slideLayout1.xml><?xml version="1.0" encoding="utf-8"?>
 <p:sldLayout xmlns:a="http://schemas.openxmlformats.org/drawingml/2006/main" xmlns:r="http://schemas.openxmlformats.org/officeDocument/2006/relationships" xmlns:p="http://schemas.openxmlformats.org/presentationml/2006/main" type="title" preserve="1">
   <p:cSld name="Title Slide">
@@ -708,7 +797,7 @@
           <a:p>
             <a:fld id="{0360BD6B-7546-4394-B4AB-1FCA1312F3BA}" type="datetimeFigureOut">
               <a:rPr lang="en-ID" smtClean="0"/>
-              <a:t>12/09/2024</a:t>
+              <a:t>21/09/2024</a:t>
             </a:fld>
             <a:endParaRPr lang="en-ID"/>
           </a:p>
@@ -908,7 +997,7 @@
           <a:p>
             <a:fld id="{0360BD6B-7546-4394-B4AB-1FCA1312F3BA}" type="datetimeFigureOut">
               <a:rPr lang="en-ID" smtClean="0"/>
-              <a:t>12/09/2024</a:t>
+              <a:t>21/09/2024</a:t>
             </a:fld>
             <a:endParaRPr lang="en-ID"/>
           </a:p>
@@ -1118,7 +1207,7 @@
           <a:p>
             <a:fld id="{0360BD6B-7546-4394-B4AB-1FCA1312F3BA}" type="datetimeFigureOut">
               <a:rPr lang="en-ID" smtClean="0"/>
-              <a:t>12/09/2024</a:t>
+              <a:t>21/09/2024</a:t>
             </a:fld>
             <a:endParaRPr lang="en-ID"/>
           </a:p>
@@ -1318,7 +1407,7 @@
           <a:p>
             <a:fld id="{0360BD6B-7546-4394-B4AB-1FCA1312F3BA}" type="datetimeFigureOut">
               <a:rPr lang="en-ID" smtClean="0"/>
-              <a:t>12/09/2024</a:t>
+              <a:t>21/09/2024</a:t>
             </a:fld>
             <a:endParaRPr lang="en-ID"/>
           </a:p>
@@ -1594,7 +1683,7 @@
           <a:p>
             <a:fld id="{0360BD6B-7546-4394-B4AB-1FCA1312F3BA}" type="datetimeFigureOut">
               <a:rPr lang="en-ID" smtClean="0"/>
-              <a:t>12/09/2024</a:t>
+              <a:t>21/09/2024</a:t>
             </a:fld>
             <a:endParaRPr lang="en-ID"/>
           </a:p>
@@ -1862,7 +1951,7 @@
           <a:p>
             <a:fld id="{0360BD6B-7546-4394-B4AB-1FCA1312F3BA}" type="datetimeFigureOut">
               <a:rPr lang="en-ID" smtClean="0"/>
-              <a:t>12/09/2024</a:t>
+              <a:t>21/09/2024</a:t>
             </a:fld>
             <a:endParaRPr lang="en-ID"/>
           </a:p>
@@ -2277,7 +2366,7 @@
           <a:p>
             <a:fld id="{0360BD6B-7546-4394-B4AB-1FCA1312F3BA}" type="datetimeFigureOut">
               <a:rPr lang="en-ID" smtClean="0"/>
-              <a:t>12/09/2024</a:t>
+              <a:t>21/09/2024</a:t>
             </a:fld>
             <a:endParaRPr lang="en-ID"/>
           </a:p>
@@ -2419,7 +2508,7 @@
           <a:p>
             <a:fld id="{0360BD6B-7546-4394-B4AB-1FCA1312F3BA}" type="datetimeFigureOut">
               <a:rPr lang="en-ID" smtClean="0"/>
-              <a:t>12/09/2024</a:t>
+              <a:t>21/09/2024</a:t>
             </a:fld>
             <a:endParaRPr lang="en-ID"/>
           </a:p>
@@ -2532,7 +2621,7 @@
           <a:p>
             <a:fld id="{0360BD6B-7546-4394-B4AB-1FCA1312F3BA}" type="datetimeFigureOut">
               <a:rPr lang="en-ID" smtClean="0"/>
-              <a:t>12/09/2024</a:t>
+              <a:t>21/09/2024</a:t>
             </a:fld>
             <a:endParaRPr lang="en-ID"/>
           </a:p>
@@ -2845,7 +2934,7 @@
           <a:p>
             <a:fld id="{0360BD6B-7546-4394-B4AB-1FCA1312F3BA}" type="datetimeFigureOut">
               <a:rPr lang="en-ID" smtClean="0"/>
-              <a:t>12/09/2024</a:t>
+              <a:t>21/09/2024</a:t>
             </a:fld>
             <a:endParaRPr lang="en-ID"/>
           </a:p>
@@ -3134,7 +3223,7 @@
           <a:p>
             <a:fld id="{0360BD6B-7546-4394-B4AB-1FCA1312F3BA}" type="datetimeFigureOut">
               <a:rPr lang="en-ID" smtClean="0"/>
-              <a:t>12/09/2024</a:t>
+              <a:t>21/09/2024</a:t>
             </a:fld>
             <a:endParaRPr lang="en-ID"/>
           </a:p>
@@ -3377,7 +3466,7 @@
           <a:p>
             <a:fld id="{0360BD6B-7546-4394-B4AB-1FCA1312F3BA}" type="datetimeFigureOut">
               <a:rPr lang="en-ID" smtClean="0"/>
-              <a:t>12/09/2024</a:t>
+              <a:t>21/09/2024</a:t>
             </a:fld>
             <a:endParaRPr lang="en-ID"/>
           </a:p>
@@ -3864,12 +3953,8 @@
           <a:lstStyle/>
           <a:p>
             <a:r>
-              <a:rPr lang="en-US" err="1"/>
-              <a:t>Aryajaya</a:t>
-            </a:r>
-            <a:r>
               <a:rPr lang="en-US"/>
-              <a:t> </a:t>
+              <a:t>Aryajaya </a:t>
             </a:r>
             <a:r>
               <a:rPr lang="en-US" err="1"/>
@@ -4001,9 +4086,10 @@
           <a:bodyPr/>
           <a:lstStyle/>
           <a:p>
+            <a:pPr algn="ctr"/>
             <a:r>
               <a:rPr lang="en-US"/>
-              <a:t>Python – Looping</a:t>
+              <a:t>Python – Selection</a:t>
             </a:r>
             <a:endParaRPr lang="en-ID"/>
           </a:p>
@@ -4011,10 +4097,76 @@
       </p:sp>
       <p:sp>
         <p:nvSpPr>
-          <p:cNvPr id="6" name="Rectangle 5">
+          <p:cNvPr id="3" name="Content Placeholder 2">
             <a:extLst>
               <a:ext uri="{FF2B5EF4-FFF2-40B4-BE49-F238E27FC236}">
-                <a16:creationId xmlns:a16="http://schemas.microsoft.com/office/drawing/2014/main" id="{A04EAC0C-EF9A-5A6A-8471-812DF50E692B}"/>
+                <a16:creationId xmlns:a16="http://schemas.microsoft.com/office/drawing/2014/main" id="{07C74A71-5A41-4FA3-87FB-3311DF9E9C5F}"/>
+              </a:ext>
+            </a:extLst>
+          </p:cNvPr>
+          <p:cNvSpPr>
+            <a:spLocks noGrp="1"/>
+          </p:cNvSpPr>
+          <p:nvPr>
+            <p:ph idx="1"/>
+          </p:nvPr>
+        </p:nvSpPr>
+        <p:spPr>
+          <a:xfrm>
+            <a:off x="221225" y="1825625"/>
+            <a:ext cx="11769213" cy="4530930"/>
+          </a:xfrm>
+        </p:spPr>
+        <p:txBody>
+          <a:bodyPr>
+            <a:normAutofit/>
+          </a:bodyPr>
+          <a:lstStyle/>
+          <a:p>
+            <a:r>
+              <a:rPr lang="en-US" sz="2200"/>
+              <a:t>Tuliskan program untuk menentukan bilangan terbesar dari 3 buah bilangan.</a:t>
+            </a:r>
+          </a:p>
+          <a:p>
+            <a:r>
+              <a:rPr lang="en-US" sz="2200"/>
+              <a:t>Tuliskan program untuk menentukan tahun kabisat.</a:t>
+            </a:r>
+          </a:p>
+          <a:p>
+            <a:r>
+              <a:rPr lang="en-US" sz="2200"/>
+              <a:t>Diketahui x merupakan sebuah bilangan bulat. Tuliskan program untuk menentukan angka mutlak dari x.</a:t>
+            </a:r>
+          </a:p>
+          <a:p>
+            <a:r>
+              <a:rPr lang="en-US" sz="2200"/>
+              <a:t>Diketahui x merupakan sebuah bilangan bulat. Tuliskan program untuk menentukan apakah x bilangan positif atau negative.</a:t>
+            </a:r>
+          </a:p>
+          <a:p>
+            <a:r>
+              <a:rPr lang="en-US" sz="2200"/>
+              <a:t>Tuliskan program untuk membaca bilangan bulat positif dalam rentang 1, 2, 3, …, 10. Lakukan proses untuk konversi bilangan tersebut menjadi angka romawi.</a:t>
+            </a:r>
+          </a:p>
+          <a:p>
+            <a:r>
+              <a:rPr lang="en-US" sz="2200"/>
+              <a:t>Sebuah toko swalayan memberikan diskon 10% apabila total pembelian barang mencapai 500 rb. Tuliskan program untuk menghitung total pembelian, total diskon, dan harga barang setelah diskon.</a:t>
+            </a:r>
+            <a:endParaRPr lang="en-ID" sz="2200"/>
+          </a:p>
+        </p:txBody>
+      </p:sp>
+      <p:sp>
+        <p:nvSpPr>
+          <p:cNvPr id="4" name="Rectangle 3">
+            <a:extLst>
+              <a:ext uri="{FF2B5EF4-FFF2-40B4-BE49-F238E27FC236}">
+                <a16:creationId xmlns:a16="http://schemas.microsoft.com/office/drawing/2014/main" id="{FBABB7BE-CDDF-5F8C-0140-A6991F61E6EF}"/>
               </a:ext>
             </a:extLst>
           </p:cNvPr>
@@ -4055,813 +4207,10 @@
           </a:p>
         </p:txBody>
       </p:sp>
-      <p:sp>
-        <p:nvSpPr>
-          <p:cNvPr id="7" name="TextBox 6">
-            <a:extLst>
-              <a:ext uri="{FF2B5EF4-FFF2-40B4-BE49-F238E27FC236}">
-                <a16:creationId xmlns:a16="http://schemas.microsoft.com/office/drawing/2014/main" id="{FC9822B0-EC3F-B539-C6E8-2567E51C5866}"/>
-              </a:ext>
-            </a:extLst>
-          </p:cNvPr>
-          <p:cNvSpPr txBox="1"/>
-          <p:nvPr/>
-        </p:nvSpPr>
-        <p:spPr>
-          <a:xfrm>
-            <a:off x="221226" y="1690688"/>
-            <a:ext cx="6114196" cy="4524315"/>
-          </a:xfrm>
-          <a:prstGeom prst="rect">
-            <a:avLst/>
-          </a:prstGeom>
-          <a:solidFill>
-            <a:schemeClr val="accent4">
-              <a:lumMod val="20000"/>
-              <a:lumOff val="80000"/>
-            </a:schemeClr>
-          </a:solidFill>
-        </p:spPr>
-        <p:style>
-          <a:lnRef idx="2">
-            <a:schemeClr val="dk1"/>
-          </a:lnRef>
-          <a:fillRef idx="1">
-            <a:schemeClr val="lt1"/>
-          </a:fillRef>
-          <a:effectRef idx="0">
-            <a:schemeClr val="dk1"/>
-          </a:effectRef>
-          <a:fontRef idx="minor">
-            <a:schemeClr val="dk1"/>
-          </a:fontRef>
-        </p:style>
-        <p:txBody>
-          <a:bodyPr wrap="square">
-            <a:spAutoFit/>
-          </a:bodyPr>
-          <a:lstStyle/>
-          <a:p>
-            <a:r>
-              <a:rPr lang="en-ID" b="0">
-                <a:solidFill>
-                  <a:srgbClr val="6E7781"/>
-                </a:solidFill>
-                <a:effectLst/>
-                <a:latin typeface="Consolas" panose="020B0609020204030204" pitchFamily="49" charset="0"/>
-              </a:rPr>
-              <a:t># PROGRAM Perulangan1.py</a:t>
-            </a:r>
-            <a:endParaRPr lang="en-ID" b="0">
-              <a:solidFill>
-                <a:srgbClr val="1F2328"/>
-              </a:solidFill>
-              <a:effectLst/>
-              <a:latin typeface="Consolas" panose="020B0609020204030204" pitchFamily="49" charset="0"/>
-            </a:endParaRPr>
-          </a:p>
-          <a:p>
-            <a:br>
-              <a:rPr lang="en-ID" b="0">
-                <a:solidFill>
-                  <a:srgbClr val="1F2328"/>
-                </a:solidFill>
-                <a:effectLst/>
-                <a:latin typeface="Consolas" panose="020B0609020204030204" pitchFamily="49" charset="0"/>
-              </a:rPr>
-            </a:br>
-            <a:r>
-              <a:rPr lang="en-ID" b="0">
-                <a:solidFill>
-                  <a:srgbClr val="6E7781"/>
-                </a:solidFill>
-                <a:effectLst/>
-                <a:latin typeface="Consolas" panose="020B0609020204030204" pitchFamily="49" charset="0"/>
-              </a:rPr>
-              <a:t># ALGORITMA</a:t>
-            </a:r>
-            <a:endParaRPr lang="en-ID" b="0">
-              <a:solidFill>
-                <a:srgbClr val="1F2328"/>
-              </a:solidFill>
-              <a:effectLst/>
-              <a:latin typeface="Consolas" panose="020B0609020204030204" pitchFamily="49" charset="0"/>
-            </a:endParaRPr>
-          </a:p>
-          <a:p>
-            <a:r>
-              <a:rPr lang="en-ID" b="0">
-                <a:solidFill>
-                  <a:srgbClr val="CF222E"/>
-                </a:solidFill>
-                <a:effectLst/>
-                <a:latin typeface="Consolas" panose="020B0609020204030204" pitchFamily="49" charset="0"/>
-              </a:rPr>
-              <a:t>if</a:t>
-            </a:r>
-            <a:r>
-              <a:rPr lang="en-ID" b="0">
-                <a:solidFill>
-                  <a:srgbClr val="1F2328"/>
-                </a:solidFill>
-                <a:effectLst/>
-                <a:latin typeface="Consolas" panose="020B0609020204030204" pitchFamily="49" charset="0"/>
-              </a:rPr>
-              <a:t> __name__</a:t>
-            </a:r>
-            <a:r>
-              <a:rPr lang="en-ID" b="0">
-                <a:solidFill>
-                  <a:srgbClr val="CF222E"/>
-                </a:solidFill>
-                <a:effectLst/>
-                <a:latin typeface="Consolas" panose="020B0609020204030204" pitchFamily="49" charset="0"/>
-              </a:rPr>
-              <a:t>==</a:t>
-            </a:r>
-            <a:r>
-              <a:rPr lang="en-ID" b="0">
-                <a:solidFill>
-                  <a:srgbClr val="1F2328"/>
-                </a:solidFill>
-                <a:effectLst/>
-                <a:latin typeface="Consolas" panose="020B0609020204030204" pitchFamily="49" charset="0"/>
-              </a:rPr>
-              <a:t> </a:t>
-            </a:r>
-            <a:r>
-              <a:rPr lang="en-ID" b="0">
-                <a:solidFill>
-                  <a:srgbClr val="0A3069"/>
-                </a:solidFill>
-                <a:effectLst/>
-                <a:latin typeface="Consolas" panose="020B0609020204030204" pitchFamily="49" charset="0"/>
-              </a:rPr>
-              <a:t>"__main__"</a:t>
-            </a:r>
-            <a:r>
-              <a:rPr lang="en-ID" b="0">
-                <a:solidFill>
-                  <a:srgbClr val="1F2328"/>
-                </a:solidFill>
-                <a:effectLst/>
-                <a:latin typeface="Consolas" panose="020B0609020204030204" pitchFamily="49" charset="0"/>
-              </a:rPr>
-              <a:t>:</a:t>
-            </a:r>
-          </a:p>
-          <a:p>
-            <a:br>
-              <a:rPr lang="en-ID" b="0">
-                <a:solidFill>
-                  <a:srgbClr val="1F2328"/>
-                </a:solidFill>
-                <a:effectLst/>
-                <a:latin typeface="Consolas" panose="020B0609020204030204" pitchFamily="49" charset="0"/>
-              </a:rPr>
-            </a:br>
-            <a:r>
-              <a:rPr lang="en-ID" b="0">
-                <a:solidFill>
-                  <a:srgbClr val="1F2328"/>
-                </a:solidFill>
-                <a:effectLst/>
-                <a:latin typeface="Consolas" panose="020B0609020204030204" pitchFamily="49" charset="0"/>
-              </a:rPr>
-              <a:t>  </a:t>
-            </a:r>
-            <a:r>
-              <a:rPr lang="en-ID" b="0">
-                <a:solidFill>
-                  <a:srgbClr val="8250DF"/>
-                </a:solidFill>
-                <a:effectLst/>
-                <a:latin typeface="Consolas" panose="020B0609020204030204" pitchFamily="49" charset="0"/>
-              </a:rPr>
-              <a:t>print</a:t>
-            </a:r>
-            <a:r>
-              <a:rPr lang="en-ID" b="0">
-                <a:solidFill>
-                  <a:srgbClr val="1F2328"/>
-                </a:solidFill>
-                <a:effectLst/>
-                <a:latin typeface="Consolas" panose="020B0609020204030204" pitchFamily="49" charset="0"/>
-              </a:rPr>
-              <a:t>(</a:t>
-            </a:r>
-            <a:r>
-              <a:rPr lang="en-ID" b="0">
-                <a:solidFill>
-                  <a:srgbClr val="0A3069"/>
-                </a:solidFill>
-                <a:effectLst/>
-                <a:latin typeface="Consolas" panose="020B0609020204030204" pitchFamily="49" charset="0"/>
-              </a:rPr>
-              <a:t>"Perulangan - FOR"</a:t>
-            </a:r>
-            <a:r>
-              <a:rPr lang="en-ID" b="0">
-                <a:solidFill>
-                  <a:srgbClr val="1F2328"/>
-                </a:solidFill>
-                <a:effectLst/>
-                <a:latin typeface="Consolas" panose="020B0609020204030204" pitchFamily="49" charset="0"/>
-              </a:rPr>
-              <a:t>)</a:t>
-            </a:r>
-          </a:p>
-          <a:p>
-            <a:r>
-              <a:rPr lang="en-ID" b="0">
-                <a:solidFill>
-                  <a:srgbClr val="1F2328"/>
-                </a:solidFill>
-                <a:effectLst/>
-                <a:latin typeface="Consolas" panose="020B0609020204030204" pitchFamily="49" charset="0"/>
-              </a:rPr>
-              <a:t>  </a:t>
-            </a:r>
-            <a:r>
-              <a:rPr lang="en-ID" b="0">
-                <a:solidFill>
-                  <a:srgbClr val="CF222E"/>
-                </a:solidFill>
-                <a:effectLst/>
-                <a:latin typeface="Consolas" panose="020B0609020204030204" pitchFamily="49" charset="0"/>
-              </a:rPr>
-              <a:t>for</a:t>
-            </a:r>
-            <a:r>
-              <a:rPr lang="en-ID" b="0">
-                <a:solidFill>
-                  <a:srgbClr val="1F2328"/>
-                </a:solidFill>
-                <a:effectLst/>
-                <a:latin typeface="Consolas" panose="020B0609020204030204" pitchFamily="49" charset="0"/>
-              </a:rPr>
-              <a:t> x </a:t>
-            </a:r>
-            <a:r>
-              <a:rPr lang="en-ID" b="0">
-                <a:solidFill>
-                  <a:srgbClr val="CF222E"/>
-                </a:solidFill>
-                <a:effectLst/>
-                <a:latin typeface="Consolas" panose="020B0609020204030204" pitchFamily="49" charset="0"/>
-              </a:rPr>
-              <a:t>in</a:t>
-            </a:r>
-            <a:r>
-              <a:rPr lang="en-ID" b="0">
-                <a:solidFill>
-                  <a:srgbClr val="1F2328"/>
-                </a:solidFill>
-                <a:effectLst/>
-                <a:latin typeface="Consolas" panose="020B0609020204030204" pitchFamily="49" charset="0"/>
-              </a:rPr>
-              <a:t> </a:t>
-            </a:r>
-            <a:r>
-              <a:rPr lang="en-ID" b="0">
-                <a:solidFill>
-                  <a:srgbClr val="953800"/>
-                </a:solidFill>
-                <a:effectLst/>
-                <a:latin typeface="Consolas" panose="020B0609020204030204" pitchFamily="49" charset="0"/>
-              </a:rPr>
-              <a:t>range</a:t>
-            </a:r>
-            <a:r>
-              <a:rPr lang="en-ID" b="0">
-                <a:solidFill>
-                  <a:srgbClr val="1F2328"/>
-                </a:solidFill>
-                <a:effectLst/>
-                <a:latin typeface="Consolas" panose="020B0609020204030204" pitchFamily="49" charset="0"/>
-              </a:rPr>
-              <a:t>(</a:t>
-            </a:r>
-            <a:r>
-              <a:rPr lang="en-ID" b="0">
-                <a:solidFill>
-                  <a:srgbClr val="0550AE"/>
-                </a:solidFill>
-                <a:effectLst/>
-                <a:latin typeface="Consolas" panose="020B0609020204030204" pitchFamily="49" charset="0"/>
-              </a:rPr>
-              <a:t>1</a:t>
-            </a:r>
-            <a:r>
-              <a:rPr lang="en-ID" b="0">
-                <a:solidFill>
-                  <a:srgbClr val="1F2328"/>
-                </a:solidFill>
-                <a:effectLst/>
-                <a:latin typeface="Consolas" panose="020B0609020204030204" pitchFamily="49" charset="0"/>
-              </a:rPr>
-              <a:t>,</a:t>
-            </a:r>
-            <a:r>
-              <a:rPr lang="en-ID" b="0">
-                <a:solidFill>
-                  <a:srgbClr val="0550AE"/>
-                </a:solidFill>
-                <a:effectLst/>
-                <a:latin typeface="Consolas" panose="020B0609020204030204" pitchFamily="49" charset="0"/>
-              </a:rPr>
-              <a:t>15</a:t>
-            </a:r>
-            <a:r>
-              <a:rPr lang="en-ID" b="0">
-                <a:solidFill>
-                  <a:srgbClr val="1F2328"/>
-                </a:solidFill>
-                <a:effectLst/>
-                <a:latin typeface="Consolas" panose="020B0609020204030204" pitchFamily="49" charset="0"/>
-              </a:rPr>
-              <a:t>,</a:t>
-            </a:r>
-            <a:r>
-              <a:rPr lang="en-ID" b="0">
-                <a:solidFill>
-                  <a:srgbClr val="0550AE"/>
-                </a:solidFill>
-                <a:effectLst/>
-                <a:latin typeface="Consolas" panose="020B0609020204030204" pitchFamily="49" charset="0"/>
-              </a:rPr>
-              <a:t>3</a:t>
-            </a:r>
-            <a:r>
-              <a:rPr lang="en-ID" b="0">
-                <a:solidFill>
-                  <a:srgbClr val="1F2328"/>
-                </a:solidFill>
-                <a:effectLst/>
-                <a:latin typeface="Consolas" panose="020B0609020204030204" pitchFamily="49" charset="0"/>
-              </a:rPr>
-              <a:t>):</a:t>
-            </a:r>
-          </a:p>
-          <a:p>
-            <a:r>
-              <a:rPr lang="en-ID" b="0">
-                <a:solidFill>
-                  <a:srgbClr val="1F2328"/>
-                </a:solidFill>
-                <a:effectLst/>
-                <a:latin typeface="Consolas" panose="020B0609020204030204" pitchFamily="49" charset="0"/>
-              </a:rPr>
-              <a:t>    </a:t>
-            </a:r>
-            <a:r>
-              <a:rPr lang="en-ID" b="0">
-                <a:solidFill>
-                  <a:srgbClr val="8250DF"/>
-                </a:solidFill>
-                <a:effectLst/>
-                <a:latin typeface="Consolas" panose="020B0609020204030204" pitchFamily="49" charset="0"/>
-              </a:rPr>
-              <a:t>print</a:t>
-            </a:r>
-            <a:r>
-              <a:rPr lang="en-ID" b="0">
-                <a:solidFill>
-                  <a:srgbClr val="1F2328"/>
-                </a:solidFill>
-                <a:effectLst/>
-                <a:latin typeface="Consolas" panose="020B0609020204030204" pitchFamily="49" charset="0"/>
-              </a:rPr>
-              <a:t>(</a:t>
-            </a:r>
-            <a:r>
-              <a:rPr lang="en-ID" b="0">
-                <a:solidFill>
-                  <a:srgbClr val="0A3069"/>
-                </a:solidFill>
-                <a:effectLst/>
-                <a:latin typeface="Consolas" panose="020B0609020204030204" pitchFamily="49" charset="0"/>
-              </a:rPr>
-              <a:t>"Bilangan ke-"</a:t>
-            </a:r>
-            <a:r>
-              <a:rPr lang="en-ID" b="0">
-                <a:solidFill>
-                  <a:srgbClr val="CF222E"/>
-                </a:solidFill>
-                <a:effectLst/>
-                <a:latin typeface="Consolas" panose="020B0609020204030204" pitchFamily="49" charset="0"/>
-              </a:rPr>
-              <a:t>+</a:t>
-            </a:r>
-            <a:r>
-              <a:rPr lang="en-ID" b="0">
-                <a:solidFill>
-                  <a:srgbClr val="953800"/>
-                </a:solidFill>
-                <a:effectLst/>
-                <a:latin typeface="Consolas" panose="020B0609020204030204" pitchFamily="49" charset="0"/>
-              </a:rPr>
-              <a:t>str</a:t>
-            </a:r>
-            <a:r>
-              <a:rPr lang="en-ID" b="0">
-                <a:solidFill>
-                  <a:srgbClr val="1F2328"/>
-                </a:solidFill>
-                <a:effectLst/>
-                <a:latin typeface="Consolas" panose="020B0609020204030204" pitchFamily="49" charset="0"/>
-              </a:rPr>
-              <a:t>(x))</a:t>
-            </a:r>
-          </a:p>
-          <a:p>
-            <a:r>
-              <a:rPr lang="en-ID" b="0">
-                <a:solidFill>
-                  <a:srgbClr val="1F2328"/>
-                </a:solidFill>
-                <a:effectLst/>
-                <a:latin typeface="Consolas" panose="020B0609020204030204" pitchFamily="49" charset="0"/>
-              </a:rPr>
-              <a:t>  </a:t>
-            </a:r>
-            <a:r>
-              <a:rPr lang="en-ID" b="0">
-                <a:solidFill>
-                  <a:srgbClr val="6E7781"/>
-                </a:solidFill>
-                <a:effectLst/>
-                <a:latin typeface="Consolas" panose="020B0609020204030204" pitchFamily="49" charset="0"/>
-              </a:rPr>
-              <a:t># ---------------------------------</a:t>
-            </a:r>
-            <a:endParaRPr lang="en-ID" b="0">
-              <a:solidFill>
-                <a:srgbClr val="1F2328"/>
-              </a:solidFill>
-              <a:effectLst/>
-              <a:latin typeface="Consolas" panose="020B0609020204030204" pitchFamily="49" charset="0"/>
-            </a:endParaRPr>
-          </a:p>
-          <a:p>
-            <a:br>
-              <a:rPr lang="en-ID" b="0">
-                <a:solidFill>
-                  <a:srgbClr val="1F2328"/>
-                </a:solidFill>
-                <a:effectLst/>
-                <a:latin typeface="Consolas" panose="020B0609020204030204" pitchFamily="49" charset="0"/>
-              </a:rPr>
-            </a:br>
-            <a:r>
-              <a:rPr lang="en-ID" b="0">
-                <a:solidFill>
-                  <a:srgbClr val="1F2328"/>
-                </a:solidFill>
-                <a:effectLst/>
-                <a:latin typeface="Consolas" panose="020B0609020204030204" pitchFamily="49" charset="0"/>
-              </a:rPr>
-              <a:t>  </a:t>
-            </a:r>
-            <a:r>
-              <a:rPr lang="en-ID" b="0">
-                <a:solidFill>
-                  <a:srgbClr val="8250DF"/>
-                </a:solidFill>
-                <a:effectLst/>
-                <a:latin typeface="Consolas" panose="020B0609020204030204" pitchFamily="49" charset="0"/>
-              </a:rPr>
-              <a:t>print</a:t>
-            </a:r>
-            <a:r>
-              <a:rPr lang="en-ID" b="0">
-                <a:solidFill>
-                  <a:srgbClr val="1F2328"/>
-                </a:solidFill>
-                <a:effectLst/>
-                <a:latin typeface="Consolas" panose="020B0609020204030204" pitchFamily="49" charset="0"/>
-              </a:rPr>
-              <a:t>(</a:t>
-            </a:r>
-            <a:r>
-              <a:rPr lang="en-ID" b="0">
-                <a:solidFill>
-                  <a:srgbClr val="0A3069"/>
-                </a:solidFill>
-                <a:effectLst/>
-                <a:latin typeface="Consolas" panose="020B0609020204030204" pitchFamily="49" charset="0"/>
-              </a:rPr>
-              <a:t>"Perulangan - WHILE"</a:t>
-            </a:r>
-            <a:r>
-              <a:rPr lang="en-ID" b="0">
-                <a:solidFill>
-                  <a:srgbClr val="1F2328"/>
-                </a:solidFill>
-                <a:effectLst/>
-                <a:latin typeface="Consolas" panose="020B0609020204030204" pitchFamily="49" charset="0"/>
-              </a:rPr>
-              <a:t>)</a:t>
-            </a:r>
-          </a:p>
-          <a:p>
-            <a:r>
-              <a:rPr lang="en-ID" b="0">
-                <a:solidFill>
-                  <a:srgbClr val="1F2328"/>
-                </a:solidFill>
-                <a:effectLst/>
-                <a:latin typeface="Consolas" panose="020B0609020204030204" pitchFamily="49" charset="0"/>
-              </a:rPr>
-              <a:t>  y </a:t>
-            </a:r>
-            <a:r>
-              <a:rPr lang="en-ID" b="0">
-                <a:solidFill>
-                  <a:srgbClr val="CF222E"/>
-                </a:solidFill>
-                <a:effectLst/>
-                <a:latin typeface="Consolas" panose="020B0609020204030204" pitchFamily="49" charset="0"/>
-              </a:rPr>
-              <a:t>=</a:t>
-            </a:r>
-            <a:r>
-              <a:rPr lang="en-ID" b="0">
-                <a:solidFill>
-                  <a:srgbClr val="1F2328"/>
-                </a:solidFill>
-                <a:effectLst/>
-                <a:latin typeface="Consolas" panose="020B0609020204030204" pitchFamily="49" charset="0"/>
-              </a:rPr>
-              <a:t> </a:t>
-            </a:r>
-            <a:r>
-              <a:rPr lang="en-ID" b="0">
-                <a:solidFill>
-                  <a:srgbClr val="0550AE"/>
-                </a:solidFill>
-                <a:effectLst/>
-                <a:latin typeface="Consolas" panose="020B0609020204030204" pitchFamily="49" charset="0"/>
-              </a:rPr>
-              <a:t>1</a:t>
-            </a:r>
-            <a:endParaRPr lang="en-ID" b="0">
-              <a:solidFill>
-                <a:srgbClr val="1F2328"/>
-              </a:solidFill>
-              <a:effectLst/>
-              <a:latin typeface="Consolas" panose="020B0609020204030204" pitchFamily="49" charset="0"/>
-            </a:endParaRPr>
-          </a:p>
-          <a:p>
-            <a:r>
-              <a:rPr lang="en-ID" b="0">
-                <a:solidFill>
-                  <a:srgbClr val="1F2328"/>
-                </a:solidFill>
-                <a:effectLst/>
-                <a:latin typeface="Consolas" panose="020B0609020204030204" pitchFamily="49" charset="0"/>
-              </a:rPr>
-              <a:t>  </a:t>
-            </a:r>
-            <a:r>
-              <a:rPr lang="en-ID" b="0">
-                <a:solidFill>
-                  <a:srgbClr val="CF222E"/>
-                </a:solidFill>
-                <a:effectLst/>
-                <a:latin typeface="Consolas" panose="020B0609020204030204" pitchFamily="49" charset="0"/>
-              </a:rPr>
-              <a:t>while</a:t>
-            </a:r>
-            <a:r>
-              <a:rPr lang="en-ID" b="0">
-                <a:solidFill>
-                  <a:srgbClr val="1F2328"/>
-                </a:solidFill>
-                <a:effectLst/>
-                <a:latin typeface="Consolas" panose="020B0609020204030204" pitchFamily="49" charset="0"/>
-              </a:rPr>
-              <a:t> y </a:t>
-            </a:r>
-            <a:r>
-              <a:rPr lang="en-ID" b="0">
-                <a:solidFill>
-                  <a:srgbClr val="CF222E"/>
-                </a:solidFill>
-                <a:effectLst/>
-                <a:latin typeface="Consolas" panose="020B0609020204030204" pitchFamily="49" charset="0"/>
-              </a:rPr>
-              <a:t>&lt;=</a:t>
-            </a:r>
-            <a:r>
-              <a:rPr lang="en-ID" b="0">
-                <a:solidFill>
-                  <a:srgbClr val="1F2328"/>
-                </a:solidFill>
-                <a:effectLst/>
-                <a:latin typeface="Consolas" panose="020B0609020204030204" pitchFamily="49" charset="0"/>
-              </a:rPr>
-              <a:t> </a:t>
-            </a:r>
-            <a:r>
-              <a:rPr lang="en-ID" b="0">
-                <a:solidFill>
-                  <a:srgbClr val="0550AE"/>
-                </a:solidFill>
-                <a:effectLst/>
-                <a:latin typeface="Consolas" panose="020B0609020204030204" pitchFamily="49" charset="0"/>
-              </a:rPr>
-              <a:t>15</a:t>
-            </a:r>
-            <a:r>
-              <a:rPr lang="en-ID" b="0">
-                <a:solidFill>
-                  <a:srgbClr val="1F2328"/>
-                </a:solidFill>
-                <a:effectLst/>
-                <a:latin typeface="Consolas" panose="020B0609020204030204" pitchFamily="49" charset="0"/>
-              </a:rPr>
-              <a:t>:</a:t>
-            </a:r>
-          </a:p>
-          <a:p>
-            <a:r>
-              <a:rPr lang="en-ID" b="0">
-                <a:solidFill>
-                  <a:srgbClr val="1F2328"/>
-                </a:solidFill>
-                <a:effectLst/>
-                <a:latin typeface="Consolas" panose="020B0609020204030204" pitchFamily="49" charset="0"/>
-              </a:rPr>
-              <a:t>    </a:t>
-            </a:r>
-            <a:r>
-              <a:rPr lang="en-ID" b="0">
-                <a:solidFill>
-                  <a:srgbClr val="8250DF"/>
-                </a:solidFill>
-                <a:effectLst/>
-                <a:latin typeface="Consolas" panose="020B0609020204030204" pitchFamily="49" charset="0"/>
-              </a:rPr>
-              <a:t>print</a:t>
-            </a:r>
-            <a:r>
-              <a:rPr lang="en-ID" b="0">
-                <a:solidFill>
-                  <a:srgbClr val="1F2328"/>
-                </a:solidFill>
-                <a:effectLst/>
-                <a:latin typeface="Consolas" panose="020B0609020204030204" pitchFamily="49" charset="0"/>
-              </a:rPr>
-              <a:t>(</a:t>
-            </a:r>
-            <a:r>
-              <a:rPr lang="en-ID" b="0">
-                <a:solidFill>
-                  <a:srgbClr val="0A3069"/>
-                </a:solidFill>
-                <a:effectLst/>
-                <a:latin typeface="Consolas" panose="020B0609020204030204" pitchFamily="49" charset="0"/>
-              </a:rPr>
-              <a:t>"Bilangan ke-"</a:t>
-            </a:r>
-            <a:r>
-              <a:rPr lang="en-ID" b="0">
-                <a:solidFill>
-                  <a:srgbClr val="CF222E"/>
-                </a:solidFill>
-                <a:effectLst/>
-                <a:latin typeface="Consolas" panose="020B0609020204030204" pitchFamily="49" charset="0"/>
-              </a:rPr>
-              <a:t>+</a:t>
-            </a:r>
-            <a:r>
-              <a:rPr lang="en-ID" b="0">
-                <a:solidFill>
-                  <a:srgbClr val="953800"/>
-                </a:solidFill>
-                <a:effectLst/>
-                <a:latin typeface="Consolas" panose="020B0609020204030204" pitchFamily="49" charset="0"/>
-              </a:rPr>
-              <a:t>str</a:t>
-            </a:r>
-            <a:r>
-              <a:rPr lang="en-ID" b="0">
-                <a:solidFill>
-                  <a:srgbClr val="1F2328"/>
-                </a:solidFill>
-                <a:effectLst/>
-                <a:latin typeface="Consolas" panose="020B0609020204030204" pitchFamily="49" charset="0"/>
-              </a:rPr>
-              <a:t>(y))</a:t>
-            </a:r>
-          </a:p>
-          <a:p>
-            <a:r>
-              <a:rPr lang="en-ID" b="0">
-                <a:solidFill>
-                  <a:srgbClr val="1F2328"/>
-                </a:solidFill>
-                <a:effectLst/>
-                <a:latin typeface="Consolas" panose="020B0609020204030204" pitchFamily="49" charset="0"/>
-              </a:rPr>
-              <a:t>    y </a:t>
-            </a:r>
-            <a:r>
-              <a:rPr lang="en-ID" b="0">
-                <a:solidFill>
-                  <a:srgbClr val="CF222E"/>
-                </a:solidFill>
-                <a:effectLst/>
-                <a:latin typeface="Consolas" panose="020B0609020204030204" pitchFamily="49" charset="0"/>
-              </a:rPr>
-              <a:t>=</a:t>
-            </a:r>
-            <a:r>
-              <a:rPr lang="en-ID" b="0">
-                <a:solidFill>
-                  <a:srgbClr val="1F2328"/>
-                </a:solidFill>
-                <a:effectLst/>
-                <a:latin typeface="Consolas" panose="020B0609020204030204" pitchFamily="49" charset="0"/>
-              </a:rPr>
-              <a:t> y </a:t>
-            </a:r>
-            <a:r>
-              <a:rPr lang="en-ID" b="0">
-                <a:solidFill>
-                  <a:srgbClr val="CF222E"/>
-                </a:solidFill>
-                <a:effectLst/>
-                <a:latin typeface="Consolas" panose="020B0609020204030204" pitchFamily="49" charset="0"/>
-              </a:rPr>
-              <a:t>+</a:t>
-            </a:r>
-            <a:r>
-              <a:rPr lang="en-ID" b="0">
-                <a:solidFill>
-                  <a:srgbClr val="1F2328"/>
-                </a:solidFill>
-                <a:effectLst/>
-                <a:latin typeface="Consolas" panose="020B0609020204030204" pitchFamily="49" charset="0"/>
-              </a:rPr>
-              <a:t> </a:t>
-            </a:r>
-            <a:r>
-              <a:rPr lang="en-ID" b="0">
-                <a:solidFill>
-                  <a:srgbClr val="0550AE"/>
-                </a:solidFill>
-                <a:effectLst/>
-                <a:latin typeface="Consolas" panose="020B0609020204030204" pitchFamily="49" charset="0"/>
-              </a:rPr>
-              <a:t>3</a:t>
-            </a:r>
-            <a:endParaRPr lang="en-ID" b="0">
-              <a:solidFill>
-                <a:srgbClr val="1F2328"/>
-              </a:solidFill>
-              <a:effectLst/>
-              <a:latin typeface="Consolas" panose="020B0609020204030204" pitchFamily="49" charset="0"/>
-            </a:endParaRPr>
-          </a:p>
-          <a:p>
-            <a:r>
-              <a:rPr lang="en-ID" b="0">
-                <a:solidFill>
-                  <a:srgbClr val="1F2328"/>
-                </a:solidFill>
-                <a:effectLst/>
-                <a:latin typeface="Consolas" panose="020B0609020204030204" pitchFamily="49" charset="0"/>
-              </a:rPr>
-              <a:t>  </a:t>
-            </a:r>
-            <a:r>
-              <a:rPr lang="en-ID" b="0">
-                <a:solidFill>
-                  <a:srgbClr val="6E7781"/>
-                </a:solidFill>
-                <a:effectLst/>
-                <a:latin typeface="Consolas" panose="020B0609020204030204" pitchFamily="49" charset="0"/>
-              </a:rPr>
-              <a:t># ---------------------------------</a:t>
-            </a:r>
-            <a:endParaRPr lang="en-ID" b="0">
-              <a:solidFill>
-                <a:srgbClr val="1F2328"/>
-              </a:solidFill>
-              <a:effectLst/>
-              <a:latin typeface="Consolas" panose="020B0609020204030204" pitchFamily="49" charset="0"/>
-            </a:endParaRPr>
-          </a:p>
-        </p:txBody>
-      </p:sp>
     </p:spTree>
     <p:extLst>
       <p:ext uri="{BB962C8B-B14F-4D97-AF65-F5344CB8AC3E}">
-        <p14:creationId xmlns:p14="http://schemas.microsoft.com/office/powerpoint/2010/main" val="2715586094"/>
+        <p14:creationId xmlns:p14="http://schemas.microsoft.com/office/powerpoint/2010/main" val="3752456600"/>
       </p:ext>
     </p:extLst>
   </p:cSld>
@@ -4914,9 +4263,1746 @@
           <a:bodyPr/>
           <a:lstStyle/>
           <a:p>
+            <a:pPr algn="ctr"/>
             <a:r>
               <a:rPr lang="en-US"/>
-              <a:t>Konsep Dasar Lainnya</a:t>
+              <a:t>Python – Looping</a:t>
+            </a:r>
+            <a:endParaRPr lang="en-ID"/>
+          </a:p>
+        </p:txBody>
+      </p:sp>
+      <p:sp>
+        <p:nvSpPr>
+          <p:cNvPr id="6" name="Rectangle 5">
+            <a:extLst>
+              <a:ext uri="{FF2B5EF4-FFF2-40B4-BE49-F238E27FC236}">
+                <a16:creationId xmlns:a16="http://schemas.microsoft.com/office/drawing/2014/main" id="{A04EAC0C-EF9A-5A6A-8471-812DF50E692B}"/>
+              </a:ext>
+            </a:extLst>
+          </p:cNvPr>
+          <p:cNvSpPr/>
+          <p:nvPr/>
+        </p:nvSpPr>
+        <p:spPr>
+          <a:xfrm>
+            <a:off x="0" y="6492875"/>
+            <a:ext cx="12191999" cy="365124"/>
+          </a:xfrm>
+          <a:prstGeom prst="rect">
+            <a:avLst/>
+          </a:prstGeom>
+        </p:spPr>
+        <p:style>
+          <a:lnRef idx="2">
+            <a:schemeClr val="accent1">
+              <a:shade val="15000"/>
+            </a:schemeClr>
+          </a:lnRef>
+          <a:fillRef idx="1">
+            <a:schemeClr val="accent1"/>
+          </a:fillRef>
+          <a:effectRef idx="0">
+            <a:schemeClr val="accent1"/>
+          </a:effectRef>
+          <a:fontRef idx="minor">
+            <a:schemeClr val="lt1"/>
+          </a:fontRef>
+        </p:style>
+        <p:txBody>
+          <a:bodyPr rtlCol="0" anchor="ctr"/>
+          <a:lstStyle/>
+          <a:p>
+            <a:pPr algn="ctr"/>
+            <a:endParaRPr lang="en-ID"/>
+          </a:p>
+        </p:txBody>
+      </p:sp>
+      <p:sp>
+        <p:nvSpPr>
+          <p:cNvPr id="7" name="TextBox 6">
+            <a:extLst>
+              <a:ext uri="{FF2B5EF4-FFF2-40B4-BE49-F238E27FC236}">
+                <a16:creationId xmlns:a16="http://schemas.microsoft.com/office/drawing/2014/main" id="{FC9822B0-EC3F-B539-C6E8-2567E51C5866}"/>
+              </a:ext>
+            </a:extLst>
+          </p:cNvPr>
+          <p:cNvSpPr txBox="1"/>
+          <p:nvPr/>
+        </p:nvSpPr>
+        <p:spPr>
+          <a:xfrm>
+            <a:off x="2043917" y="1690688"/>
+            <a:ext cx="8123830" cy="3785652"/>
+          </a:xfrm>
+          <a:prstGeom prst="rect">
+            <a:avLst/>
+          </a:prstGeom>
+          <a:solidFill>
+            <a:schemeClr val="accent4">
+              <a:lumMod val="20000"/>
+              <a:lumOff val="80000"/>
+            </a:schemeClr>
+          </a:solidFill>
+        </p:spPr>
+        <p:style>
+          <a:lnRef idx="2">
+            <a:schemeClr val="dk1"/>
+          </a:lnRef>
+          <a:fillRef idx="1">
+            <a:schemeClr val="lt1"/>
+          </a:fillRef>
+          <a:effectRef idx="0">
+            <a:schemeClr val="dk1"/>
+          </a:effectRef>
+          <a:fontRef idx="minor">
+            <a:schemeClr val="dk1"/>
+          </a:fontRef>
+        </p:style>
+        <p:txBody>
+          <a:bodyPr wrap="square">
+            <a:spAutoFit/>
+          </a:bodyPr>
+          <a:lstStyle/>
+          <a:p>
+            <a:r>
+              <a:rPr lang="en-ID" sz="1500" b="0">
+                <a:solidFill>
+                  <a:srgbClr val="6E7781"/>
+                </a:solidFill>
+                <a:effectLst/>
+                <a:latin typeface="Consolas" panose="020B0609020204030204" pitchFamily="49" charset="0"/>
+              </a:rPr>
+              <a:t># PROGRAM Perulangan1.py</a:t>
+            </a:r>
+            <a:endParaRPr lang="en-ID" sz="1500" b="0">
+              <a:solidFill>
+                <a:srgbClr val="1F2328"/>
+              </a:solidFill>
+              <a:effectLst/>
+              <a:latin typeface="Consolas" panose="020B0609020204030204" pitchFamily="49" charset="0"/>
+            </a:endParaRPr>
+          </a:p>
+          <a:p>
+            <a:br>
+              <a:rPr lang="en-ID" sz="1500" b="0">
+                <a:solidFill>
+                  <a:srgbClr val="1F2328"/>
+                </a:solidFill>
+                <a:effectLst/>
+                <a:latin typeface="Consolas" panose="020B0609020204030204" pitchFamily="49" charset="0"/>
+              </a:rPr>
+            </a:br>
+            <a:r>
+              <a:rPr lang="en-ID" sz="1500" b="0">
+                <a:solidFill>
+                  <a:srgbClr val="6E7781"/>
+                </a:solidFill>
+                <a:effectLst/>
+                <a:latin typeface="Consolas" panose="020B0609020204030204" pitchFamily="49" charset="0"/>
+              </a:rPr>
+              <a:t># ALGORITMA</a:t>
+            </a:r>
+            <a:endParaRPr lang="en-ID" sz="1500" b="0">
+              <a:solidFill>
+                <a:srgbClr val="1F2328"/>
+              </a:solidFill>
+              <a:effectLst/>
+              <a:latin typeface="Consolas" panose="020B0609020204030204" pitchFamily="49" charset="0"/>
+            </a:endParaRPr>
+          </a:p>
+          <a:p>
+            <a:r>
+              <a:rPr lang="en-ID" sz="1500" b="0">
+                <a:solidFill>
+                  <a:srgbClr val="CF222E"/>
+                </a:solidFill>
+                <a:effectLst/>
+                <a:latin typeface="Consolas" panose="020B0609020204030204" pitchFamily="49" charset="0"/>
+              </a:rPr>
+              <a:t>if</a:t>
+            </a:r>
+            <a:r>
+              <a:rPr lang="en-ID" sz="1500" b="0">
+                <a:solidFill>
+                  <a:srgbClr val="1F2328"/>
+                </a:solidFill>
+                <a:effectLst/>
+                <a:latin typeface="Consolas" panose="020B0609020204030204" pitchFamily="49" charset="0"/>
+              </a:rPr>
+              <a:t> __name__</a:t>
+            </a:r>
+            <a:r>
+              <a:rPr lang="en-ID" sz="1500" b="0">
+                <a:solidFill>
+                  <a:srgbClr val="CF222E"/>
+                </a:solidFill>
+                <a:effectLst/>
+                <a:latin typeface="Consolas" panose="020B0609020204030204" pitchFamily="49" charset="0"/>
+              </a:rPr>
+              <a:t>==</a:t>
+            </a:r>
+            <a:r>
+              <a:rPr lang="en-ID" sz="1500" b="0">
+                <a:solidFill>
+                  <a:srgbClr val="1F2328"/>
+                </a:solidFill>
+                <a:effectLst/>
+                <a:latin typeface="Consolas" panose="020B0609020204030204" pitchFamily="49" charset="0"/>
+              </a:rPr>
+              <a:t> </a:t>
+            </a:r>
+            <a:r>
+              <a:rPr lang="en-ID" sz="1500" b="0">
+                <a:solidFill>
+                  <a:srgbClr val="0A3069"/>
+                </a:solidFill>
+                <a:effectLst/>
+                <a:latin typeface="Consolas" panose="020B0609020204030204" pitchFamily="49" charset="0"/>
+              </a:rPr>
+              <a:t>"__main__"</a:t>
+            </a:r>
+            <a:r>
+              <a:rPr lang="en-ID" sz="1500" b="0">
+                <a:solidFill>
+                  <a:srgbClr val="1F2328"/>
+                </a:solidFill>
+                <a:effectLst/>
+                <a:latin typeface="Consolas" panose="020B0609020204030204" pitchFamily="49" charset="0"/>
+              </a:rPr>
+              <a:t>:</a:t>
+            </a:r>
+          </a:p>
+          <a:p>
+            <a:br>
+              <a:rPr lang="en-ID" sz="1500" b="0">
+                <a:solidFill>
+                  <a:srgbClr val="1F2328"/>
+                </a:solidFill>
+                <a:effectLst/>
+                <a:latin typeface="Consolas" panose="020B0609020204030204" pitchFamily="49" charset="0"/>
+              </a:rPr>
+            </a:br>
+            <a:r>
+              <a:rPr lang="en-ID" sz="1500" b="0">
+                <a:solidFill>
+                  <a:srgbClr val="1F2328"/>
+                </a:solidFill>
+                <a:effectLst/>
+                <a:latin typeface="Consolas" panose="020B0609020204030204" pitchFamily="49" charset="0"/>
+              </a:rPr>
+              <a:t>  </a:t>
+            </a:r>
+            <a:r>
+              <a:rPr lang="en-ID" sz="1500" b="0">
+                <a:solidFill>
+                  <a:srgbClr val="8250DF"/>
+                </a:solidFill>
+                <a:effectLst/>
+                <a:latin typeface="Consolas" panose="020B0609020204030204" pitchFamily="49" charset="0"/>
+              </a:rPr>
+              <a:t>print</a:t>
+            </a:r>
+            <a:r>
+              <a:rPr lang="en-ID" sz="1500" b="0">
+                <a:solidFill>
+                  <a:srgbClr val="1F2328"/>
+                </a:solidFill>
+                <a:effectLst/>
+                <a:latin typeface="Consolas" panose="020B0609020204030204" pitchFamily="49" charset="0"/>
+              </a:rPr>
+              <a:t>(</a:t>
+            </a:r>
+            <a:r>
+              <a:rPr lang="en-ID" sz="1500" b="0">
+                <a:solidFill>
+                  <a:srgbClr val="0A3069"/>
+                </a:solidFill>
+                <a:effectLst/>
+                <a:latin typeface="Consolas" panose="020B0609020204030204" pitchFamily="49" charset="0"/>
+              </a:rPr>
+              <a:t>"Perulangan - FOR"</a:t>
+            </a:r>
+            <a:r>
+              <a:rPr lang="en-ID" sz="1500" b="0">
+                <a:solidFill>
+                  <a:srgbClr val="1F2328"/>
+                </a:solidFill>
+                <a:effectLst/>
+                <a:latin typeface="Consolas" panose="020B0609020204030204" pitchFamily="49" charset="0"/>
+              </a:rPr>
+              <a:t>)</a:t>
+            </a:r>
+          </a:p>
+          <a:p>
+            <a:r>
+              <a:rPr lang="en-ID" sz="1500" b="0">
+                <a:solidFill>
+                  <a:srgbClr val="1F2328"/>
+                </a:solidFill>
+                <a:effectLst/>
+                <a:latin typeface="Consolas" panose="020B0609020204030204" pitchFamily="49" charset="0"/>
+              </a:rPr>
+              <a:t>  </a:t>
+            </a:r>
+            <a:r>
+              <a:rPr lang="en-ID" sz="1500" b="0">
+                <a:solidFill>
+                  <a:srgbClr val="CF222E"/>
+                </a:solidFill>
+                <a:effectLst/>
+                <a:latin typeface="Consolas" panose="020B0609020204030204" pitchFamily="49" charset="0"/>
+              </a:rPr>
+              <a:t>for</a:t>
+            </a:r>
+            <a:r>
+              <a:rPr lang="en-ID" sz="1500" b="0">
+                <a:solidFill>
+                  <a:srgbClr val="1F2328"/>
+                </a:solidFill>
+                <a:effectLst/>
+                <a:latin typeface="Consolas" panose="020B0609020204030204" pitchFamily="49" charset="0"/>
+              </a:rPr>
+              <a:t> x </a:t>
+            </a:r>
+            <a:r>
+              <a:rPr lang="en-ID" sz="1500" b="0">
+                <a:solidFill>
+                  <a:srgbClr val="CF222E"/>
+                </a:solidFill>
+                <a:effectLst/>
+                <a:latin typeface="Consolas" panose="020B0609020204030204" pitchFamily="49" charset="0"/>
+              </a:rPr>
+              <a:t>in</a:t>
+            </a:r>
+            <a:r>
+              <a:rPr lang="en-ID" sz="1500" b="0">
+                <a:solidFill>
+                  <a:srgbClr val="1F2328"/>
+                </a:solidFill>
+                <a:effectLst/>
+                <a:latin typeface="Consolas" panose="020B0609020204030204" pitchFamily="49" charset="0"/>
+              </a:rPr>
+              <a:t> </a:t>
+            </a:r>
+            <a:r>
+              <a:rPr lang="en-ID" sz="1500" b="0">
+                <a:solidFill>
+                  <a:srgbClr val="953800"/>
+                </a:solidFill>
+                <a:effectLst/>
+                <a:latin typeface="Consolas" panose="020B0609020204030204" pitchFamily="49" charset="0"/>
+              </a:rPr>
+              <a:t>range</a:t>
+            </a:r>
+            <a:r>
+              <a:rPr lang="en-ID" sz="1500" b="0">
+                <a:solidFill>
+                  <a:srgbClr val="1F2328"/>
+                </a:solidFill>
+                <a:effectLst/>
+                <a:latin typeface="Consolas" panose="020B0609020204030204" pitchFamily="49" charset="0"/>
+              </a:rPr>
+              <a:t>(</a:t>
+            </a:r>
+            <a:r>
+              <a:rPr lang="en-ID" sz="1500" b="0">
+                <a:solidFill>
+                  <a:srgbClr val="0550AE"/>
+                </a:solidFill>
+                <a:effectLst/>
+                <a:latin typeface="Consolas" panose="020B0609020204030204" pitchFamily="49" charset="0"/>
+              </a:rPr>
+              <a:t>1</a:t>
+            </a:r>
+            <a:r>
+              <a:rPr lang="en-ID" sz="1500" b="0">
+                <a:solidFill>
+                  <a:srgbClr val="1F2328"/>
+                </a:solidFill>
+                <a:effectLst/>
+                <a:latin typeface="Consolas" panose="020B0609020204030204" pitchFamily="49" charset="0"/>
+              </a:rPr>
+              <a:t>,</a:t>
+            </a:r>
+            <a:r>
+              <a:rPr lang="en-ID" sz="1500" b="0">
+                <a:solidFill>
+                  <a:srgbClr val="0550AE"/>
+                </a:solidFill>
+                <a:effectLst/>
+                <a:latin typeface="Consolas" panose="020B0609020204030204" pitchFamily="49" charset="0"/>
+              </a:rPr>
+              <a:t>15</a:t>
+            </a:r>
+            <a:r>
+              <a:rPr lang="en-ID" sz="1500" b="0">
+                <a:solidFill>
+                  <a:srgbClr val="1F2328"/>
+                </a:solidFill>
+                <a:effectLst/>
+                <a:latin typeface="Consolas" panose="020B0609020204030204" pitchFamily="49" charset="0"/>
+              </a:rPr>
+              <a:t>,</a:t>
+            </a:r>
+            <a:r>
+              <a:rPr lang="en-ID" sz="1500" b="0">
+                <a:solidFill>
+                  <a:srgbClr val="0550AE"/>
+                </a:solidFill>
+                <a:effectLst/>
+                <a:latin typeface="Consolas" panose="020B0609020204030204" pitchFamily="49" charset="0"/>
+              </a:rPr>
+              <a:t>3</a:t>
+            </a:r>
+            <a:r>
+              <a:rPr lang="en-ID" sz="1500" b="0">
+                <a:solidFill>
+                  <a:srgbClr val="1F2328"/>
+                </a:solidFill>
+                <a:effectLst/>
+                <a:latin typeface="Consolas" panose="020B0609020204030204" pitchFamily="49" charset="0"/>
+              </a:rPr>
+              <a:t>):</a:t>
+            </a:r>
+          </a:p>
+          <a:p>
+            <a:r>
+              <a:rPr lang="en-ID" sz="1500" b="0">
+                <a:solidFill>
+                  <a:srgbClr val="1F2328"/>
+                </a:solidFill>
+                <a:effectLst/>
+                <a:latin typeface="Consolas" panose="020B0609020204030204" pitchFamily="49" charset="0"/>
+              </a:rPr>
+              <a:t>    </a:t>
+            </a:r>
+            <a:r>
+              <a:rPr lang="en-ID" sz="1500" b="0">
+                <a:solidFill>
+                  <a:srgbClr val="8250DF"/>
+                </a:solidFill>
+                <a:effectLst/>
+                <a:latin typeface="Consolas" panose="020B0609020204030204" pitchFamily="49" charset="0"/>
+              </a:rPr>
+              <a:t>print</a:t>
+            </a:r>
+            <a:r>
+              <a:rPr lang="en-ID" sz="1500" b="0">
+                <a:solidFill>
+                  <a:srgbClr val="1F2328"/>
+                </a:solidFill>
+                <a:effectLst/>
+                <a:latin typeface="Consolas" panose="020B0609020204030204" pitchFamily="49" charset="0"/>
+              </a:rPr>
+              <a:t>(</a:t>
+            </a:r>
+            <a:r>
+              <a:rPr lang="en-ID" sz="1500" b="0">
+                <a:solidFill>
+                  <a:srgbClr val="0A3069"/>
+                </a:solidFill>
+                <a:effectLst/>
+                <a:latin typeface="Consolas" panose="020B0609020204030204" pitchFamily="49" charset="0"/>
+              </a:rPr>
+              <a:t>"Bilangan ke-"</a:t>
+            </a:r>
+            <a:r>
+              <a:rPr lang="en-ID" sz="1500" b="0">
+                <a:solidFill>
+                  <a:srgbClr val="CF222E"/>
+                </a:solidFill>
+                <a:effectLst/>
+                <a:latin typeface="Consolas" panose="020B0609020204030204" pitchFamily="49" charset="0"/>
+              </a:rPr>
+              <a:t>+</a:t>
+            </a:r>
+            <a:r>
+              <a:rPr lang="en-ID" sz="1500" b="0">
+                <a:solidFill>
+                  <a:srgbClr val="953800"/>
+                </a:solidFill>
+                <a:effectLst/>
+                <a:latin typeface="Consolas" panose="020B0609020204030204" pitchFamily="49" charset="0"/>
+              </a:rPr>
+              <a:t>str</a:t>
+            </a:r>
+            <a:r>
+              <a:rPr lang="en-ID" sz="1500" b="0">
+                <a:solidFill>
+                  <a:srgbClr val="1F2328"/>
+                </a:solidFill>
+                <a:effectLst/>
+                <a:latin typeface="Consolas" panose="020B0609020204030204" pitchFamily="49" charset="0"/>
+              </a:rPr>
+              <a:t>(x))</a:t>
+            </a:r>
+          </a:p>
+          <a:p>
+            <a:r>
+              <a:rPr lang="en-ID" sz="1500" b="0">
+                <a:solidFill>
+                  <a:srgbClr val="1F2328"/>
+                </a:solidFill>
+                <a:effectLst/>
+                <a:latin typeface="Consolas" panose="020B0609020204030204" pitchFamily="49" charset="0"/>
+              </a:rPr>
+              <a:t>  </a:t>
+            </a:r>
+            <a:r>
+              <a:rPr lang="en-ID" sz="1500" b="0">
+                <a:solidFill>
+                  <a:srgbClr val="6E7781"/>
+                </a:solidFill>
+                <a:effectLst/>
+                <a:latin typeface="Consolas" panose="020B0609020204030204" pitchFamily="49" charset="0"/>
+              </a:rPr>
+              <a:t># ---------------------------------</a:t>
+            </a:r>
+            <a:endParaRPr lang="en-ID" sz="1500" b="0">
+              <a:solidFill>
+                <a:srgbClr val="1F2328"/>
+              </a:solidFill>
+              <a:effectLst/>
+              <a:latin typeface="Consolas" panose="020B0609020204030204" pitchFamily="49" charset="0"/>
+            </a:endParaRPr>
+          </a:p>
+          <a:p>
+            <a:br>
+              <a:rPr lang="en-ID" sz="1500" b="0">
+                <a:solidFill>
+                  <a:srgbClr val="1F2328"/>
+                </a:solidFill>
+                <a:effectLst/>
+                <a:latin typeface="Consolas" panose="020B0609020204030204" pitchFamily="49" charset="0"/>
+              </a:rPr>
+            </a:br>
+            <a:r>
+              <a:rPr lang="en-ID" sz="1500" b="0">
+                <a:solidFill>
+                  <a:srgbClr val="1F2328"/>
+                </a:solidFill>
+                <a:effectLst/>
+                <a:latin typeface="Consolas" panose="020B0609020204030204" pitchFamily="49" charset="0"/>
+              </a:rPr>
+              <a:t>  </a:t>
+            </a:r>
+            <a:r>
+              <a:rPr lang="en-ID" sz="1500" b="0">
+                <a:solidFill>
+                  <a:srgbClr val="8250DF"/>
+                </a:solidFill>
+                <a:effectLst/>
+                <a:latin typeface="Consolas" panose="020B0609020204030204" pitchFamily="49" charset="0"/>
+              </a:rPr>
+              <a:t>print</a:t>
+            </a:r>
+            <a:r>
+              <a:rPr lang="en-ID" sz="1500" b="0">
+                <a:solidFill>
+                  <a:srgbClr val="1F2328"/>
+                </a:solidFill>
+                <a:effectLst/>
+                <a:latin typeface="Consolas" panose="020B0609020204030204" pitchFamily="49" charset="0"/>
+              </a:rPr>
+              <a:t>(</a:t>
+            </a:r>
+            <a:r>
+              <a:rPr lang="en-ID" sz="1500" b="0">
+                <a:solidFill>
+                  <a:srgbClr val="0A3069"/>
+                </a:solidFill>
+                <a:effectLst/>
+                <a:latin typeface="Consolas" panose="020B0609020204030204" pitchFamily="49" charset="0"/>
+              </a:rPr>
+              <a:t>"Perulangan - WHILE"</a:t>
+            </a:r>
+            <a:r>
+              <a:rPr lang="en-ID" sz="1500" b="0">
+                <a:solidFill>
+                  <a:srgbClr val="1F2328"/>
+                </a:solidFill>
+                <a:effectLst/>
+                <a:latin typeface="Consolas" panose="020B0609020204030204" pitchFamily="49" charset="0"/>
+              </a:rPr>
+              <a:t>)</a:t>
+            </a:r>
+          </a:p>
+          <a:p>
+            <a:r>
+              <a:rPr lang="en-ID" sz="1500" b="0">
+                <a:solidFill>
+                  <a:srgbClr val="1F2328"/>
+                </a:solidFill>
+                <a:effectLst/>
+                <a:latin typeface="Consolas" panose="020B0609020204030204" pitchFamily="49" charset="0"/>
+              </a:rPr>
+              <a:t>  y </a:t>
+            </a:r>
+            <a:r>
+              <a:rPr lang="en-ID" sz="1500" b="0">
+                <a:solidFill>
+                  <a:srgbClr val="CF222E"/>
+                </a:solidFill>
+                <a:effectLst/>
+                <a:latin typeface="Consolas" panose="020B0609020204030204" pitchFamily="49" charset="0"/>
+              </a:rPr>
+              <a:t>=</a:t>
+            </a:r>
+            <a:r>
+              <a:rPr lang="en-ID" sz="1500" b="0">
+                <a:solidFill>
+                  <a:srgbClr val="1F2328"/>
+                </a:solidFill>
+                <a:effectLst/>
+                <a:latin typeface="Consolas" panose="020B0609020204030204" pitchFamily="49" charset="0"/>
+              </a:rPr>
+              <a:t> </a:t>
+            </a:r>
+            <a:r>
+              <a:rPr lang="en-ID" sz="1500" b="0">
+                <a:solidFill>
+                  <a:srgbClr val="0550AE"/>
+                </a:solidFill>
+                <a:effectLst/>
+                <a:latin typeface="Consolas" panose="020B0609020204030204" pitchFamily="49" charset="0"/>
+              </a:rPr>
+              <a:t>1</a:t>
+            </a:r>
+            <a:endParaRPr lang="en-ID" sz="1500" b="0">
+              <a:solidFill>
+                <a:srgbClr val="1F2328"/>
+              </a:solidFill>
+              <a:effectLst/>
+              <a:latin typeface="Consolas" panose="020B0609020204030204" pitchFamily="49" charset="0"/>
+            </a:endParaRPr>
+          </a:p>
+          <a:p>
+            <a:r>
+              <a:rPr lang="en-ID" sz="1500" b="0">
+                <a:solidFill>
+                  <a:srgbClr val="1F2328"/>
+                </a:solidFill>
+                <a:effectLst/>
+                <a:latin typeface="Consolas" panose="020B0609020204030204" pitchFamily="49" charset="0"/>
+              </a:rPr>
+              <a:t>  </a:t>
+            </a:r>
+            <a:r>
+              <a:rPr lang="en-ID" sz="1500" b="0">
+                <a:solidFill>
+                  <a:srgbClr val="CF222E"/>
+                </a:solidFill>
+                <a:effectLst/>
+                <a:latin typeface="Consolas" panose="020B0609020204030204" pitchFamily="49" charset="0"/>
+              </a:rPr>
+              <a:t>while</a:t>
+            </a:r>
+            <a:r>
+              <a:rPr lang="en-ID" sz="1500" b="0">
+                <a:solidFill>
+                  <a:srgbClr val="1F2328"/>
+                </a:solidFill>
+                <a:effectLst/>
+                <a:latin typeface="Consolas" panose="020B0609020204030204" pitchFamily="49" charset="0"/>
+              </a:rPr>
+              <a:t> y </a:t>
+            </a:r>
+            <a:r>
+              <a:rPr lang="en-ID" sz="1500" b="0">
+                <a:solidFill>
+                  <a:srgbClr val="CF222E"/>
+                </a:solidFill>
+                <a:effectLst/>
+                <a:latin typeface="Consolas" panose="020B0609020204030204" pitchFamily="49" charset="0"/>
+              </a:rPr>
+              <a:t>&lt;=</a:t>
+            </a:r>
+            <a:r>
+              <a:rPr lang="en-ID" sz="1500" b="0">
+                <a:solidFill>
+                  <a:srgbClr val="1F2328"/>
+                </a:solidFill>
+                <a:effectLst/>
+                <a:latin typeface="Consolas" panose="020B0609020204030204" pitchFamily="49" charset="0"/>
+              </a:rPr>
+              <a:t> </a:t>
+            </a:r>
+            <a:r>
+              <a:rPr lang="en-ID" sz="1500" b="0">
+                <a:solidFill>
+                  <a:srgbClr val="0550AE"/>
+                </a:solidFill>
+                <a:effectLst/>
+                <a:latin typeface="Consolas" panose="020B0609020204030204" pitchFamily="49" charset="0"/>
+              </a:rPr>
+              <a:t>15</a:t>
+            </a:r>
+            <a:r>
+              <a:rPr lang="en-ID" sz="1500" b="0">
+                <a:solidFill>
+                  <a:srgbClr val="1F2328"/>
+                </a:solidFill>
+                <a:effectLst/>
+                <a:latin typeface="Consolas" panose="020B0609020204030204" pitchFamily="49" charset="0"/>
+              </a:rPr>
+              <a:t>:</a:t>
+            </a:r>
+          </a:p>
+          <a:p>
+            <a:r>
+              <a:rPr lang="en-ID" sz="1500" b="0">
+                <a:solidFill>
+                  <a:srgbClr val="1F2328"/>
+                </a:solidFill>
+                <a:effectLst/>
+                <a:latin typeface="Consolas" panose="020B0609020204030204" pitchFamily="49" charset="0"/>
+              </a:rPr>
+              <a:t>    </a:t>
+            </a:r>
+            <a:r>
+              <a:rPr lang="en-ID" sz="1500" b="0">
+                <a:solidFill>
+                  <a:srgbClr val="8250DF"/>
+                </a:solidFill>
+                <a:effectLst/>
+                <a:latin typeface="Consolas" panose="020B0609020204030204" pitchFamily="49" charset="0"/>
+              </a:rPr>
+              <a:t>print</a:t>
+            </a:r>
+            <a:r>
+              <a:rPr lang="en-ID" sz="1500" b="0">
+                <a:solidFill>
+                  <a:srgbClr val="1F2328"/>
+                </a:solidFill>
+                <a:effectLst/>
+                <a:latin typeface="Consolas" panose="020B0609020204030204" pitchFamily="49" charset="0"/>
+              </a:rPr>
+              <a:t>(</a:t>
+            </a:r>
+            <a:r>
+              <a:rPr lang="en-ID" sz="1500" b="0">
+                <a:solidFill>
+                  <a:srgbClr val="0A3069"/>
+                </a:solidFill>
+                <a:effectLst/>
+                <a:latin typeface="Consolas" panose="020B0609020204030204" pitchFamily="49" charset="0"/>
+              </a:rPr>
+              <a:t>"Bilangan ke-"</a:t>
+            </a:r>
+            <a:r>
+              <a:rPr lang="en-ID" sz="1500" b="0">
+                <a:solidFill>
+                  <a:srgbClr val="CF222E"/>
+                </a:solidFill>
+                <a:effectLst/>
+                <a:latin typeface="Consolas" panose="020B0609020204030204" pitchFamily="49" charset="0"/>
+              </a:rPr>
+              <a:t>+</a:t>
+            </a:r>
+            <a:r>
+              <a:rPr lang="en-ID" sz="1500" b="0">
+                <a:solidFill>
+                  <a:srgbClr val="953800"/>
+                </a:solidFill>
+                <a:effectLst/>
+                <a:latin typeface="Consolas" panose="020B0609020204030204" pitchFamily="49" charset="0"/>
+              </a:rPr>
+              <a:t>str</a:t>
+            </a:r>
+            <a:r>
+              <a:rPr lang="en-ID" sz="1500" b="0">
+                <a:solidFill>
+                  <a:srgbClr val="1F2328"/>
+                </a:solidFill>
+                <a:effectLst/>
+                <a:latin typeface="Consolas" panose="020B0609020204030204" pitchFamily="49" charset="0"/>
+              </a:rPr>
+              <a:t>(y))</a:t>
+            </a:r>
+          </a:p>
+          <a:p>
+            <a:r>
+              <a:rPr lang="en-ID" sz="1500" b="0">
+                <a:solidFill>
+                  <a:srgbClr val="1F2328"/>
+                </a:solidFill>
+                <a:effectLst/>
+                <a:latin typeface="Consolas" panose="020B0609020204030204" pitchFamily="49" charset="0"/>
+              </a:rPr>
+              <a:t>    y </a:t>
+            </a:r>
+            <a:r>
+              <a:rPr lang="en-ID" sz="1500" b="0">
+                <a:solidFill>
+                  <a:srgbClr val="CF222E"/>
+                </a:solidFill>
+                <a:effectLst/>
+                <a:latin typeface="Consolas" panose="020B0609020204030204" pitchFamily="49" charset="0"/>
+              </a:rPr>
+              <a:t>=</a:t>
+            </a:r>
+            <a:r>
+              <a:rPr lang="en-ID" sz="1500" b="0">
+                <a:solidFill>
+                  <a:srgbClr val="1F2328"/>
+                </a:solidFill>
+                <a:effectLst/>
+                <a:latin typeface="Consolas" panose="020B0609020204030204" pitchFamily="49" charset="0"/>
+              </a:rPr>
+              <a:t> y </a:t>
+            </a:r>
+            <a:r>
+              <a:rPr lang="en-ID" sz="1500" b="0">
+                <a:solidFill>
+                  <a:srgbClr val="CF222E"/>
+                </a:solidFill>
+                <a:effectLst/>
+                <a:latin typeface="Consolas" panose="020B0609020204030204" pitchFamily="49" charset="0"/>
+              </a:rPr>
+              <a:t>+</a:t>
+            </a:r>
+            <a:r>
+              <a:rPr lang="en-ID" sz="1500" b="0">
+                <a:solidFill>
+                  <a:srgbClr val="1F2328"/>
+                </a:solidFill>
+                <a:effectLst/>
+                <a:latin typeface="Consolas" panose="020B0609020204030204" pitchFamily="49" charset="0"/>
+              </a:rPr>
+              <a:t> </a:t>
+            </a:r>
+            <a:r>
+              <a:rPr lang="en-ID" sz="1500" b="0">
+                <a:solidFill>
+                  <a:srgbClr val="0550AE"/>
+                </a:solidFill>
+                <a:effectLst/>
+                <a:latin typeface="Consolas" panose="020B0609020204030204" pitchFamily="49" charset="0"/>
+              </a:rPr>
+              <a:t>3</a:t>
+            </a:r>
+            <a:endParaRPr lang="en-ID" sz="1500" b="0">
+              <a:solidFill>
+                <a:srgbClr val="1F2328"/>
+              </a:solidFill>
+              <a:effectLst/>
+              <a:latin typeface="Consolas" panose="020B0609020204030204" pitchFamily="49" charset="0"/>
+            </a:endParaRPr>
+          </a:p>
+          <a:p>
+            <a:r>
+              <a:rPr lang="en-ID" sz="1500" b="0">
+                <a:solidFill>
+                  <a:srgbClr val="1F2328"/>
+                </a:solidFill>
+                <a:effectLst/>
+                <a:latin typeface="Consolas" panose="020B0609020204030204" pitchFamily="49" charset="0"/>
+              </a:rPr>
+              <a:t>  </a:t>
+            </a:r>
+            <a:r>
+              <a:rPr lang="en-ID" sz="1500" b="0">
+                <a:solidFill>
+                  <a:srgbClr val="6E7781"/>
+                </a:solidFill>
+                <a:effectLst/>
+                <a:latin typeface="Consolas" panose="020B0609020204030204" pitchFamily="49" charset="0"/>
+              </a:rPr>
+              <a:t># ---------------------------------</a:t>
+            </a:r>
+            <a:endParaRPr lang="en-ID" sz="1500" b="0">
+              <a:solidFill>
+                <a:srgbClr val="1F2328"/>
+              </a:solidFill>
+              <a:effectLst/>
+              <a:latin typeface="Consolas" panose="020B0609020204030204" pitchFamily="49" charset="0"/>
+            </a:endParaRPr>
+          </a:p>
+        </p:txBody>
+      </p:sp>
+    </p:spTree>
+    <p:extLst>
+      <p:ext uri="{BB962C8B-B14F-4D97-AF65-F5344CB8AC3E}">
+        <p14:creationId xmlns:p14="http://schemas.microsoft.com/office/powerpoint/2010/main" val="2715586094"/>
+      </p:ext>
+    </p:extLst>
+  </p:cSld>
+  <p:clrMapOvr>
+    <a:masterClrMapping/>
+  </p:clrMapOvr>
+</p:sld>
+</file>
+
+<file path=ppt/slides/slide12.xml><?xml version="1.0" encoding="utf-8"?>
+<p:sld xmlns:a="http://schemas.openxmlformats.org/drawingml/2006/main" xmlns:r="http://schemas.openxmlformats.org/officeDocument/2006/relationships" xmlns:p="http://schemas.openxmlformats.org/presentationml/2006/main">
+  <p:cSld>
+    <p:spTree>
+      <p:nvGrpSpPr>
+        <p:cNvPr id="1" name=""/>
+        <p:cNvGrpSpPr/>
+        <p:nvPr/>
+      </p:nvGrpSpPr>
+      <p:grpSpPr>
+        <a:xfrm>
+          <a:off x="0" y="0"/>
+          <a:ext cx="0" cy="0"/>
+          <a:chOff x="0" y="0"/>
+          <a:chExt cx="0" cy="0"/>
+        </a:xfrm>
+      </p:grpSpPr>
+      <p:sp>
+        <p:nvSpPr>
+          <p:cNvPr id="2" name="Title 1">
+            <a:extLst>
+              <a:ext uri="{FF2B5EF4-FFF2-40B4-BE49-F238E27FC236}">
+                <a16:creationId xmlns:a16="http://schemas.microsoft.com/office/drawing/2014/main" id="{5BE75103-4EB9-997E-68E8-2BFB498FB22C}"/>
+              </a:ext>
+            </a:extLst>
+          </p:cNvPr>
+          <p:cNvSpPr>
+            <a:spLocks noGrp="1"/>
+          </p:cNvSpPr>
+          <p:nvPr>
+            <p:ph type="title"/>
+          </p:nvPr>
+        </p:nvSpPr>
+        <p:spPr>
+          <a:xfrm>
+            <a:off x="221226" y="365125"/>
+            <a:ext cx="11769212" cy="1325563"/>
+          </a:xfrm>
+        </p:spPr>
+        <p:txBody>
+          <a:bodyPr/>
+          <a:lstStyle/>
+          <a:p>
+            <a:pPr algn="ctr"/>
+            <a:r>
+              <a:rPr lang="en-US"/>
+              <a:t>Python – Looping</a:t>
+            </a:r>
+            <a:endParaRPr lang="en-ID"/>
+          </a:p>
+        </p:txBody>
+      </p:sp>
+      <p:sp>
+        <p:nvSpPr>
+          <p:cNvPr id="6" name="Rectangle 5">
+            <a:extLst>
+              <a:ext uri="{FF2B5EF4-FFF2-40B4-BE49-F238E27FC236}">
+                <a16:creationId xmlns:a16="http://schemas.microsoft.com/office/drawing/2014/main" id="{A04EAC0C-EF9A-5A6A-8471-812DF50E692B}"/>
+              </a:ext>
+            </a:extLst>
+          </p:cNvPr>
+          <p:cNvSpPr/>
+          <p:nvPr/>
+        </p:nvSpPr>
+        <p:spPr>
+          <a:xfrm>
+            <a:off x="0" y="6492875"/>
+            <a:ext cx="12191999" cy="365124"/>
+          </a:xfrm>
+          <a:prstGeom prst="rect">
+            <a:avLst/>
+          </a:prstGeom>
+        </p:spPr>
+        <p:style>
+          <a:lnRef idx="2">
+            <a:schemeClr val="accent1">
+              <a:shade val="15000"/>
+            </a:schemeClr>
+          </a:lnRef>
+          <a:fillRef idx="1">
+            <a:schemeClr val="accent1"/>
+          </a:fillRef>
+          <a:effectRef idx="0">
+            <a:schemeClr val="accent1"/>
+          </a:effectRef>
+          <a:fontRef idx="minor">
+            <a:schemeClr val="lt1"/>
+          </a:fontRef>
+        </p:style>
+        <p:txBody>
+          <a:bodyPr rtlCol="0" anchor="ctr"/>
+          <a:lstStyle/>
+          <a:p>
+            <a:pPr algn="ctr"/>
+            <a:endParaRPr lang="en-ID"/>
+          </a:p>
+        </p:txBody>
+      </p:sp>
+      <p:sp>
+        <p:nvSpPr>
+          <p:cNvPr id="7" name="TextBox 6">
+            <a:extLst>
+              <a:ext uri="{FF2B5EF4-FFF2-40B4-BE49-F238E27FC236}">
+                <a16:creationId xmlns:a16="http://schemas.microsoft.com/office/drawing/2014/main" id="{FC9822B0-EC3F-B539-C6E8-2567E51C5866}"/>
+              </a:ext>
+            </a:extLst>
+          </p:cNvPr>
+          <p:cNvSpPr txBox="1"/>
+          <p:nvPr/>
+        </p:nvSpPr>
+        <p:spPr>
+          <a:xfrm>
+            <a:off x="2043917" y="1690688"/>
+            <a:ext cx="8123830" cy="3554819"/>
+          </a:xfrm>
+          <a:prstGeom prst="rect">
+            <a:avLst/>
+          </a:prstGeom>
+          <a:solidFill>
+            <a:schemeClr val="accent4">
+              <a:lumMod val="20000"/>
+              <a:lumOff val="80000"/>
+            </a:schemeClr>
+          </a:solidFill>
+        </p:spPr>
+        <p:style>
+          <a:lnRef idx="2">
+            <a:schemeClr val="dk1"/>
+          </a:lnRef>
+          <a:fillRef idx="1">
+            <a:schemeClr val="lt1"/>
+          </a:fillRef>
+          <a:effectRef idx="0">
+            <a:schemeClr val="dk1"/>
+          </a:effectRef>
+          <a:fontRef idx="minor">
+            <a:schemeClr val="dk1"/>
+          </a:fontRef>
+        </p:style>
+        <p:txBody>
+          <a:bodyPr wrap="square">
+            <a:spAutoFit/>
+          </a:bodyPr>
+          <a:lstStyle/>
+          <a:p>
+            <a:r>
+              <a:rPr lang="en-ID" sz="1500" b="0">
+                <a:solidFill>
+                  <a:srgbClr val="6A737D"/>
+                </a:solidFill>
+                <a:effectLst/>
+                <a:latin typeface="Consolas" panose="020B0609020204030204" pitchFamily="49" charset="0"/>
+              </a:rPr>
+              <a:t># PROGRAM Faktorial.py</a:t>
+            </a:r>
+            <a:endParaRPr lang="en-ID" sz="1500" b="0">
+              <a:solidFill>
+                <a:srgbClr val="24292E"/>
+              </a:solidFill>
+              <a:effectLst/>
+              <a:latin typeface="Consolas" panose="020B0609020204030204" pitchFamily="49" charset="0"/>
+            </a:endParaRPr>
+          </a:p>
+          <a:p>
+            <a:br>
+              <a:rPr lang="en-ID" sz="1500" b="0">
+                <a:solidFill>
+                  <a:srgbClr val="24292E"/>
+                </a:solidFill>
+                <a:effectLst/>
+                <a:latin typeface="Consolas" panose="020B0609020204030204" pitchFamily="49" charset="0"/>
+              </a:rPr>
+            </a:br>
+            <a:r>
+              <a:rPr lang="en-ID" sz="1500" b="0">
+                <a:solidFill>
+                  <a:srgbClr val="6A737D"/>
+                </a:solidFill>
+                <a:effectLst/>
+                <a:latin typeface="Consolas" panose="020B0609020204030204" pitchFamily="49" charset="0"/>
+              </a:rPr>
+              <a:t># main method</a:t>
+            </a:r>
+            <a:endParaRPr lang="en-ID" sz="1500" b="0">
+              <a:solidFill>
+                <a:srgbClr val="24292E"/>
+              </a:solidFill>
+              <a:effectLst/>
+              <a:latin typeface="Consolas" panose="020B0609020204030204" pitchFamily="49" charset="0"/>
+            </a:endParaRPr>
+          </a:p>
+          <a:p>
+            <a:r>
+              <a:rPr lang="en-ID" sz="1500" b="0">
+                <a:solidFill>
+                  <a:srgbClr val="D73A49"/>
+                </a:solidFill>
+                <a:effectLst/>
+                <a:latin typeface="Consolas" panose="020B0609020204030204" pitchFamily="49" charset="0"/>
+              </a:rPr>
+              <a:t>if</a:t>
+            </a:r>
+            <a:r>
+              <a:rPr lang="en-ID" sz="1500" b="0">
+                <a:solidFill>
+                  <a:srgbClr val="24292E"/>
+                </a:solidFill>
+                <a:effectLst/>
+                <a:latin typeface="Consolas" panose="020B0609020204030204" pitchFamily="49" charset="0"/>
+              </a:rPr>
+              <a:t> __name__ </a:t>
+            </a:r>
+            <a:r>
+              <a:rPr lang="en-ID" sz="1500" b="0">
+                <a:solidFill>
+                  <a:srgbClr val="D73A49"/>
+                </a:solidFill>
+                <a:effectLst/>
+                <a:latin typeface="Consolas" panose="020B0609020204030204" pitchFamily="49" charset="0"/>
+              </a:rPr>
+              <a:t>==</a:t>
+            </a:r>
+            <a:r>
+              <a:rPr lang="en-ID" sz="1500" b="0">
+                <a:solidFill>
+                  <a:srgbClr val="24292E"/>
+                </a:solidFill>
+                <a:effectLst/>
+                <a:latin typeface="Consolas" panose="020B0609020204030204" pitchFamily="49" charset="0"/>
+              </a:rPr>
+              <a:t> </a:t>
+            </a:r>
+            <a:r>
+              <a:rPr lang="en-ID" sz="1500" b="0">
+                <a:solidFill>
+                  <a:srgbClr val="032F62"/>
+                </a:solidFill>
+                <a:effectLst/>
+                <a:latin typeface="Consolas" panose="020B0609020204030204" pitchFamily="49" charset="0"/>
+              </a:rPr>
+              <a:t>"__main__"</a:t>
+            </a:r>
+            <a:r>
+              <a:rPr lang="en-ID" sz="1500" b="0">
+                <a:solidFill>
+                  <a:srgbClr val="24292E"/>
+                </a:solidFill>
+                <a:effectLst/>
+                <a:latin typeface="Consolas" panose="020B0609020204030204" pitchFamily="49" charset="0"/>
+              </a:rPr>
+              <a:t>:</a:t>
+            </a:r>
+          </a:p>
+          <a:p>
+            <a:br>
+              <a:rPr lang="en-ID" sz="1500" b="0">
+                <a:solidFill>
+                  <a:srgbClr val="24292E"/>
+                </a:solidFill>
+                <a:effectLst/>
+                <a:latin typeface="Consolas" panose="020B0609020204030204" pitchFamily="49" charset="0"/>
+              </a:rPr>
+            </a:br>
+            <a:r>
+              <a:rPr lang="en-ID" sz="1500" b="0">
+                <a:solidFill>
+                  <a:srgbClr val="24292E"/>
+                </a:solidFill>
+                <a:effectLst/>
+                <a:latin typeface="Consolas" panose="020B0609020204030204" pitchFamily="49" charset="0"/>
+              </a:rPr>
+              <a:t>  </a:t>
+            </a:r>
+            <a:r>
+              <a:rPr lang="en-ID" sz="1500" b="0">
+                <a:solidFill>
+                  <a:srgbClr val="6A737D"/>
+                </a:solidFill>
+                <a:effectLst/>
+                <a:latin typeface="Consolas" panose="020B0609020204030204" pitchFamily="49" charset="0"/>
+              </a:rPr>
+              <a:t># input program</a:t>
+            </a:r>
+            <a:endParaRPr lang="en-ID" sz="1500" b="0">
+              <a:solidFill>
+                <a:srgbClr val="24292E"/>
+              </a:solidFill>
+              <a:effectLst/>
+              <a:latin typeface="Consolas" panose="020B0609020204030204" pitchFamily="49" charset="0"/>
+            </a:endParaRPr>
+          </a:p>
+          <a:p>
+            <a:r>
+              <a:rPr lang="en-ID" sz="1500" b="0">
+                <a:solidFill>
+                  <a:srgbClr val="24292E"/>
+                </a:solidFill>
+                <a:effectLst/>
+                <a:latin typeface="Consolas" panose="020B0609020204030204" pitchFamily="49" charset="0"/>
+              </a:rPr>
+              <a:t>  bilangan </a:t>
+            </a:r>
+            <a:r>
+              <a:rPr lang="en-ID" sz="1500" b="0">
+                <a:solidFill>
+                  <a:srgbClr val="D73A49"/>
+                </a:solidFill>
+                <a:effectLst/>
+                <a:latin typeface="Consolas" panose="020B0609020204030204" pitchFamily="49" charset="0"/>
+              </a:rPr>
+              <a:t>=</a:t>
+            </a:r>
+            <a:r>
+              <a:rPr lang="en-ID" sz="1500" b="0">
+                <a:solidFill>
+                  <a:srgbClr val="24292E"/>
+                </a:solidFill>
+                <a:effectLst/>
+                <a:latin typeface="Consolas" panose="020B0609020204030204" pitchFamily="49" charset="0"/>
+              </a:rPr>
+              <a:t> </a:t>
+            </a:r>
+            <a:r>
+              <a:rPr lang="en-ID" sz="1500" b="0">
+                <a:solidFill>
+                  <a:srgbClr val="6F42C1"/>
+                </a:solidFill>
+                <a:effectLst/>
+                <a:latin typeface="Consolas" panose="020B0609020204030204" pitchFamily="49" charset="0"/>
+              </a:rPr>
+              <a:t>int</a:t>
+            </a:r>
+            <a:r>
+              <a:rPr lang="en-ID" sz="1500" b="0">
+                <a:solidFill>
+                  <a:srgbClr val="24292E"/>
+                </a:solidFill>
+                <a:effectLst/>
+                <a:latin typeface="Consolas" panose="020B0609020204030204" pitchFamily="49" charset="0"/>
+              </a:rPr>
+              <a:t>(</a:t>
+            </a:r>
+            <a:r>
+              <a:rPr lang="en-ID" sz="1500" b="0">
+                <a:solidFill>
+                  <a:srgbClr val="6F42C1"/>
+                </a:solidFill>
+                <a:effectLst/>
+                <a:latin typeface="Consolas" panose="020B0609020204030204" pitchFamily="49" charset="0"/>
+              </a:rPr>
+              <a:t>input</a:t>
+            </a:r>
+            <a:r>
+              <a:rPr lang="en-ID" sz="1500" b="0">
+                <a:solidFill>
+                  <a:srgbClr val="24292E"/>
+                </a:solidFill>
+                <a:effectLst/>
+                <a:latin typeface="Consolas" panose="020B0609020204030204" pitchFamily="49" charset="0"/>
+              </a:rPr>
+              <a:t>(</a:t>
+            </a:r>
+            <a:r>
+              <a:rPr lang="en-ID" sz="1500" b="0">
+                <a:solidFill>
+                  <a:srgbClr val="032F62"/>
+                </a:solidFill>
+                <a:effectLst/>
+                <a:latin typeface="Consolas" panose="020B0609020204030204" pitchFamily="49" charset="0"/>
+              </a:rPr>
+              <a:t>"Masukan sebuah bilangan: "</a:t>
+            </a:r>
+            <a:r>
+              <a:rPr lang="en-ID" sz="1500" b="0">
+                <a:solidFill>
+                  <a:srgbClr val="24292E"/>
+                </a:solidFill>
+                <a:effectLst/>
+                <a:latin typeface="Consolas" panose="020B0609020204030204" pitchFamily="49" charset="0"/>
+              </a:rPr>
+              <a:t>))</a:t>
+            </a:r>
+          </a:p>
+          <a:p>
+            <a:br>
+              <a:rPr lang="en-ID" sz="1500" b="0">
+                <a:solidFill>
+                  <a:srgbClr val="24292E"/>
+                </a:solidFill>
+                <a:effectLst/>
+                <a:latin typeface="Consolas" panose="020B0609020204030204" pitchFamily="49" charset="0"/>
+              </a:rPr>
+            </a:br>
+            <a:r>
+              <a:rPr lang="en-ID" sz="1500" b="0">
+                <a:solidFill>
+                  <a:srgbClr val="24292E"/>
+                </a:solidFill>
+                <a:effectLst/>
+                <a:latin typeface="Consolas" panose="020B0609020204030204" pitchFamily="49" charset="0"/>
+              </a:rPr>
+              <a:t>  </a:t>
+            </a:r>
+            <a:r>
+              <a:rPr lang="en-ID" sz="1500" b="0">
+                <a:solidFill>
+                  <a:srgbClr val="6A737D"/>
+                </a:solidFill>
+                <a:effectLst/>
+                <a:latin typeface="Consolas" panose="020B0609020204030204" pitchFamily="49" charset="0"/>
+              </a:rPr>
+              <a:t># proses menghitung faktorial</a:t>
+            </a:r>
+            <a:endParaRPr lang="en-ID" sz="1500" b="0">
+              <a:solidFill>
+                <a:srgbClr val="24292E"/>
+              </a:solidFill>
+              <a:effectLst/>
+              <a:latin typeface="Consolas" panose="020B0609020204030204" pitchFamily="49" charset="0"/>
+            </a:endParaRPr>
+          </a:p>
+          <a:p>
+            <a:r>
+              <a:rPr lang="en-ID" sz="1500" b="0">
+                <a:solidFill>
+                  <a:srgbClr val="24292E"/>
+                </a:solidFill>
+                <a:effectLst/>
+                <a:latin typeface="Consolas" panose="020B0609020204030204" pitchFamily="49" charset="0"/>
+              </a:rPr>
+              <a:t>  faktorial </a:t>
+            </a:r>
+            <a:r>
+              <a:rPr lang="en-ID" sz="1500" b="0">
+                <a:solidFill>
+                  <a:srgbClr val="D73A49"/>
+                </a:solidFill>
+                <a:effectLst/>
+                <a:latin typeface="Consolas" panose="020B0609020204030204" pitchFamily="49" charset="0"/>
+              </a:rPr>
+              <a:t>=</a:t>
+            </a:r>
+            <a:r>
+              <a:rPr lang="en-ID" sz="1500" b="0">
+                <a:solidFill>
+                  <a:srgbClr val="24292E"/>
+                </a:solidFill>
+                <a:effectLst/>
+                <a:latin typeface="Consolas" panose="020B0609020204030204" pitchFamily="49" charset="0"/>
+              </a:rPr>
+              <a:t> </a:t>
+            </a:r>
+            <a:r>
+              <a:rPr lang="en-ID" sz="1500" b="0">
+                <a:solidFill>
+                  <a:srgbClr val="005CC5"/>
+                </a:solidFill>
+                <a:effectLst/>
+                <a:latin typeface="Consolas" panose="020B0609020204030204" pitchFamily="49" charset="0"/>
+              </a:rPr>
+              <a:t>1</a:t>
+            </a:r>
+            <a:endParaRPr lang="en-ID" sz="1500" b="0">
+              <a:solidFill>
+                <a:srgbClr val="24292E"/>
+              </a:solidFill>
+              <a:effectLst/>
+              <a:latin typeface="Consolas" panose="020B0609020204030204" pitchFamily="49" charset="0"/>
+            </a:endParaRPr>
+          </a:p>
+          <a:p>
+            <a:r>
+              <a:rPr lang="en-ID" sz="1500" b="0">
+                <a:solidFill>
+                  <a:srgbClr val="24292E"/>
+                </a:solidFill>
+                <a:effectLst/>
+                <a:latin typeface="Consolas" panose="020B0609020204030204" pitchFamily="49" charset="0"/>
+              </a:rPr>
+              <a:t>  </a:t>
+            </a:r>
+            <a:r>
+              <a:rPr lang="en-ID" sz="1500" b="0">
+                <a:solidFill>
+                  <a:srgbClr val="D73A49"/>
+                </a:solidFill>
+                <a:effectLst/>
+                <a:latin typeface="Consolas" panose="020B0609020204030204" pitchFamily="49" charset="0"/>
+              </a:rPr>
+              <a:t>for</a:t>
+            </a:r>
+            <a:r>
+              <a:rPr lang="en-ID" sz="1500" b="0">
+                <a:solidFill>
+                  <a:srgbClr val="24292E"/>
+                </a:solidFill>
+                <a:effectLst/>
+                <a:latin typeface="Consolas" panose="020B0609020204030204" pitchFamily="49" charset="0"/>
+              </a:rPr>
+              <a:t> i </a:t>
+            </a:r>
+            <a:r>
+              <a:rPr lang="en-ID" sz="1500" b="0">
+                <a:solidFill>
+                  <a:srgbClr val="D73A49"/>
+                </a:solidFill>
+                <a:effectLst/>
+                <a:latin typeface="Consolas" panose="020B0609020204030204" pitchFamily="49" charset="0"/>
+              </a:rPr>
+              <a:t>in</a:t>
+            </a:r>
+            <a:r>
+              <a:rPr lang="en-ID" sz="1500" b="0">
+                <a:solidFill>
+                  <a:srgbClr val="24292E"/>
+                </a:solidFill>
+                <a:effectLst/>
+                <a:latin typeface="Consolas" panose="020B0609020204030204" pitchFamily="49" charset="0"/>
+              </a:rPr>
+              <a:t> </a:t>
+            </a:r>
+            <a:r>
+              <a:rPr lang="en-ID" sz="1500" b="0">
+                <a:solidFill>
+                  <a:srgbClr val="6F42C1"/>
+                </a:solidFill>
+                <a:effectLst/>
+                <a:latin typeface="Consolas" panose="020B0609020204030204" pitchFamily="49" charset="0"/>
+              </a:rPr>
+              <a:t>range</a:t>
+            </a:r>
+            <a:r>
+              <a:rPr lang="en-ID" sz="1500" b="0">
+                <a:solidFill>
+                  <a:srgbClr val="24292E"/>
+                </a:solidFill>
+                <a:effectLst/>
+                <a:latin typeface="Consolas" panose="020B0609020204030204" pitchFamily="49" charset="0"/>
+              </a:rPr>
+              <a:t>(bilangan, </a:t>
+            </a:r>
+            <a:r>
+              <a:rPr lang="en-ID" sz="1500" b="0">
+                <a:solidFill>
+                  <a:srgbClr val="005CC5"/>
+                </a:solidFill>
+                <a:effectLst/>
+                <a:latin typeface="Consolas" panose="020B0609020204030204" pitchFamily="49" charset="0"/>
+              </a:rPr>
+              <a:t>1</a:t>
+            </a:r>
+            <a:r>
+              <a:rPr lang="en-ID" sz="1500" b="0">
+                <a:solidFill>
+                  <a:srgbClr val="24292E"/>
+                </a:solidFill>
+                <a:effectLst/>
+                <a:latin typeface="Consolas" panose="020B0609020204030204" pitchFamily="49" charset="0"/>
+              </a:rPr>
+              <a:t>, </a:t>
+            </a:r>
+            <a:r>
+              <a:rPr lang="en-ID" sz="1500" b="0">
+                <a:solidFill>
+                  <a:srgbClr val="D73A49"/>
+                </a:solidFill>
+                <a:effectLst/>
+                <a:latin typeface="Consolas" panose="020B0609020204030204" pitchFamily="49" charset="0"/>
+              </a:rPr>
+              <a:t>-</a:t>
+            </a:r>
+            <a:r>
+              <a:rPr lang="en-ID" sz="1500" b="0">
+                <a:solidFill>
+                  <a:srgbClr val="005CC5"/>
+                </a:solidFill>
+                <a:effectLst/>
+                <a:latin typeface="Consolas" panose="020B0609020204030204" pitchFamily="49" charset="0"/>
+              </a:rPr>
+              <a:t>1</a:t>
+            </a:r>
+            <a:r>
+              <a:rPr lang="en-ID" sz="1500" b="0">
+                <a:solidFill>
+                  <a:srgbClr val="24292E"/>
+                </a:solidFill>
+                <a:effectLst/>
+                <a:latin typeface="Consolas" panose="020B0609020204030204" pitchFamily="49" charset="0"/>
+              </a:rPr>
+              <a:t>):</a:t>
+            </a:r>
+          </a:p>
+          <a:p>
+            <a:r>
+              <a:rPr lang="en-ID" sz="1500" b="0">
+                <a:solidFill>
+                  <a:srgbClr val="24292E"/>
+                </a:solidFill>
+                <a:effectLst/>
+                <a:latin typeface="Consolas" panose="020B0609020204030204" pitchFamily="49" charset="0"/>
+              </a:rPr>
+              <a:t>    faktorial </a:t>
+            </a:r>
+            <a:r>
+              <a:rPr lang="en-ID" sz="1500" b="0">
+                <a:solidFill>
+                  <a:srgbClr val="D73A49"/>
+                </a:solidFill>
+                <a:effectLst/>
+                <a:latin typeface="Consolas" panose="020B0609020204030204" pitchFamily="49" charset="0"/>
+              </a:rPr>
+              <a:t>=</a:t>
+            </a:r>
+            <a:r>
+              <a:rPr lang="en-ID" sz="1500" b="0">
+                <a:solidFill>
+                  <a:srgbClr val="24292E"/>
+                </a:solidFill>
+                <a:effectLst/>
+                <a:latin typeface="Consolas" panose="020B0609020204030204" pitchFamily="49" charset="0"/>
+              </a:rPr>
+              <a:t> faktorial </a:t>
+            </a:r>
+            <a:r>
+              <a:rPr lang="en-ID" sz="1500" b="0">
+                <a:solidFill>
+                  <a:srgbClr val="D73A49"/>
+                </a:solidFill>
+                <a:effectLst/>
+                <a:latin typeface="Consolas" panose="020B0609020204030204" pitchFamily="49" charset="0"/>
+              </a:rPr>
+              <a:t>*</a:t>
+            </a:r>
+            <a:r>
+              <a:rPr lang="en-ID" sz="1500" b="0">
+                <a:solidFill>
+                  <a:srgbClr val="24292E"/>
+                </a:solidFill>
+                <a:effectLst/>
+                <a:latin typeface="Consolas" panose="020B0609020204030204" pitchFamily="49" charset="0"/>
+              </a:rPr>
+              <a:t> i</a:t>
+            </a:r>
+          </a:p>
+          <a:p>
+            <a:r>
+              <a:rPr lang="en-ID" sz="1500" b="0">
+                <a:solidFill>
+                  <a:srgbClr val="24292E"/>
+                </a:solidFill>
+                <a:effectLst/>
+                <a:latin typeface="Consolas" panose="020B0609020204030204" pitchFamily="49" charset="0"/>
+              </a:rPr>
+              <a:t>  </a:t>
+            </a:r>
+          </a:p>
+          <a:p>
+            <a:r>
+              <a:rPr lang="en-ID" sz="1500" b="0">
+                <a:solidFill>
+                  <a:srgbClr val="24292E"/>
+                </a:solidFill>
+                <a:effectLst/>
+                <a:latin typeface="Consolas" panose="020B0609020204030204" pitchFamily="49" charset="0"/>
+              </a:rPr>
+              <a:t>  </a:t>
+            </a:r>
+            <a:r>
+              <a:rPr lang="en-ID" sz="1500" b="0">
+                <a:solidFill>
+                  <a:srgbClr val="6A737D"/>
+                </a:solidFill>
+                <a:effectLst/>
+                <a:latin typeface="Consolas" panose="020B0609020204030204" pitchFamily="49" charset="0"/>
+              </a:rPr>
+              <a:t># output program</a:t>
+            </a:r>
+            <a:endParaRPr lang="en-ID" sz="1500" b="0">
+              <a:solidFill>
+                <a:srgbClr val="24292E"/>
+              </a:solidFill>
+              <a:effectLst/>
+              <a:latin typeface="Consolas" panose="020B0609020204030204" pitchFamily="49" charset="0"/>
+            </a:endParaRPr>
+          </a:p>
+          <a:p>
+            <a:r>
+              <a:rPr lang="en-ID" sz="1500" b="0">
+                <a:solidFill>
+                  <a:srgbClr val="24292E"/>
+                </a:solidFill>
+                <a:effectLst/>
+                <a:latin typeface="Consolas" panose="020B0609020204030204" pitchFamily="49" charset="0"/>
+              </a:rPr>
+              <a:t>  </a:t>
+            </a:r>
+            <a:r>
+              <a:rPr lang="en-ID" sz="1500" b="0">
+                <a:solidFill>
+                  <a:srgbClr val="6F42C1"/>
+                </a:solidFill>
+                <a:effectLst/>
+                <a:latin typeface="Consolas" panose="020B0609020204030204" pitchFamily="49" charset="0"/>
+              </a:rPr>
+              <a:t>print</a:t>
+            </a:r>
+            <a:r>
+              <a:rPr lang="en-ID" sz="1500" b="0">
+                <a:solidFill>
+                  <a:srgbClr val="24292E"/>
+                </a:solidFill>
+                <a:effectLst/>
+                <a:latin typeface="Consolas" panose="020B0609020204030204" pitchFamily="49" charset="0"/>
+              </a:rPr>
+              <a:t>(</a:t>
+            </a:r>
+            <a:r>
+              <a:rPr lang="en-ID" sz="1500" b="0">
+                <a:solidFill>
+                  <a:srgbClr val="032F62"/>
+                </a:solidFill>
+                <a:effectLst/>
+                <a:latin typeface="Consolas" panose="020B0609020204030204" pitchFamily="49" charset="0"/>
+              </a:rPr>
+              <a:t>"faktorial "</a:t>
+            </a:r>
+            <a:r>
+              <a:rPr lang="en-ID" sz="1500" b="0">
+                <a:solidFill>
+                  <a:srgbClr val="D73A49"/>
+                </a:solidFill>
+                <a:effectLst/>
+                <a:latin typeface="Consolas" panose="020B0609020204030204" pitchFamily="49" charset="0"/>
+              </a:rPr>
+              <a:t>+</a:t>
+            </a:r>
+            <a:r>
+              <a:rPr lang="en-ID" sz="1500" b="0">
+                <a:solidFill>
+                  <a:srgbClr val="6F42C1"/>
+                </a:solidFill>
+                <a:effectLst/>
+                <a:latin typeface="Consolas" panose="020B0609020204030204" pitchFamily="49" charset="0"/>
+              </a:rPr>
+              <a:t>str</a:t>
+            </a:r>
+            <a:r>
+              <a:rPr lang="en-ID" sz="1500" b="0">
+                <a:solidFill>
+                  <a:srgbClr val="24292E"/>
+                </a:solidFill>
+                <a:effectLst/>
+                <a:latin typeface="Consolas" panose="020B0609020204030204" pitchFamily="49" charset="0"/>
+              </a:rPr>
+              <a:t>(bilangan)</a:t>
+            </a:r>
+            <a:r>
+              <a:rPr lang="en-ID" sz="1500" b="0">
+                <a:solidFill>
+                  <a:srgbClr val="D73A49"/>
+                </a:solidFill>
+                <a:effectLst/>
+                <a:latin typeface="Consolas" panose="020B0609020204030204" pitchFamily="49" charset="0"/>
+              </a:rPr>
+              <a:t>+</a:t>
+            </a:r>
+            <a:r>
+              <a:rPr lang="en-ID" sz="1500" b="0">
+                <a:solidFill>
+                  <a:srgbClr val="032F62"/>
+                </a:solidFill>
+                <a:effectLst/>
+                <a:latin typeface="Consolas" panose="020B0609020204030204" pitchFamily="49" charset="0"/>
+              </a:rPr>
+              <a:t>" adalah :"</a:t>
+            </a:r>
+            <a:r>
+              <a:rPr lang="en-ID" sz="1500" b="0">
+                <a:solidFill>
+                  <a:srgbClr val="D73A49"/>
+                </a:solidFill>
+                <a:effectLst/>
+                <a:latin typeface="Consolas" panose="020B0609020204030204" pitchFamily="49" charset="0"/>
+              </a:rPr>
+              <a:t>+</a:t>
+            </a:r>
+            <a:r>
+              <a:rPr lang="en-ID" sz="1500" b="0">
+                <a:solidFill>
+                  <a:srgbClr val="6F42C1"/>
+                </a:solidFill>
+                <a:effectLst/>
+                <a:latin typeface="Consolas" panose="020B0609020204030204" pitchFamily="49" charset="0"/>
+              </a:rPr>
+              <a:t>str</a:t>
+            </a:r>
+            <a:r>
+              <a:rPr lang="en-ID" sz="1500" b="0">
+                <a:solidFill>
+                  <a:srgbClr val="24292E"/>
+                </a:solidFill>
+                <a:effectLst/>
+                <a:latin typeface="Consolas" panose="020B0609020204030204" pitchFamily="49" charset="0"/>
+              </a:rPr>
+              <a:t>(faktorial))</a:t>
+            </a:r>
+          </a:p>
+        </p:txBody>
+      </p:sp>
+    </p:spTree>
+    <p:extLst>
+      <p:ext uri="{BB962C8B-B14F-4D97-AF65-F5344CB8AC3E}">
+        <p14:creationId xmlns:p14="http://schemas.microsoft.com/office/powerpoint/2010/main" val="1778796070"/>
+      </p:ext>
+    </p:extLst>
+  </p:cSld>
+  <p:clrMapOvr>
+    <a:masterClrMapping/>
+  </p:clrMapOvr>
+</p:sld>
+</file>
+
+<file path=ppt/slides/slide13.xml><?xml version="1.0" encoding="utf-8"?>
+<p:sld xmlns:a="http://schemas.openxmlformats.org/drawingml/2006/main" xmlns:r="http://schemas.openxmlformats.org/officeDocument/2006/relationships" xmlns:p="http://schemas.openxmlformats.org/presentationml/2006/main">
+  <p:cSld>
+    <p:spTree>
+      <p:nvGrpSpPr>
+        <p:cNvPr id="1" name=""/>
+        <p:cNvGrpSpPr/>
+        <p:nvPr/>
+      </p:nvGrpSpPr>
+      <p:grpSpPr>
+        <a:xfrm>
+          <a:off x="0" y="0"/>
+          <a:ext cx="0" cy="0"/>
+          <a:chOff x="0" y="0"/>
+          <a:chExt cx="0" cy="0"/>
+        </a:xfrm>
+      </p:grpSpPr>
+      <p:sp>
+        <p:nvSpPr>
+          <p:cNvPr id="2" name="Title 1">
+            <a:extLst>
+              <a:ext uri="{FF2B5EF4-FFF2-40B4-BE49-F238E27FC236}">
+                <a16:creationId xmlns:a16="http://schemas.microsoft.com/office/drawing/2014/main" id="{5BE75103-4EB9-997E-68E8-2BFB498FB22C}"/>
+              </a:ext>
+            </a:extLst>
+          </p:cNvPr>
+          <p:cNvSpPr>
+            <a:spLocks noGrp="1"/>
+          </p:cNvSpPr>
+          <p:nvPr>
+            <p:ph type="title"/>
+          </p:nvPr>
+        </p:nvSpPr>
+        <p:spPr>
+          <a:xfrm>
+            <a:off x="221226" y="365125"/>
+            <a:ext cx="11769212" cy="1325563"/>
+          </a:xfrm>
+        </p:spPr>
+        <p:txBody>
+          <a:bodyPr/>
+          <a:lstStyle/>
+          <a:p>
+            <a:pPr algn="ctr"/>
+            <a:r>
+              <a:rPr lang="en-US"/>
+              <a:t>Python – Looping</a:t>
             </a:r>
             <a:endParaRPr lang="en-ID"/>
           </a:p>
@@ -4945,9 +6031,2165 @@
           </a:xfrm>
         </p:spPr>
         <p:txBody>
+          <a:bodyPr>
+            <a:normAutofit/>
+          </a:bodyPr>
+          <a:lstStyle/>
+          <a:p>
+            <a:r>
+              <a:rPr lang="en-US" sz="2200"/>
+              <a:t>Buatlah program untuk menghitung jumlah bilangan ganjil dari 1 sampai N (yaitu 1, 3, 5, …, N). </a:t>
+            </a:r>
+          </a:p>
+          <a:p>
+            <a:r>
+              <a:rPr lang="en-US" sz="2200"/>
+              <a:t>Tuliskan program untuk menampilkan bilangan prima diantara 1 sampai 100.</a:t>
+            </a:r>
+          </a:p>
+          <a:p>
+            <a:r>
+              <a:rPr lang="en-US" sz="2200"/>
+              <a:t>Tuliskan program untuk menampilkan bilangan fibonaci diantara 1 sampai 100.</a:t>
+            </a:r>
+          </a:p>
+          <a:p>
+            <a:r>
+              <a:rPr lang="en-US" sz="2200"/>
+              <a:t>Buatlah program untuk menampilkan pola Bintang berikut.</a:t>
+            </a:r>
+          </a:p>
+          <a:p>
+            <a:pPr marL="0" indent="0">
+              <a:buNone/>
+            </a:pPr>
+            <a:endParaRPr lang="en-ID" sz="2200"/>
+          </a:p>
+        </p:txBody>
+      </p:sp>
+      <p:sp>
+        <p:nvSpPr>
+          <p:cNvPr id="4" name="Rectangle 3">
+            <a:extLst>
+              <a:ext uri="{FF2B5EF4-FFF2-40B4-BE49-F238E27FC236}">
+                <a16:creationId xmlns:a16="http://schemas.microsoft.com/office/drawing/2014/main" id="{FBABB7BE-CDDF-5F8C-0140-A6991F61E6EF}"/>
+              </a:ext>
+            </a:extLst>
+          </p:cNvPr>
+          <p:cNvSpPr/>
+          <p:nvPr/>
+        </p:nvSpPr>
+        <p:spPr>
+          <a:xfrm>
+            <a:off x="0" y="6492875"/>
+            <a:ext cx="12191999" cy="365124"/>
+          </a:xfrm>
+          <a:prstGeom prst="rect">
+            <a:avLst/>
+          </a:prstGeom>
+        </p:spPr>
+        <p:style>
+          <a:lnRef idx="2">
+            <a:schemeClr val="accent1">
+              <a:shade val="15000"/>
+            </a:schemeClr>
+          </a:lnRef>
+          <a:fillRef idx="1">
+            <a:schemeClr val="accent1"/>
+          </a:fillRef>
+          <a:effectRef idx="0">
+            <a:schemeClr val="accent1"/>
+          </a:effectRef>
+          <a:fontRef idx="minor">
+            <a:schemeClr val="lt1"/>
+          </a:fontRef>
+        </p:style>
+        <p:txBody>
+          <a:bodyPr rtlCol="0" anchor="ctr"/>
+          <a:lstStyle/>
+          <a:p>
+            <a:pPr algn="ctr"/>
+            <a:endParaRPr lang="en-ID"/>
+          </a:p>
+        </p:txBody>
+      </p:sp>
+      <p:pic>
+        <p:nvPicPr>
+          <p:cNvPr id="6" name="Picture 5">
+            <a:extLst>
+              <a:ext uri="{FF2B5EF4-FFF2-40B4-BE49-F238E27FC236}">
+                <a16:creationId xmlns:a16="http://schemas.microsoft.com/office/drawing/2014/main" id="{EA2E82CC-3F3B-B49C-BC75-783152801475}"/>
+              </a:ext>
+            </a:extLst>
+          </p:cNvPr>
+          <p:cNvPicPr>
+            <a:picLocks noChangeAspect="1"/>
+          </p:cNvPicPr>
+          <p:nvPr/>
+        </p:nvPicPr>
+        <p:blipFill>
+          <a:blip r:embed="rId2"/>
+          <a:stretch>
+            <a:fillRect/>
+          </a:stretch>
+        </p:blipFill>
+        <p:spPr>
+          <a:xfrm>
+            <a:off x="547687" y="3595687"/>
+            <a:ext cx="1438275" cy="2657475"/>
+          </a:xfrm>
+          <a:prstGeom prst="rect">
+            <a:avLst/>
+          </a:prstGeom>
+        </p:spPr>
+      </p:pic>
+      <p:pic>
+        <p:nvPicPr>
+          <p:cNvPr id="8" name="Picture 7">
+            <a:extLst>
+              <a:ext uri="{FF2B5EF4-FFF2-40B4-BE49-F238E27FC236}">
+                <a16:creationId xmlns:a16="http://schemas.microsoft.com/office/drawing/2014/main" id="{880BFCFF-273B-3340-641E-A636C612B1AF}"/>
+              </a:ext>
+            </a:extLst>
+          </p:cNvPr>
+          <p:cNvPicPr>
+            <a:picLocks noChangeAspect="1"/>
+          </p:cNvPicPr>
+          <p:nvPr/>
+        </p:nvPicPr>
+        <p:blipFill>
+          <a:blip r:embed="rId3"/>
+          <a:stretch>
+            <a:fillRect/>
+          </a:stretch>
+        </p:blipFill>
+        <p:spPr>
+          <a:xfrm>
+            <a:off x="2600325" y="4162424"/>
+            <a:ext cx="2628900" cy="1524000"/>
+          </a:xfrm>
+          <a:prstGeom prst="rect">
+            <a:avLst/>
+          </a:prstGeom>
+        </p:spPr>
+      </p:pic>
+      <p:pic>
+        <p:nvPicPr>
+          <p:cNvPr id="10" name="Picture 9">
+            <a:extLst>
+              <a:ext uri="{FF2B5EF4-FFF2-40B4-BE49-F238E27FC236}">
+                <a16:creationId xmlns:a16="http://schemas.microsoft.com/office/drawing/2014/main" id="{69F8986F-438E-7F33-78A9-4722002305D2}"/>
+              </a:ext>
+            </a:extLst>
+          </p:cNvPr>
+          <p:cNvPicPr>
+            <a:picLocks noChangeAspect="1"/>
+          </p:cNvPicPr>
+          <p:nvPr/>
+        </p:nvPicPr>
+        <p:blipFill>
+          <a:blip r:embed="rId4"/>
+          <a:stretch>
+            <a:fillRect/>
+          </a:stretch>
+        </p:blipFill>
+        <p:spPr>
+          <a:xfrm>
+            <a:off x="5843588" y="3595687"/>
+            <a:ext cx="1438275" cy="2657475"/>
+          </a:xfrm>
+          <a:prstGeom prst="rect">
+            <a:avLst/>
+          </a:prstGeom>
+        </p:spPr>
+      </p:pic>
+    </p:spTree>
+    <p:extLst>
+      <p:ext uri="{BB962C8B-B14F-4D97-AF65-F5344CB8AC3E}">
+        <p14:creationId xmlns:p14="http://schemas.microsoft.com/office/powerpoint/2010/main" val="1714520376"/>
+      </p:ext>
+    </p:extLst>
+  </p:cSld>
+  <p:clrMapOvr>
+    <a:masterClrMapping/>
+  </p:clrMapOvr>
+</p:sld>
+</file>
+
+<file path=ppt/slides/slide14.xml><?xml version="1.0" encoding="utf-8"?>
+<p:sld xmlns:a="http://schemas.openxmlformats.org/drawingml/2006/main" xmlns:r="http://schemas.openxmlformats.org/officeDocument/2006/relationships" xmlns:p="http://schemas.openxmlformats.org/presentationml/2006/main">
+  <p:cSld>
+    <p:spTree>
+      <p:nvGrpSpPr>
+        <p:cNvPr id="1" name=""/>
+        <p:cNvGrpSpPr/>
+        <p:nvPr/>
+      </p:nvGrpSpPr>
+      <p:grpSpPr>
+        <a:xfrm>
+          <a:off x="0" y="0"/>
+          <a:ext cx="0" cy="0"/>
+          <a:chOff x="0" y="0"/>
+          <a:chExt cx="0" cy="0"/>
+        </a:xfrm>
+      </p:grpSpPr>
+      <p:sp>
+        <p:nvSpPr>
+          <p:cNvPr id="2" name="Title 1">
+            <a:extLst>
+              <a:ext uri="{FF2B5EF4-FFF2-40B4-BE49-F238E27FC236}">
+                <a16:creationId xmlns:a16="http://schemas.microsoft.com/office/drawing/2014/main" id="{5BE75103-4EB9-997E-68E8-2BFB498FB22C}"/>
+              </a:ext>
+            </a:extLst>
+          </p:cNvPr>
+          <p:cNvSpPr>
+            <a:spLocks noGrp="1"/>
+          </p:cNvSpPr>
+          <p:nvPr>
+            <p:ph type="title"/>
+          </p:nvPr>
+        </p:nvSpPr>
+        <p:spPr>
+          <a:xfrm>
+            <a:off x="221226" y="365125"/>
+            <a:ext cx="11769212" cy="1325563"/>
+          </a:xfrm>
+        </p:spPr>
+        <p:txBody>
           <a:bodyPr/>
           <a:lstStyle/>
           <a:p>
+            <a:pPr algn="ctr"/>
+            <a:r>
+              <a:rPr lang="en-US"/>
+              <a:t>Python – Array</a:t>
+            </a:r>
+            <a:endParaRPr lang="en-ID"/>
+          </a:p>
+        </p:txBody>
+      </p:sp>
+      <p:sp>
+        <p:nvSpPr>
+          <p:cNvPr id="6" name="Rectangle 5">
+            <a:extLst>
+              <a:ext uri="{FF2B5EF4-FFF2-40B4-BE49-F238E27FC236}">
+                <a16:creationId xmlns:a16="http://schemas.microsoft.com/office/drawing/2014/main" id="{A04EAC0C-EF9A-5A6A-8471-812DF50E692B}"/>
+              </a:ext>
+            </a:extLst>
+          </p:cNvPr>
+          <p:cNvSpPr/>
+          <p:nvPr/>
+        </p:nvSpPr>
+        <p:spPr>
+          <a:xfrm>
+            <a:off x="0" y="6492875"/>
+            <a:ext cx="12191999" cy="365124"/>
+          </a:xfrm>
+          <a:prstGeom prst="rect">
+            <a:avLst/>
+          </a:prstGeom>
+        </p:spPr>
+        <p:style>
+          <a:lnRef idx="2">
+            <a:schemeClr val="accent1">
+              <a:shade val="15000"/>
+            </a:schemeClr>
+          </a:lnRef>
+          <a:fillRef idx="1">
+            <a:schemeClr val="accent1"/>
+          </a:fillRef>
+          <a:effectRef idx="0">
+            <a:schemeClr val="accent1"/>
+          </a:effectRef>
+          <a:fontRef idx="minor">
+            <a:schemeClr val="lt1"/>
+          </a:fontRef>
+        </p:style>
+        <p:txBody>
+          <a:bodyPr rtlCol="0" anchor="ctr"/>
+          <a:lstStyle/>
+          <a:p>
+            <a:pPr algn="ctr"/>
+            <a:endParaRPr lang="en-ID"/>
+          </a:p>
+        </p:txBody>
+      </p:sp>
+      <p:sp>
+        <p:nvSpPr>
+          <p:cNvPr id="7" name="TextBox 6">
+            <a:extLst>
+              <a:ext uri="{FF2B5EF4-FFF2-40B4-BE49-F238E27FC236}">
+                <a16:creationId xmlns:a16="http://schemas.microsoft.com/office/drawing/2014/main" id="{FC9822B0-EC3F-B539-C6E8-2567E51C5866}"/>
+              </a:ext>
+            </a:extLst>
+          </p:cNvPr>
+          <p:cNvSpPr txBox="1"/>
+          <p:nvPr/>
+        </p:nvSpPr>
+        <p:spPr>
+          <a:xfrm>
+            <a:off x="2043917" y="1690688"/>
+            <a:ext cx="8123830" cy="3785652"/>
+          </a:xfrm>
+          <a:prstGeom prst="rect">
+            <a:avLst/>
+          </a:prstGeom>
+          <a:solidFill>
+            <a:schemeClr val="accent4">
+              <a:lumMod val="20000"/>
+              <a:lumOff val="80000"/>
+            </a:schemeClr>
+          </a:solidFill>
+        </p:spPr>
+        <p:style>
+          <a:lnRef idx="2">
+            <a:schemeClr val="dk1"/>
+          </a:lnRef>
+          <a:fillRef idx="1">
+            <a:schemeClr val="lt1"/>
+          </a:fillRef>
+          <a:effectRef idx="0">
+            <a:schemeClr val="dk1"/>
+          </a:effectRef>
+          <a:fontRef idx="minor">
+            <a:schemeClr val="dk1"/>
+          </a:fontRef>
+        </p:style>
+        <p:txBody>
+          <a:bodyPr wrap="square">
+            <a:spAutoFit/>
+          </a:bodyPr>
+          <a:lstStyle/>
+          <a:p>
+            <a:r>
+              <a:rPr lang="en-ID" sz="1500" b="0">
+                <a:solidFill>
+                  <a:srgbClr val="6A737D"/>
+                </a:solidFill>
+                <a:effectLst/>
+                <a:latin typeface="Consolas" panose="020B0609020204030204" pitchFamily="49" charset="0"/>
+              </a:rPr>
+              <a:t># DEKLARASI Pustaka</a:t>
+            </a:r>
+            <a:endParaRPr lang="en-ID" sz="1500" b="0">
+              <a:solidFill>
+                <a:srgbClr val="24292E"/>
+              </a:solidFill>
+              <a:effectLst/>
+              <a:latin typeface="Consolas" panose="020B0609020204030204" pitchFamily="49" charset="0"/>
+            </a:endParaRPr>
+          </a:p>
+          <a:p>
+            <a:r>
+              <a:rPr lang="en-ID" sz="1500" b="0">
+                <a:solidFill>
+                  <a:srgbClr val="D73A49"/>
+                </a:solidFill>
+                <a:effectLst/>
+                <a:latin typeface="Consolas" panose="020B0609020204030204" pitchFamily="49" charset="0"/>
+              </a:rPr>
+              <a:t>import</a:t>
+            </a:r>
+            <a:r>
+              <a:rPr lang="en-ID" sz="1500" b="0">
+                <a:solidFill>
+                  <a:srgbClr val="24292E"/>
+                </a:solidFill>
+                <a:effectLst/>
+                <a:latin typeface="Consolas" panose="020B0609020204030204" pitchFamily="49" charset="0"/>
+              </a:rPr>
+              <a:t> </a:t>
+            </a:r>
+            <a:r>
+              <a:rPr lang="en-ID" sz="1500" b="0">
+                <a:solidFill>
+                  <a:srgbClr val="6F42C1"/>
+                </a:solidFill>
+                <a:effectLst/>
+                <a:latin typeface="Consolas" panose="020B0609020204030204" pitchFamily="49" charset="0"/>
+              </a:rPr>
+              <a:t>numpy</a:t>
+            </a:r>
+            <a:r>
+              <a:rPr lang="en-ID" sz="1500" b="0">
+                <a:solidFill>
+                  <a:srgbClr val="24292E"/>
+                </a:solidFill>
+                <a:effectLst/>
+                <a:latin typeface="Consolas" panose="020B0609020204030204" pitchFamily="49" charset="0"/>
+              </a:rPr>
+              <a:t> </a:t>
+            </a:r>
+            <a:r>
+              <a:rPr lang="en-ID" sz="1500" b="0">
+                <a:solidFill>
+                  <a:srgbClr val="D73A49"/>
+                </a:solidFill>
+                <a:effectLst/>
+                <a:latin typeface="Consolas" panose="020B0609020204030204" pitchFamily="49" charset="0"/>
+              </a:rPr>
+              <a:t>as</a:t>
+            </a:r>
+            <a:r>
+              <a:rPr lang="en-ID" sz="1500" b="0">
+                <a:solidFill>
+                  <a:srgbClr val="24292E"/>
+                </a:solidFill>
+                <a:effectLst/>
+                <a:latin typeface="Consolas" panose="020B0609020204030204" pitchFamily="49" charset="0"/>
+              </a:rPr>
+              <a:t> </a:t>
+            </a:r>
+            <a:r>
+              <a:rPr lang="en-ID" sz="1500" b="0">
+                <a:solidFill>
+                  <a:srgbClr val="6F42C1"/>
+                </a:solidFill>
+                <a:effectLst/>
+                <a:latin typeface="Consolas" panose="020B0609020204030204" pitchFamily="49" charset="0"/>
+              </a:rPr>
+              <a:t>np</a:t>
+            </a:r>
+            <a:endParaRPr lang="en-ID" sz="1500" b="0">
+              <a:solidFill>
+                <a:srgbClr val="24292E"/>
+              </a:solidFill>
+              <a:effectLst/>
+              <a:latin typeface="Consolas" panose="020B0609020204030204" pitchFamily="49" charset="0"/>
+            </a:endParaRPr>
+          </a:p>
+          <a:p>
+            <a:br>
+              <a:rPr lang="en-ID" sz="1500" b="0">
+                <a:solidFill>
+                  <a:srgbClr val="24292E"/>
+                </a:solidFill>
+                <a:effectLst/>
+                <a:latin typeface="Consolas" panose="020B0609020204030204" pitchFamily="49" charset="0"/>
+              </a:rPr>
+            </a:br>
+            <a:r>
+              <a:rPr lang="en-ID" sz="1500" b="0">
+                <a:solidFill>
+                  <a:srgbClr val="6A737D"/>
+                </a:solidFill>
+                <a:effectLst/>
+                <a:latin typeface="Consolas" panose="020B0609020204030204" pitchFamily="49" charset="0"/>
+              </a:rPr>
+              <a:t># ALGORITMA</a:t>
+            </a:r>
+            <a:endParaRPr lang="en-ID" sz="1500" b="0">
+              <a:solidFill>
+                <a:srgbClr val="24292E"/>
+              </a:solidFill>
+              <a:effectLst/>
+              <a:latin typeface="Consolas" panose="020B0609020204030204" pitchFamily="49" charset="0"/>
+            </a:endParaRPr>
+          </a:p>
+          <a:p>
+            <a:r>
+              <a:rPr lang="en-ID" sz="1500" b="0">
+                <a:solidFill>
+                  <a:srgbClr val="D73A49"/>
+                </a:solidFill>
+                <a:effectLst/>
+                <a:latin typeface="Consolas" panose="020B0609020204030204" pitchFamily="49" charset="0"/>
+              </a:rPr>
+              <a:t>if</a:t>
+            </a:r>
+            <a:r>
+              <a:rPr lang="en-ID" sz="1500" b="0">
+                <a:solidFill>
+                  <a:srgbClr val="24292E"/>
+                </a:solidFill>
+                <a:effectLst/>
+                <a:latin typeface="Consolas" panose="020B0609020204030204" pitchFamily="49" charset="0"/>
+              </a:rPr>
+              <a:t> __name__ </a:t>
+            </a:r>
+            <a:r>
+              <a:rPr lang="en-ID" sz="1500" b="0">
+                <a:solidFill>
+                  <a:srgbClr val="D73A49"/>
+                </a:solidFill>
+                <a:effectLst/>
+                <a:latin typeface="Consolas" panose="020B0609020204030204" pitchFamily="49" charset="0"/>
+              </a:rPr>
+              <a:t>==</a:t>
+            </a:r>
+            <a:r>
+              <a:rPr lang="en-ID" sz="1500" b="0">
+                <a:solidFill>
+                  <a:srgbClr val="24292E"/>
+                </a:solidFill>
+                <a:effectLst/>
+                <a:latin typeface="Consolas" panose="020B0609020204030204" pitchFamily="49" charset="0"/>
+              </a:rPr>
+              <a:t> </a:t>
+            </a:r>
+            <a:r>
+              <a:rPr lang="en-ID" sz="1500" b="0">
+                <a:solidFill>
+                  <a:srgbClr val="032F62"/>
+                </a:solidFill>
+                <a:effectLst/>
+                <a:latin typeface="Consolas" panose="020B0609020204030204" pitchFamily="49" charset="0"/>
+              </a:rPr>
+              <a:t>"__main__"</a:t>
+            </a:r>
+            <a:r>
+              <a:rPr lang="en-ID" sz="1500" b="0">
+                <a:solidFill>
+                  <a:srgbClr val="24292E"/>
+                </a:solidFill>
+                <a:effectLst/>
+                <a:latin typeface="Consolas" panose="020B0609020204030204" pitchFamily="49" charset="0"/>
+              </a:rPr>
+              <a:t>:</a:t>
+            </a:r>
+          </a:p>
+          <a:p>
+            <a:br>
+              <a:rPr lang="en-ID" sz="1500" b="0">
+                <a:solidFill>
+                  <a:srgbClr val="24292E"/>
+                </a:solidFill>
+                <a:effectLst/>
+                <a:latin typeface="Consolas" panose="020B0609020204030204" pitchFamily="49" charset="0"/>
+              </a:rPr>
+            </a:br>
+            <a:r>
+              <a:rPr lang="en-ID" sz="1500" b="0">
+                <a:solidFill>
+                  <a:srgbClr val="24292E"/>
+                </a:solidFill>
+                <a:effectLst/>
+                <a:latin typeface="Consolas" panose="020B0609020204030204" pitchFamily="49" charset="0"/>
+              </a:rPr>
+              <a:t>  </a:t>
+            </a:r>
+            <a:r>
+              <a:rPr lang="en-ID" sz="1500" b="0">
+                <a:solidFill>
+                  <a:srgbClr val="6A737D"/>
+                </a:solidFill>
+                <a:effectLst/>
+                <a:latin typeface="Consolas" panose="020B0609020204030204" pitchFamily="49" charset="0"/>
+              </a:rPr>
+              <a:t># Input Program</a:t>
+            </a:r>
+            <a:endParaRPr lang="en-ID" sz="1500" b="0">
+              <a:solidFill>
+                <a:srgbClr val="24292E"/>
+              </a:solidFill>
+              <a:effectLst/>
+              <a:latin typeface="Consolas" panose="020B0609020204030204" pitchFamily="49" charset="0"/>
+            </a:endParaRPr>
+          </a:p>
+          <a:p>
+            <a:r>
+              <a:rPr lang="en-ID" sz="1500" b="0">
+                <a:solidFill>
+                  <a:srgbClr val="24292E"/>
+                </a:solidFill>
+                <a:effectLst/>
+                <a:latin typeface="Consolas" panose="020B0609020204030204" pitchFamily="49" charset="0"/>
+              </a:rPr>
+              <a:t>  Arr1 </a:t>
+            </a:r>
+            <a:r>
+              <a:rPr lang="en-ID" sz="1500" b="0">
+                <a:solidFill>
+                  <a:srgbClr val="D73A49"/>
+                </a:solidFill>
+                <a:effectLst/>
+                <a:latin typeface="Consolas" panose="020B0609020204030204" pitchFamily="49" charset="0"/>
+              </a:rPr>
+              <a:t>=</a:t>
+            </a:r>
+            <a:r>
+              <a:rPr lang="en-ID" sz="1500" b="0">
+                <a:solidFill>
+                  <a:srgbClr val="24292E"/>
+                </a:solidFill>
+                <a:effectLst/>
+                <a:latin typeface="Consolas" panose="020B0609020204030204" pitchFamily="49" charset="0"/>
+              </a:rPr>
+              <a:t> </a:t>
+            </a:r>
+            <a:r>
+              <a:rPr lang="en-ID" sz="1500" b="0">
+                <a:solidFill>
+                  <a:srgbClr val="6F42C1"/>
+                </a:solidFill>
+                <a:effectLst/>
+                <a:latin typeface="Consolas" panose="020B0609020204030204" pitchFamily="49" charset="0"/>
+              </a:rPr>
+              <a:t>np</a:t>
+            </a:r>
+            <a:r>
+              <a:rPr lang="en-ID" sz="1500" b="0">
+                <a:solidFill>
+                  <a:srgbClr val="24292E"/>
+                </a:solidFill>
+                <a:effectLst/>
+                <a:latin typeface="Consolas" panose="020B0609020204030204" pitchFamily="49" charset="0"/>
+              </a:rPr>
+              <a:t>.</a:t>
+            </a:r>
+            <a:r>
+              <a:rPr lang="en-ID" sz="1500" b="0">
+                <a:solidFill>
+                  <a:srgbClr val="6F42C1"/>
+                </a:solidFill>
+                <a:effectLst/>
+                <a:latin typeface="Consolas" panose="020B0609020204030204" pitchFamily="49" charset="0"/>
+              </a:rPr>
+              <a:t>array</a:t>
+            </a:r>
+            <a:r>
+              <a:rPr lang="en-ID" sz="1500" b="0">
+                <a:solidFill>
+                  <a:srgbClr val="24292E"/>
+                </a:solidFill>
+                <a:effectLst/>
+                <a:latin typeface="Consolas" panose="020B0609020204030204" pitchFamily="49" charset="0"/>
+              </a:rPr>
+              <a:t>([[</a:t>
+            </a:r>
+            <a:r>
+              <a:rPr lang="en-ID" sz="1500" b="0">
+                <a:solidFill>
+                  <a:srgbClr val="005CC5"/>
+                </a:solidFill>
+                <a:effectLst/>
+                <a:latin typeface="Consolas" panose="020B0609020204030204" pitchFamily="49" charset="0"/>
+              </a:rPr>
+              <a:t>1</a:t>
+            </a:r>
+            <a:r>
+              <a:rPr lang="en-ID" sz="1500" b="0">
+                <a:solidFill>
+                  <a:srgbClr val="24292E"/>
+                </a:solidFill>
+                <a:effectLst/>
+                <a:latin typeface="Consolas" panose="020B0609020204030204" pitchFamily="49" charset="0"/>
+              </a:rPr>
+              <a:t>,</a:t>
+            </a:r>
+            <a:r>
+              <a:rPr lang="en-ID" sz="1500" b="0">
+                <a:solidFill>
+                  <a:srgbClr val="005CC5"/>
+                </a:solidFill>
+                <a:effectLst/>
+                <a:latin typeface="Consolas" panose="020B0609020204030204" pitchFamily="49" charset="0"/>
+              </a:rPr>
+              <a:t>2</a:t>
+            </a:r>
+            <a:r>
+              <a:rPr lang="en-ID" sz="1500" b="0">
+                <a:solidFill>
+                  <a:srgbClr val="24292E"/>
+                </a:solidFill>
+                <a:effectLst/>
+                <a:latin typeface="Consolas" panose="020B0609020204030204" pitchFamily="49" charset="0"/>
+              </a:rPr>
+              <a:t>,</a:t>
+            </a:r>
+            <a:r>
+              <a:rPr lang="en-ID" sz="1500" b="0">
+                <a:solidFill>
+                  <a:srgbClr val="005CC5"/>
+                </a:solidFill>
+                <a:effectLst/>
+                <a:latin typeface="Consolas" panose="020B0609020204030204" pitchFamily="49" charset="0"/>
+              </a:rPr>
+              <a:t>3</a:t>
+            </a:r>
+            <a:r>
+              <a:rPr lang="en-ID" sz="1500" b="0">
+                <a:solidFill>
+                  <a:srgbClr val="24292E"/>
+                </a:solidFill>
+                <a:effectLst/>
+                <a:latin typeface="Consolas" panose="020B0609020204030204" pitchFamily="49" charset="0"/>
+              </a:rPr>
+              <a:t>],[</a:t>
+            </a:r>
+            <a:r>
+              <a:rPr lang="en-ID" sz="1500" b="0">
+                <a:solidFill>
+                  <a:srgbClr val="005CC5"/>
+                </a:solidFill>
+                <a:effectLst/>
+                <a:latin typeface="Consolas" panose="020B0609020204030204" pitchFamily="49" charset="0"/>
+              </a:rPr>
+              <a:t>4</a:t>
+            </a:r>
+            <a:r>
+              <a:rPr lang="en-ID" sz="1500" b="0">
+                <a:solidFill>
+                  <a:srgbClr val="24292E"/>
+                </a:solidFill>
+                <a:effectLst/>
+                <a:latin typeface="Consolas" panose="020B0609020204030204" pitchFamily="49" charset="0"/>
+              </a:rPr>
+              <a:t>,</a:t>
+            </a:r>
+            <a:r>
+              <a:rPr lang="en-ID" sz="1500" b="0">
+                <a:solidFill>
+                  <a:srgbClr val="005CC5"/>
+                </a:solidFill>
+                <a:effectLst/>
+                <a:latin typeface="Consolas" panose="020B0609020204030204" pitchFamily="49" charset="0"/>
+              </a:rPr>
+              <a:t>5</a:t>
+            </a:r>
+            <a:r>
+              <a:rPr lang="en-ID" sz="1500" b="0">
+                <a:solidFill>
+                  <a:srgbClr val="24292E"/>
+                </a:solidFill>
+                <a:effectLst/>
+                <a:latin typeface="Consolas" panose="020B0609020204030204" pitchFamily="49" charset="0"/>
+              </a:rPr>
+              <a:t>,</a:t>
+            </a:r>
+            <a:r>
+              <a:rPr lang="en-ID" sz="1500" b="0">
+                <a:solidFill>
+                  <a:srgbClr val="005CC5"/>
+                </a:solidFill>
+                <a:effectLst/>
+                <a:latin typeface="Consolas" panose="020B0609020204030204" pitchFamily="49" charset="0"/>
+              </a:rPr>
+              <a:t>6</a:t>
+            </a:r>
+            <a:r>
+              <a:rPr lang="en-ID" sz="1500" b="0">
+                <a:solidFill>
+                  <a:srgbClr val="24292E"/>
+                </a:solidFill>
+                <a:effectLst/>
+                <a:latin typeface="Consolas" panose="020B0609020204030204" pitchFamily="49" charset="0"/>
+              </a:rPr>
+              <a:t>],[</a:t>
+            </a:r>
+            <a:r>
+              <a:rPr lang="en-ID" sz="1500" b="0">
+                <a:solidFill>
+                  <a:srgbClr val="005CC5"/>
+                </a:solidFill>
+                <a:effectLst/>
+                <a:latin typeface="Consolas" panose="020B0609020204030204" pitchFamily="49" charset="0"/>
+              </a:rPr>
+              <a:t>7</a:t>
+            </a:r>
+            <a:r>
+              <a:rPr lang="en-ID" sz="1500" b="0">
+                <a:solidFill>
+                  <a:srgbClr val="24292E"/>
+                </a:solidFill>
+                <a:effectLst/>
+                <a:latin typeface="Consolas" panose="020B0609020204030204" pitchFamily="49" charset="0"/>
+              </a:rPr>
+              <a:t>,</a:t>
+            </a:r>
+            <a:r>
+              <a:rPr lang="en-ID" sz="1500" b="0">
+                <a:solidFill>
+                  <a:srgbClr val="005CC5"/>
+                </a:solidFill>
+                <a:effectLst/>
+                <a:latin typeface="Consolas" panose="020B0609020204030204" pitchFamily="49" charset="0"/>
+              </a:rPr>
+              <a:t>8</a:t>
+            </a:r>
+            <a:r>
+              <a:rPr lang="en-ID" sz="1500" b="0">
+                <a:solidFill>
+                  <a:srgbClr val="24292E"/>
+                </a:solidFill>
+                <a:effectLst/>
+                <a:latin typeface="Consolas" panose="020B0609020204030204" pitchFamily="49" charset="0"/>
+              </a:rPr>
+              <a:t>,</a:t>
+            </a:r>
+            <a:r>
+              <a:rPr lang="en-ID" sz="1500" b="0">
+                <a:solidFill>
+                  <a:srgbClr val="005CC5"/>
+                </a:solidFill>
+                <a:effectLst/>
+                <a:latin typeface="Consolas" panose="020B0609020204030204" pitchFamily="49" charset="0"/>
+              </a:rPr>
+              <a:t>9</a:t>
+            </a:r>
+            <a:r>
+              <a:rPr lang="en-ID" sz="1500" b="0">
+                <a:solidFill>
+                  <a:srgbClr val="24292E"/>
+                </a:solidFill>
+                <a:effectLst/>
+                <a:latin typeface="Consolas" panose="020B0609020204030204" pitchFamily="49" charset="0"/>
+              </a:rPr>
+              <a:t>]])</a:t>
+            </a:r>
+          </a:p>
+          <a:p>
+            <a:r>
+              <a:rPr lang="en-ID" sz="1500" b="0">
+                <a:solidFill>
+                  <a:srgbClr val="24292E"/>
+                </a:solidFill>
+                <a:effectLst/>
+                <a:latin typeface="Consolas" panose="020B0609020204030204" pitchFamily="49" charset="0"/>
+              </a:rPr>
+              <a:t>  Arr2 </a:t>
+            </a:r>
+            <a:r>
+              <a:rPr lang="en-ID" sz="1500" b="0">
+                <a:solidFill>
+                  <a:srgbClr val="D73A49"/>
+                </a:solidFill>
+                <a:effectLst/>
+                <a:latin typeface="Consolas" panose="020B0609020204030204" pitchFamily="49" charset="0"/>
+              </a:rPr>
+              <a:t>=</a:t>
+            </a:r>
+            <a:r>
+              <a:rPr lang="en-ID" sz="1500" b="0">
+                <a:solidFill>
+                  <a:srgbClr val="24292E"/>
+                </a:solidFill>
+                <a:effectLst/>
+                <a:latin typeface="Consolas" panose="020B0609020204030204" pitchFamily="49" charset="0"/>
+              </a:rPr>
+              <a:t> </a:t>
+            </a:r>
+            <a:r>
+              <a:rPr lang="en-ID" sz="1500" b="0">
+                <a:solidFill>
+                  <a:srgbClr val="6F42C1"/>
+                </a:solidFill>
+                <a:effectLst/>
+                <a:latin typeface="Consolas" panose="020B0609020204030204" pitchFamily="49" charset="0"/>
+              </a:rPr>
+              <a:t>np</a:t>
+            </a:r>
+            <a:r>
+              <a:rPr lang="en-ID" sz="1500" b="0">
+                <a:solidFill>
+                  <a:srgbClr val="24292E"/>
+                </a:solidFill>
+                <a:effectLst/>
+                <a:latin typeface="Consolas" panose="020B0609020204030204" pitchFamily="49" charset="0"/>
+              </a:rPr>
+              <a:t>.</a:t>
+            </a:r>
+            <a:r>
+              <a:rPr lang="en-ID" sz="1500" b="0">
+                <a:solidFill>
+                  <a:srgbClr val="6F42C1"/>
+                </a:solidFill>
+                <a:effectLst/>
+                <a:latin typeface="Consolas" panose="020B0609020204030204" pitchFamily="49" charset="0"/>
+              </a:rPr>
+              <a:t>array</a:t>
+            </a:r>
+            <a:r>
+              <a:rPr lang="en-ID" sz="1500" b="0">
+                <a:solidFill>
+                  <a:srgbClr val="24292E"/>
+                </a:solidFill>
+                <a:effectLst/>
+                <a:latin typeface="Consolas" panose="020B0609020204030204" pitchFamily="49" charset="0"/>
+              </a:rPr>
+              <a:t>([[</a:t>
+            </a:r>
+            <a:r>
+              <a:rPr lang="en-ID" sz="1500" b="0">
+                <a:solidFill>
+                  <a:srgbClr val="005CC5"/>
+                </a:solidFill>
+                <a:effectLst/>
+                <a:latin typeface="Consolas" panose="020B0609020204030204" pitchFamily="49" charset="0"/>
+              </a:rPr>
+              <a:t>1</a:t>
+            </a:r>
+            <a:r>
+              <a:rPr lang="en-ID" sz="1500" b="0">
+                <a:solidFill>
+                  <a:srgbClr val="24292E"/>
+                </a:solidFill>
+                <a:effectLst/>
+                <a:latin typeface="Consolas" panose="020B0609020204030204" pitchFamily="49" charset="0"/>
+              </a:rPr>
+              <a:t>,</a:t>
+            </a:r>
+            <a:r>
+              <a:rPr lang="en-ID" sz="1500" b="0">
+                <a:solidFill>
+                  <a:srgbClr val="005CC5"/>
+                </a:solidFill>
+                <a:effectLst/>
+                <a:latin typeface="Consolas" panose="020B0609020204030204" pitchFamily="49" charset="0"/>
+              </a:rPr>
+              <a:t>0</a:t>
+            </a:r>
+            <a:r>
+              <a:rPr lang="en-ID" sz="1500" b="0">
+                <a:solidFill>
+                  <a:srgbClr val="24292E"/>
+                </a:solidFill>
+                <a:effectLst/>
+                <a:latin typeface="Consolas" panose="020B0609020204030204" pitchFamily="49" charset="0"/>
+              </a:rPr>
+              <a:t>,</a:t>
+            </a:r>
+            <a:r>
+              <a:rPr lang="en-ID" sz="1500" b="0">
+                <a:solidFill>
+                  <a:srgbClr val="005CC5"/>
+                </a:solidFill>
+                <a:effectLst/>
+                <a:latin typeface="Consolas" panose="020B0609020204030204" pitchFamily="49" charset="0"/>
+              </a:rPr>
+              <a:t>0</a:t>
+            </a:r>
+            <a:r>
+              <a:rPr lang="en-ID" sz="1500" b="0">
+                <a:solidFill>
+                  <a:srgbClr val="24292E"/>
+                </a:solidFill>
+                <a:effectLst/>
+                <a:latin typeface="Consolas" panose="020B0609020204030204" pitchFamily="49" charset="0"/>
+              </a:rPr>
+              <a:t>],[</a:t>
+            </a:r>
+            <a:r>
+              <a:rPr lang="en-ID" sz="1500" b="0">
+                <a:solidFill>
+                  <a:srgbClr val="005CC5"/>
+                </a:solidFill>
+                <a:effectLst/>
+                <a:latin typeface="Consolas" panose="020B0609020204030204" pitchFamily="49" charset="0"/>
+              </a:rPr>
+              <a:t>0</a:t>
+            </a:r>
+            <a:r>
+              <a:rPr lang="en-ID" sz="1500" b="0">
+                <a:solidFill>
+                  <a:srgbClr val="24292E"/>
+                </a:solidFill>
+                <a:effectLst/>
+                <a:latin typeface="Consolas" panose="020B0609020204030204" pitchFamily="49" charset="0"/>
+              </a:rPr>
+              <a:t>,</a:t>
+            </a:r>
+            <a:r>
+              <a:rPr lang="en-ID" sz="1500" b="0">
+                <a:solidFill>
+                  <a:srgbClr val="005CC5"/>
+                </a:solidFill>
+                <a:effectLst/>
+                <a:latin typeface="Consolas" panose="020B0609020204030204" pitchFamily="49" charset="0"/>
+              </a:rPr>
+              <a:t>1</a:t>
+            </a:r>
+            <a:r>
+              <a:rPr lang="en-ID" sz="1500" b="0">
+                <a:solidFill>
+                  <a:srgbClr val="24292E"/>
+                </a:solidFill>
+                <a:effectLst/>
+                <a:latin typeface="Consolas" panose="020B0609020204030204" pitchFamily="49" charset="0"/>
+              </a:rPr>
+              <a:t>,</a:t>
+            </a:r>
+            <a:r>
+              <a:rPr lang="en-ID" sz="1500" b="0">
+                <a:solidFill>
+                  <a:srgbClr val="005CC5"/>
+                </a:solidFill>
+                <a:effectLst/>
+                <a:latin typeface="Consolas" panose="020B0609020204030204" pitchFamily="49" charset="0"/>
+              </a:rPr>
+              <a:t>0</a:t>
+            </a:r>
+            <a:r>
+              <a:rPr lang="en-ID" sz="1500" b="0">
+                <a:solidFill>
+                  <a:srgbClr val="24292E"/>
+                </a:solidFill>
+                <a:effectLst/>
+                <a:latin typeface="Consolas" panose="020B0609020204030204" pitchFamily="49" charset="0"/>
+              </a:rPr>
+              <a:t>],[</a:t>
+            </a:r>
+            <a:r>
+              <a:rPr lang="en-ID" sz="1500" b="0">
+                <a:solidFill>
+                  <a:srgbClr val="005CC5"/>
+                </a:solidFill>
+                <a:effectLst/>
+                <a:latin typeface="Consolas" panose="020B0609020204030204" pitchFamily="49" charset="0"/>
+              </a:rPr>
+              <a:t>0</a:t>
+            </a:r>
+            <a:r>
+              <a:rPr lang="en-ID" sz="1500" b="0">
+                <a:solidFill>
+                  <a:srgbClr val="24292E"/>
+                </a:solidFill>
+                <a:effectLst/>
+                <a:latin typeface="Consolas" panose="020B0609020204030204" pitchFamily="49" charset="0"/>
+              </a:rPr>
+              <a:t>,</a:t>
+            </a:r>
+            <a:r>
+              <a:rPr lang="en-ID" sz="1500" b="0">
+                <a:solidFill>
+                  <a:srgbClr val="005CC5"/>
+                </a:solidFill>
+                <a:effectLst/>
+                <a:latin typeface="Consolas" panose="020B0609020204030204" pitchFamily="49" charset="0"/>
+              </a:rPr>
+              <a:t>0</a:t>
+            </a:r>
+            <a:r>
+              <a:rPr lang="en-ID" sz="1500" b="0">
+                <a:solidFill>
+                  <a:srgbClr val="24292E"/>
+                </a:solidFill>
+                <a:effectLst/>
+                <a:latin typeface="Consolas" panose="020B0609020204030204" pitchFamily="49" charset="0"/>
+              </a:rPr>
+              <a:t>,</a:t>
+            </a:r>
+            <a:r>
+              <a:rPr lang="en-ID" sz="1500" b="0">
+                <a:solidFill>
+                  <a:srgbClr val="005CC5"/>
+                </a:solidFill>
+                <a:effectLst/>
+                <a:latin typeface="Consolas" panose="020B0609020204030204" pitchFamily="49" charset="0"/>
+              </a:rPr>
+              <a:t>1</a:t>
+            </a:r>
+            <a:r>
+              <a:rPr lang="en-ID" sz="1500" b="0">
+                <a:solidFill>
+                  <a:srgbClr val="24292E"/>
+                </a:solidFill>
+                <a:effectLst/>
+                <a:latin typeface="Consolas" panose="020B0609020204030204" pitchFamily="49" charset="0"/>
+              </a:rPr>
+              <a:t>]])</a:t>
+            </a:r>
+          </a:p>
+          <a:p>
+            <a:br>
+              <a:rPr lang="en-ID" sz="1500" b="0">
+                <a:solidFill>
+                  <a:srgbClr val="24292E"/>
+                </a:solidFill>
+                <a:effectLst/>
+                <a:latin typeface="Consolas" panose="020B0609020204030204" pitchFamily="49" charset="0"/>
+              </a:rPr>
+            </a:br>
+            <a:r>
+              <a:rPr lang="en-ID" sz="1500" b="0">
+                <a:solidFill>
+                  <a:srgbClr val="24292E"/>
+                </a:solidFill>
+                <a:effectLst/>
+                <a:latin typeface="Consolas" panose="020B0609020204030204" pitchFamily="49" charset="0"/>
+              </a:rPr>
+              <a:t>  </a:t>
+            </a:r>
+            <a:r>
+              <a:rPr lang="en-ID" sz="1500" b="0">
+                <a:solidFill>
+                  <a:srgbClr val="6A737D"/>
+                </a:solidFill>
+                <a:effectLst/>
+                <a:latin typeface="Consolas" panose="020B0609020204030204" pitchFamily="49" charset="0"/>
+              </a:rPr>
+              <a:t># proses penjumlahan array</a:t>
+            </a:r>
+            <a:endParaRPr lang="en-ID" sz="1500" b="0">
+              <a:solidFill>
+                <a:srgbClr val="24292E"/>
+              </a:solidFill>
+              <a:effectLst/>
+              <a:latin typeface="Consolas" panose="020B0609020204030204" pitchFamily="49" charset="0"/>
+            </a:endParaRPr>
+          </a:p>
+          <a:p>
+            <a:r>
+              <a:rPr lang="en-ID" sz="1500" b="0">
+                <a:solidFill>
+                  <a:srgbClr val="24292E"/>
+                </a:solidFill>
+                <a:effectLst/>
+                <a:latin typeface="Consolas" panose="020B0609020204030204" pitchFamily="49" charset="0"/>
+              </a:rPr>
+              <a:t>  Arr3 </a:t>
+            </a:r>
+            <a:r>
+              <a:rPr lang="en-ID" sz="1500" b="0">
+                <a:solidFill>
+                  <a:srgbClr val="D73A49"/>
+                </a:solidFill>
+                <a:effectLst/>
+                <a:latin typeface="Consolas" panose="020B0609020204030204" pitchFamily="49" charset="0"/>
+              </a:rPr>
+              <a:t>=</a:t>
+            </a:r>
+            <a:r>
+              <a:rPr lang="en-ID" sz="1500" b="0">
+                <a:solidFill>
+                  <a:srgbClr val="24292E"/>
+                </a:solidFill>
+                <a:effectLst/>
+                <a:latin typeface="Consolas" panose="020B0609020204030204" pitchFamily="49" charset="0"/>
+              </a:rPr>
+              <a:t> Arr1 </a:t>
+            </a:r>
+            <a:r>
+              <a:rPr lang="en-ID" sz="1500" b="0">
+                <a:solidFill>
+                  <a:srgbClr val="005CC5"/>
+                </a:solidFill>
+                <a:effectLst/>
+                <a:latin typeface="Consolas" panose="020B0609020204030204" pitchFamily="49" charset="0"/>
+              </a:rPr>
+              <a:t>+</a:t>
+            </a:r>
+            <a:r>
+              <a:rPr lang="en-ID" sz="1500" b="0">
+                <a:solidFill>
+                  <a:srgbClr val="24292E"/>
+                </a:solidFill>
+                <a:effectLst/>
+                <a:latin typeface="Consolas" panose="020B0609020204030204" pitchFamily="49" charset="0"/>
+              </a:rPr>
+              <a:t> Arr2</a:t>
+            </a:r>
+          </a:p>
+          <a:p>
+            <a:r>
+              <a:rPr lang="en-ID" sz="1500" b="0">
+                <a:solidFill>
+                  <a:srgbClr val="24292E"/>
+                </a:solidFill>
+                <a:effectLst/>
+                <a:latin typeface="Consolas" panose="020B0609020204030204" pitchFamily="49" charset="0"/>
+              </a:rPr>
+              <a:t>  </a:t>
+            </a:r>
+          </a:p>
+          <a:p>
+            <a:r>
+              <a:rPr lang="en-ID" sz="1500" b="0">
+                <a:solidFill>
+                  <a:srgbClr val="24292E"/>
+                </a:solidFill>
+                <a:effectLst/>
+                <a:latin typeface="Consolas" panose="020B0609020204030204" pitchFamily="49" charset="0"/>
+              </a:rPr>
+              <a:t>  </a:t>
+            </a:r>
+            <a:r>
+              <a:rPr lang="en-ID" sz="1500" b="0">
+                <a:solidFill>
+                  <a:srgbClr val="6A737D"/>
+                </a:solidFill>
+                <a:effectLst/>
+                <a:latin typeface="Consolas" panose="020B0609020204030204" pitchFamily="49" charset="0"/>
+              </a:rPr>
+              <a:t># Output program</a:t>
+            </a:r>
+            <a:endParaRPr lang="en-ID" sz="1500" b="0">
+              <a:solidFill>
+                <a:srgbClr val="24292E"/>
+              </a:solidFill>
+              <a:effectLst/>
+              <a:latin typeface="Consolas" panose="020B0609020204030204" pitchFamily="49" charset="0"/>
+            </a:endParaRPr>
+          </a:p>
+          <a:p>
+            <a:r>
+              <a:rPr lang="en-ID" sz="1500" b="0">
+                <a:solidFill>
+                  <a:srgbClr val="24292E"/>
+                </a:solidFill>
+                <a:effectLst/>
+                <a:latin typeface="Consolas" panose="020B0609020204030204" pitchFamily="49" charset="0"/>
+              </a:rPr>
+              <a:t>  </a:t>
+            </a:r>
+            <a:r>
+              <a:rPr lang="en-ID" sz="1500" b="0">
+                <a:solidFill>
+                  <a:srgbClr val="6F42C1"/>
+                </a:solidFill>
+                <a:effectLst/>
+                <a:latin typeface="Consolas" panose="020B0609020204030204" pitchFamily="49" charset="0"/>
+              </a:rPr>
+              <a:t>print</a:t>
+            </a:r>
+            <a:r>
+              <a:rPr lang="en-ID" sz="1500" b="0">
+                <a:solidFill>
+                  <a:srgbClr val="24292E"/>
+                </a:solidFill>
+                <a:effectLst/>
+                <a:latin typeface="Consolas" panose="020B0609020204030204" pitchFamily="49" charset="0"/>
+              </a:rPr>
+              <a:t>(</a:t>
+            </a:r>
+            <a:r>
+              <a:rPr lang="en-ID" sz="1500" b="0">
+                <a:solidFill>
+                  <a:srgbClr val="032F62"/>
+                </a:solidFill>
+                <a:effectLst/>
+                <a:latin typeface="Consolas" panose="020B0609020204030204" pitchFamily="49" charset="0"/>
+              </a:rPr>
+              <a:t>"Hasil penjumlahan array"</a:t>
+            </a:r>
+            <a:r>
+              <a:rPr lang="en-ID" sz="1500" b="0">
+                <a:solidFill>
+                  <a:srgbClr val="24292E"/>
+                </a:solidFill>
+                <a:effectLst/>
+                <a:latin typeface="Consolas" panose="020B0609020204030204" pitchFamily="49" charset="0"/>
+              </a:rPr>
+              <a:t>)</a:t>
+            </a:r>
+          </a:p>
+          <a:p>
+            <a:r>
+              <a:rPr lang="en-ID" sz="1500" b="0">
+                <a:solidFill>
+                  <a:srgbClr val="24292E"/>
+                </a:solidFill>
+                <a:effectLst/>
+                <a:latin typeface="Consolas" panose="020B0609020204030204" pitchFamily="49" charset="0"/>
+              </a:rPr>
+              <a:t>  </a:t>
+            </a:r>
+            <a:r>
+              <a:rPr lang="en-ID" sz="1500" b="0">
+                <a:solidFill>
+                  <a:srgbClr val="005CC5"/>
+                </a:solidFill>
+                <a:effectLst/>
+                <a:latin typeface="Consolas" panose="020B0609020204030204" pitchFamily="49" charset="0"/>
+              </a:rPr>
+              <a:t>print</a:t>
+            </a:r>
+            <a:r>
+              <a:rPr lang="en-ID" sz="1500" b="0">
+                <a:solidFill>
+                  <a:srgbClr val="24292E"/>
+                </a:solidFill>
+                <a:effectLst/>
+                <a:latin typeface="Consolas" panose="020B0609020204030204" pitchFamily="49" charset="0"/>
+              </a:rPr>
+              <a:t>(Arr3)</a:t>
+            </a:r>
+          </a:p>
+        </p:txBody>
+      </p:sp>
+    </p:spTree>
+    <p:extLst>
+      <p:ext uri="{BB962C8B-B14F-4D97-AF65-F5344CB8AC3E}">
+        <p14:creationId xmlns:p14="http://schemas.microsoft.com/office/powerpoint/2010/main" val="3969061978"/>
+      </p:ext>
+    </p:extLst>
+  </p:cSld>
+  <p:clrMapOvr>
+    <a:masterClrMapping/>
+  </p:clrMapOvr>
+</p:sld>
+</file>
+
+<file path=ppt/slides/slide15.xml><?xml version="1.0" encoding="utf-8"?>
+<p:sld xmlns:a="http://schemas.openxmlformats.org/drawingml/2006/main" xmlns:r="http://schemas.openxmlformats.org/officeDocument/2006/relationships" xmlns:p="http://schemas.openxmlformats.org/presentationml/2006/main">
+  <p:cSld>
+    <p:spTree>
+      <p:nvGrpSpPr>
+        <p:cNvPr id="1" name=""/>
+        <p:cNvGrpSpPr/>
+        <p:nvPr/>
+      </p:nvGrpSpPr>
+      <p:grpSpPr>
+        <a:xfrm>
+          <a:off x="0" y="0"/>
+          <a:ext cx="0" cy="0"/>
+          <a:chOff x="0" y="0"/>
+          <a:chExt cx="0" cy="0"/>
+        </a:xfrm>
+      </p:grpSpPr>
+      <p:sp>
+        <p:nvSpPr>
+          <p:cNvPr id="2" name="Title 1">
+            <a:extLst>
+              <a:ext uri="{FF2B5EF4-FFF2-40B4-BE49-F238E27FC236}">
+                <a16:creationId xmlns:a16="http://schemas.microsoft.com/office/drawing/2014/main" id="{5BE75103-4EB9-997E-68E8-2BFB498FB22C}"/>
+              </a:ext>
+            </a:extLst>
+          </p:cNvPr>
+          <p:cNvSpPr>
+            <a:spLocks noGrp="1"/>
+          </p:cNvSpPr>
+          <p:nvPr>
+            <p:ph type="title"/>
+          </p:nvPr>
+        </p:nvSpPr>
+        <p:spPr>
+          <a:xfrm>
+            <a:off x="221226" y="365125"/>
+            <a:ext cx="11769212" cy="1325563"/>
+          </a:xfrm>
+        </p:spPr>
+        <p:txBody>
+          <a:bodyPr/>
+          <a:lstStyle/>
+          <a:p>
+            <a:pPr algn="ctr"/>
+            <a:r>
+              <a:rPr lang="en-US"/>
+              <a:t>Python – Function</a:t>
+            </a:r>
+            <a:endParaRPr lang="en-ID"/>
+          </a:p>
+        </p:txBody>
+      </p:sp>
+      <p:sp>
+        <p:nvSpPr>
+          <p:cNvPr id="6" name="Rectangle 5">
+            <a:extLst>
+              <a:ext uri="{FF2B5EF4-FFF2-40B4-BE49-F238E27FC236}">
+                <a16:creationId xmlns:a16="http://schemas.microsoft.com/office/drawing/2014/main" id="{A04EAC0C-EF9A-5A6A-8471-812DF50E692B}"/>
+              </a:ext>
+            </a:extLst>
+          </p:cNvPr>
+          <p:cNvSpPr/>
+          <p:nvPr/>
+        </p:nvSpPr>
+        <p:spPr>
+          <a:xfrm>
+            <a:off x="0" y="6492875"/>
+            <a:ext cx="12191999" cy="365124"/>
+          </a:xfrm>
+          <a:prstGeom prst="rect">
+            <a:avLst/>
+          </a:prstGeom>
+        </p:spPr>
+        <p:style>
+          <a:lnRef idx="2">
+            <a:schemeClr val="accent1">
+              <a:shade val="15000"/>
+            </a:schemeClr>
+          </a:lnRef>
+          <a:fillRef idx="1">
+            <a:schemeClr val="accent1"/>
+          </a:fillRef>
+          <a:effectRef idx="0">
+            <a:schemeClr val="accent1"/>
+          </a:effectRef>
+          <a:fontRef idx="minor">
+            <a:schemeClr val="lt1"/>
+          </a:fontRef>
+        </p:style>
+        <p:txBody>
+          <a:bodyPr rtlCol="0" anchor="ctr"/>
+          <a:lstStyle/>
+          <a:p>
+            <a:pPr algn="ctr"/>
+            <a:endParaRPr lang="en-ID"/>
+          </a:p>
+        </p:txBody>
+      </p:sp>
+      <p:sp>
+        <p:nvSpPr>
+          <p:cNvPr id="7" name="TextBox 6">
+            <a:extLst>
+              <a:ext uri="{FF2B5EF4-FFF2-40B4-BE49-F238E27FC236}">
+                <a16:creationId xmlns:a16="http://schemas.microsoft.com/office/drawing/2014/main" id="{FC9822B0-EC3F-B539-C6E8-2567E51C5866}"/>
+              </a:ext>
+            </a:extLst>
+          </p:cNvPr>
+          <p:cNvSpPr txBox="1"/>
+          <p:nvPr/>
+        </p:nvSpPr>
+        <p:spPr>
+          <a:xfrm>
+            <a:off x="2043917" y="1704976"/>
+            <a:ext cx="8123830" cy="3554819"/>
+          </a:xfrm>
+          <a:prstGeom prst="rect">
+            <a:avLst/>
+          </a:prstGeom>
+          <a:solidFill>
+            <a:schemeClr val="accent4">
+              <a:lumMod val="20000"/>
+              <a:lumOff val="80000"/>
+            </a:schemeClr>
+          </a:solidFill>
+        </p:spPr>
+        <p:style>
+          <a:lnRef idx="2">
+            <a:schemeClr val="dk1"/>
+          </a:lnRef>
+          <a:fillRef idx="1">
+            <a:schemeClr val="lt1"/>
+          </a:fillRef>
+          <a:effectRef idx="0">
+            <a:schemeClr val="dk1"/>
+          </a:effectRef>
+          <a:fontRef idx="minor">
+            <a:schemeClr val="dk1"/>
+          </a:fontRef>
+        </p:style>
+        <p:txBody>
+          <a:bodyPr wrap="square">
+            <a:spAutoFit/>
+          </a:bodyPr>
+          <a:lstStyle/>
+          <a:p>
+            <a:r>
+              <a:rPr lang="en-ID" sz="1500" b="0">
+                <a:solidFill>
+                  <a:srgbClr val="6A737D"/>
+                </a:solidFill>
+                <a:effectLst/>
+                <a:latin typeface="Consolas" panose="020B0609020204030204" pitchFamily="49" charset="0"/>
+              </a:rPr>
+              <a:t># PROGRAM Faktorial.py</a:t>
+            </a:r>
+            <a:endParaRPr lang="en-ID" sz="1500" b="0">
+              <a:solidFill>
+                <a:srgbClr val="24292E"/>
+              </a:solidFill>
+              <a:effectLst/>
+              <a:latin typeface="Consolas" panose="020B0609020204030204" pitchFamily="49" charset="0"/>
+            </a:endParaRPr>
+          </a:p>
+          <a:p>
+            <a:br>
+              <a:rPr lang="en-ID" sz="1500" b="0">
+                <a:solidFill>
+                  <a:srgbClr val="24292E"/>
+                </a:solidFill>
+                <a:effectLst/>
+                <a:latin typeface="Consolas" panose="020B0609020204030204" pitchFamily="49" charset="0"/>
+              </a:rPr>
+            </a:br>
+            <a:r>
+              <a:rPr lang="en-ID" sz="1500" b="0">
+                <a:solidFill>
+                  <a:srgbClr val="6A737D"/>
+                </a:solidFill>
+                <a:effectLst/>
+                <a:latin typeface="Consolas" panose="020B0609020204030204" pitchFamily="49" charset="0"/>
+              </a:rPr>
+              <a:t># main method</a:t>
+            </a:r>
+            <a:endParaRPr lang="en-ID" sz="1500" b="0">
+              <a:solidFill>
+                <a:srgbClr val="24292E"/>
+              </a:solidFill>
+              <a:effectLst/>
+              <a:latin typeface="Consolas" panose="020B0609020204030204" pitchFamily="49" charset="0"/>
+            </a:endParaRPr>
+          </a:p>
+          <a:p>
+            <a:r>
+              <a:rPr lang="en-ID" sz="1500" b="0">
+                <a:solidFill>
+                  <a:srgbClr val="D73A49"/>
+                </a:solidFill>
+                <a:effectLst/>
+                <a:latin typeface="Consolas" panose="020B0609020204030204" pitchFamily="49" charset="0"/>
+              </a:rPr>
+              <a:t>if</a:t>
+            </a:r>
+            <a:r>
+              <a:rPr lang="en-ID" sz="1500" b="0">
+                <a:solidFill>
+                  <a:srgbClr val="24292E"/>
+                </a:solidFill>
+                <a:effectLst/>
+                <a:latin typeface="Consolas" panose="020B0609020204030204" pitchFamily="49" charset="0"/>
+              </a:rPr>
+              <a:t> __name__ </a:t>
+            </a:r>
+            <a:r>
+              <a:rPr lang="en-ID" sz="1500" b="0">
+                <a:solidFill>
+                  <a:srgbClr val="D73A49"/>
+                </a:solidFill>
+                <a:effectLst/>
+                <a:latin typeface="Consolas" panose="020B0609020204030204" pitchFamily="49" charset="0"/>
+              </a:rPr>
+              <a:t>==</a:t>
+            </a:r>
+            <a:r>
+              <a:rPr lang="en-ID" sz="1500" b="0">
+                <a:solidFill>
+                  <a:srgbClr val="24292E"/>
+                </a:solidFill>
+                <a:effectLst/>
+                <a:latin typeface="Consolas" panose="020B0609020204030204" pitchFamily="49" charset="0"/>
+              </a:rPr>
+              <a:t> </a:t>
+            </a:r>
+            <a:r>
+              <a:rPr lang="en-ID" sz="1500" b="0">
+                <a:solidFill>
+                  <a:srgbClr val="032F62"/>
+                </a:solidFill>
+                <a:effectLst/>
+                <a:latin typeface="Consolas" panose="020B0609020204030204" pitchFamily="49" charset="0"/>
+              </a:rPr>
+              <a:t>"__main__"</a:t>
+            </a:r>
+            <a:r>
+              <a:rPr lang="en-ID" sz="1500" b="0">
+                <a:solidFill>
+                  <a:srgbClr val="24292E"/>
+                </a:solidFill>
+                <a:effectLst/>
+                <a:latin typeface="Consolas" panose="020B0609020204030204" pitchFamily="49" charset="0"/>
+              </a:rPr>
+              <a:t>:</a:t>
+            </a:r>
+          </a:p>
+          <a:p>
+            <a:br>
+              <a:rPr lang="en-ID" sz="1500" b="0">
+                <a:solidFill>
+                  <a:srgbClr val="24292E"/>
+                </a:solidFill>
+                <a:effectLst/>
+                <a:latin typeface="Consolas" panose="020B0609020204030204" pitchFamily="49" charset="0"/>
+              </a:rPr>
+            </a:br>
+            <a:r>
+              <a:rPr lang="en-ID" sz="1500" b="0">
+                <a:solidFill>
+                  <a:srgbClr val="24292E"/>
+                </a:solidFill>
+                <a:effectLst/>
+                <a:latin typeface="Consolas" panose="020B0609020204030204" pitchFamily="49" charset="0"/>
+              </a:rPr>
+              <a:t>  </a:t>
+            </a:r>
+            <a:r>
+              <a:rPr lang="en-ID" sz="1500" b="0">
+                <a:solidFill>
+                  <a:srgbClr val="6A737D"/>
+                </a:solidFill>
+                <a:effectLst/>
+                <a:latin typeface="Consolas" panose="020B0609020204030204" pitchFamily="49" charset="0"/>
+              </a:rPr>
+              <a:t># input program</a:t>
+            </a:r>
+            <a:endParaRPr lang="en-ID" sz="1500" b="0">
+              <a:solidFill>
+                <a:srgbClr val="24292E"/>
+              </a:solidFill>
+              <a:effectLst/>
+              <a:latin typeface="Consolas" panose="020B0609020204030204" pitchFamily="49" charset="0"/>
+            </a:endParaRPr>
+          </a:p>
+          <a:p>
+            <a:r>
+              <a:rPr lang="en-ID" sz="1500" b="0">
+                <a:solidFill>
+                  <a:srgbClr val="24292E"/>
+                </a:solidFill>
+                <a:effectLst/>
+                <a:latin typeface="Consolas" panose="020B0609020204030204" pitchFamily="49" charset="0"/>
+              </a:rPr>
+              <a:t>  bilangan </a:t>
+            </a:r>
+            <a:r>
+              <a:rPr lang="en-ID" sz="1500" b="0">
+                <a:solidFill>
+                  <a:srgbClr val="D73A49"/>
+                </a:solidFill>
+                <a:effectLst/>
+                <a:latin typeface="Consolas" panose="020B0609020204030204" pitchFamily="49" charset="0"/>
+              </a:rPr>
+              <a:t>=</a:t>
+            </a:r>
+            <a:r>
+              <a:rPr lang="en-ID" sz="1500" b="0">
+                <a:solidFill>
+                  <a:srgbClr val="24292E"/>
+                </a:solidFill>
+                <a:effectLst/>
+                <a:latin typeface="Consolas" panose="020B0609020204030204" pitchFamily="49" charset="0"/>
+              </a:rPr>
+              <a:t> </a:t>
+            </a:r>
+            <a:r>
+              <a:rPr lang="en-ID" sz="1500" b="0">
+                <a:solidFill>
+                  <a:srgbClr val="6F42C1"/>
+                </a:solidFill>
+                <a:effectLst/>
+                <a:latin typeface="Consolas" panose="020B0609020204030204" pitchFamily="49" charset="0"/>
+              </a:rPr>
+              <a:t>int</a:t>
+            </a:r>
+            <a:r>
+              <a:rPr lang="en-ID" sz="1500" b="0">
+                <a:solidFill>
+                  <a:srgbClr val="24292E"/>
+                </a:solidFill>
+                <a:effectLst/>
+                <a:latin typeface="Consolas" panose="020B0609020204030204" pitchFamily="49" charset="0"/>
+              </a:rPr>
+              <a:t>(</a:t>
+            </a:r>
+            <a:r>
+              <a:rPr lang="en-ID" sz="1500" b="0">
+                <a:solidFill>
+                  <a:srgbClr val="6F42C1"/>
+                </a:solidFill>
+                <a:effectLst/>
+                <a:latin typeface="Consolas" panose="020B0609020204030204" pitchFamily="49" charset="0"/>
+              </a:rPr>
+              <a:t>input</a:t>
+            </a:r>
+            <a:r>
+              <a:rPr lang="en-ID" sz="1500" b="0">
+                <a:solidFill>
+                  <a:srgbClr val="24292E"/>
+                </a:solidFill>
+                <a:effectLst/>
+                <a:latin typeface="Consolas" panose="020B0609020204030204" pitchFamily="49" charset="0"/>
+              </a:rPr>
+              <a:t>(</a:t>
+            </a:r>
+            <a:r>
+              <a:rPr lang="en-ID" sz="1500" b="0">
+                <a:solidFill>
+                  <a:srgbClr val="032F62"/>
+                </a:solidFill>
+                <a:effectLst/>
+                <a:latin typeface="Consolas" panose="020B0609020204030204" pitchFamily="49" charset="0"/>
+              </a:rPr>
+              <a:t>"Masukan sebuah bilangan: "</a:t>
+            </a:r>
+            <a:r>
+              <a:rPr lang="en-ID" sz="1500" b="0">
+                <a:solidFill>
+                  <a:srgbClr val="24292E"/>
+                </a:solidFill>
+                <a:effectLst/>
+                <a:latin typeface="Consolas" panose="020B0609020204030204" pitchFamily="49" charset="0"/>
+              </a:rPr>
+              <a:t>))</a:t>
+            </a:r>
+          </a:p>
+          <a:p>
+            <a:br>
+              <a:rPr lang="en-ID" sz="1500" b="0">
+                <a:solidFill>
+                  <a:srgbClr val="24292E"/>
+                </a:solidFill>
+                <a:effectLst/>
+                <a:latin typeface="Consolas" panose="020B0609020204030204" pitchFamily="49" charset="0"/>
+              </a:rPr>
+            </a:br>
+            <a:r>
+              <a:rPr lang="en-ID" sz="1500" b="0">
+                <a:solidFill>
+                  <a:srgbClr val="24292E"/>
+                </a:solidFill>
+                <a:effectLst/>
+                <a:latin typeface="Consolas" panose="020B0609020204030204" pitchFamily="49" charset="0"/>
+              </a:rPr>
+              <a:t>  </a:t>
+            </a:r>
+            <a:r>
+              <a:rPr lang="en-ID" sz="1500" b="0">
+                <a:solidFill>
+                  <a:srgbClr val="6A737D"/>
+                </a:solidFill>
+                <a:effectLst/>
+                <a:latin typeface="Consolas" panose="020B0609020204030204" pitchFamily="49" charset="0"/>
+              </a:rPr>
+              <a:t># proses menghitung faktorial</a:t>
+            </a:r>
+            <a:endParaRPr lang="en-ID" sz="1500" b="0">
+              <a:solidFill>
+                <a:srgbClr val="24292E"/>
+              </a:solidFill>
+              <a:effectLst/>
+              <a:latin typeface="Consolas" panose="020B0609020204030204" pitchFamily="49" charset="0"/>
+            </a:endParaRPr>
+          </a:p>
+          <a:p>
+            <a:r>
+              <a:rPr lang="en-ID" sz="1500" b="0">
+                <a:solidFill>
+                  <a:srgbClr val="24292E"/>
+                </a:solidFill>
+                <a:effectLst/>
+                <a:latin typeface="Consolas" panose="020B0609020204030204" pitchFamily="49" charset="0"/>
+              </a:rPr>
+              <a:t>  faktorial </a:t>
+            </a:r>
+            <a:r>
+              <a:rPr lang="en-ID" sz="1500" b="0">
+                <a:solidFill>
+                  <a:srgbClr val="D73A49"/>
+                </a:solidFill>
+                <a:effectLst/>
+                <a:latin typeface="Consolas" panose="020B0609020204030204" pitchFamily="49" charset="0"/>
+              </a:rPr>
+              <a:t>=</a:t>
+            </a:r>
+            <a:r>
+              <a:rPr lang="en-ID" sz="1500" b="0">
+                <a:solidFill>
+                  <a:srgbClr val="24292E"/>
+                </a:solidFill>
+                <a:effectLst/>
+                <a:latin typeface="Consolas" panose="020B0609020204030204" pitchFamily="49" charset="0"/>
+              </a:rPr>
+              <a:t> </a:t>
+            </a:r>
+            <a:r>
+              <a:rPr lang="en-ID" sz="1500" b="0">
+                <a:solidFill>
+                  <a:srgbClr val="005CC5"/>
+                </a:solidFill>
+                <a:effectLst/>
+                <a:latin typeface="Consolas" panose="020B0609020204030204" pitchFamily="49" charset="0"/>
+              </a:rPr>
+              <a:t>1</a:t>
+            </a:r>
+            <a:endParaRPr lang="en-ID" sz="1500" b="0">
+              <a:solidFill>
+                <a:srgbClr val="24292E"/>
+              </a:solidFill>
+              <a:effectLst/>
+              <a:latin typeface="Consolas" panose="020B0609020204030204" pitchFamily="49" charset="0"/>
+            </a:endParaRPr>
+          </a:p>
+          <a:p>
+            <a:r>
+              <a:rPr lang="en-ID" sz="1500" b="0">
+                <a:solidFill>
+                  <a:srgbClr val="24292E"/>
+                </a:solidFill>
+                <a:effectLst/>
+                <a:latin typeface="Consolas" panose="020B0609020204030204" pitchFamily="49" charset="0"/>
+              </a:rPr>
+              <a:t>  </a:t>
+            </a:r>
+            <a:r>
+              <a:rPr lang="en-ID" sz="1500" b="0">
+                <a:solidFill>
+                  <a:srgbClr val="D73A49"/>
+                </a:solidFill>
+                <a:effectLst/>
+                <a:latin typeface="Consolas" panose="020B0609020204030204" pitchFamily="49" charset="0"/>
+              </a:rPr>
+              <a:t>for</a:t>
+            </a:r>
+            <a:r>
+              <a:rPr lang="en-ID" sz="1500" b="0">
+                <a:solidFill>
+                  <a:srgbClr val="24292E"/>
+                </a:solidFill>
+                <a:effectLst/>
+                <a:latin typeface="Consolas" panose="020B0609020204030204" pitchFamily="49" charset="0"/>
+              </a:rPr>
+              <a:t> i </a:t>
+            </a:r>
+            <a:r>
+              <a:rPr lang="en-ID" sz="1500" b="0">
+                <a:solidFill>
+                  <a:srgbClr val="D73A49"/>
+                </a:solidFill>
+                <a:effectLst/>
+                <a:latin typeface="Consolas" panose="020B0609020204030204" pitchFamily="49" charset="0"/>
+              </a:rPr>
+              <a:t>in</a:t>
+            </a:r>
+            <a:r>
+              <a:rPr lang="en-ID" sz="1500" b="0">
+                <a:solidFill>
+                  <a:srgbClr val="24292E"/>
+                </a:solidFill>
+                <a:effectLst/>
+                <a:latin typeface="Consolas" panose="020B0609020204030204" pitchFamily="49" charset="0"/>
+              </a:rPr>
+              <a:t> </a:t>
+            </a:r>
+            <a:r>
+              <a:rPr lang="en-ID" sz="1500" b="0">
+                <a:solidFill>
+                  <a:srgbClr val="6F42C1"/>
+                </a:solidFill>
+                <a:effectLst/>
+                <a:latin typeface="Consolas" panose="020B0609020204030204" pitchFamily="49" charset="0"/>
+              </a:rPr>
+              <a:t>range</a:t>
+            </a:r>
+            <a:r>
+              <a:rPr lang="en-ID" sz="1500" b="0">
+                <a:solidFill>
+                  <a:srgbClr val="24292E"/>
+                </a:solidFill>
+                <a:effectLst/>
+                <a:latin typeface="Consolas" panose="020B0609020204030204" pitchFamily="49" charset="0"/>
+              </a:rPr>
+              <a:t>(bilangan, </a:t>
+            </a:r>
+            <a:r>
+              <a:rPr lang="en-ID" sz="1500" b="0">
+                <a:solidFill>
+                  <a:srgbClr val="005CC5"/>
+                </a:solidFill>
+                <a:effectLst/>
+                <a:latin typeface="Consolas" panose="020B0609020204030204" pitchFamily="49" charset="0"/>
+              </a:rPr>
+              <a:t>1</a:t>
+            </a:r>
+            <a:r>
+              <a:rPr lang="en-ID" sz="1500" b="0">
+                <a:solidFill>
+                  <a:srgbClr val="24292E"/>
+                </a:solidFill>
+                <a:effectLst/>
+                <a:latin typeface="Consolas" panose="020B0609020204030204" pitchFamily="49" charset="0"/>
+              </a:rPr>
+              <a:t>, </a:t>
+            </a:r>
+            <a:r>
+              <a:rPr lang="en-ID" sz="1500" b="0">
+                <a:solidFill>
+                  <a:srgbClr val="D73A49"/>
+                </a:solidFill>
+                <a:effectLst/>
+                <a:latin typeface="Consolas" panose="020B0609020204030204" pitchFamily="49" charset="0"/>
+              </a:rPr>
+              <a:t>-</a:t>
+            </a:r>
+            <a:r>
+              <a:rPr lang="en-ID" sz="1500" b="0">
+                <a:solidFill>
+                  <a:srgbClr val="005CC5"/>
+                </a:solidFill>
+                <a:effectLst/>
+                <a:latin typeface="Consolas" panose="020B0609020204030204" pitchFamily="49" charset="0"/>
+              </a:rPr>
+              <a:t>1</a:t>
+            </a:r>
+            <a:r>
+              <a:rPr lang="en-ID" sz="1500" b="0">
+                <a:solidFill>
+                  <a:srgbClr val="24292E"/>
+                </a:solidFill>
+                <a:effectLst/>
+                <a:latin typeface="Consolas" panose="020B0609020204030204" pitchFamily="49" charset="0"/>
+              </a:rPr>
+              <a:t>):</a:t>
+            </a:r>
+          </a:p>
+          <a:p>
+            <a:r>
+              <a:rPr lang="en-ID" sz="1500" b="0">
+                <a:solidFill>
+                  <a:srgbClr val="24292E"/>
+                </a:solidFill>
+                <a:effectLst/>
+                <a:latin typeface="Consolas" panose="020B0609020204030204" pitchFamily="49" charset="0"/>
+              </a:rPr>
+              <a:t>    faktorial </a:t>
+            </a:r>
+            <a:r>
+              <a:rPr lang="en-ID" sz="1500" b="0">
+                <a:solidFill>
+                  <a:srgbClr val="D73A49"/>
+                </a:solidFill>
+                <a:effectLst/>
+                <a:latin typeface="Consolas" panose="020B0609020204030204" pitchFamily="49" charset="0"/>
+              </a:rPr>
+              <a:t>=</a:t>
+            </a:r>
+            <a:r>
+              <a:rPr lang="en-ID" sz="1500" b="0">
+                <a:solidFill>
+                  <a:srgbClr val="24292E"/>
+                </a:solidFill>
+                <a:effectLst/>
+                <a:latin typeface="Consolas" panose="020B0609020204030204" pitchFamily="49" charset="0"/>
+              </a:rPr>
+              <a:t> faktorial </a:t>
+            </a:r>
+            <a:r>
+              <a:rPr lang="en-ID" sz="1500" b="0">
+                <a:solidFill>
+                  <a:srgbClr val="D73A49"/>
+                </a:solidFill>
+                <a:effectLst/>
+                <a:latin typeface="Consolas" panose="020B0609020204030204" pitchFamily="49" charset="0"/>
+              </a:rPr>
+              <a:t>*</a:t>
+            </a:r>
+            <a:r>
+              <a:rPr lang="en-ID" sz="1500" b="0">
+                <a:solidFill>
+                  <a:srgbClr val="24292E"/>
+                </a:solidFill>
+                <a:effectLst/>
+                <a:latin typeface="Consolas" panose="020B0609020204030204" pitchFamily="49" charset="0"/>
+              </a:rPr>
+              <a:t> i</a:t>
+            </a:r>
+          </a:p>
+          <a:p>
+            <a:r>
+              <a:rPr lang="en-ID" sz="1500" b="0">
+                <a:solidFill>
+                  <a:srgbClr val="24292E"/>
+                </a:solidFill>
+                <a:effectLst/>
+                <a:latin typeface="Consolas" panose="020B0609020204030204" pitchFamily="49" charset="0"/>
+              </a:rPr>
+              <a:t>  </a:t>
+            </a:r>
+          </a:p>
+          <a:p>
+            <a:r>
+              <a:rPr lang="en-ID" sz="1500" b="0">
+                <a:solidFill>
+                  <a:srgbClr val="24292E"/>
+                </a:solidFill>
+                <a:effectLst/>
+                <a:latin typeface="Consolas" panose="020B0609020204030204" pitchFamily="49" charset="0"/>
+              </a:rPr>
+              <a:t>  </a:t>
+            </a:r>
+            <a:r>
+              <a:rPr lang="en-ID" sz="1500" b="0">
+                <a:solidFill>
+                  <a:srgbClr val="6A737D"/>
+                </a:solidFill>
+                <a:effectLst/>
+                <a:latin typeface="Consolas" panose="020B0609020204030204" pitchFamily="49" charset="0"/>
+              </a:rPr>
+              <a:t># output program</a:t>
+            </a:r>
+            <a:endParaRPr lang="en-ID" sz="1500" b="0">
+              <a:solidFill>
+                <a:srgbClr val="24292E"/>
+              </a:solidFill>
+              <a:effectLst/>
+              <a:latin typeface="Consolas" panose="020B0609020204030204" pitchFamily="49" charset="0"/>
+            </a:endParaRPr>
+          </a:p>
+          <a:p>
+            <a:r>
+              <a:rPr lang="en-ID" sz="1500" b="0">
+                <a:solidFill>
+                  <a:srgbClr val="24292E"/>
+                </a:solidFill>
+                <a:effectLst/>
+                <a:latin typeface="Consolas" panose="020B0609020204030204" pitchFamily="49" charset="0"/>
+              </a:rPr>
+              <a:t>  </a:t>
+            </a:r>
+            <a:r>
+              <a:rPr lang="en-ID" sz="1500" b="0">
+                <a:solidFill>
+                  <a:srgbClr val="6F42C1"/>
+                </a:solidFill>
+                <a:effectLst/>
+                <a:latin typeface="Consolas" panose="020B0609020204030204" pitchFamily="49" charset="0"/>
+              </a:rPr>
+              <a:t>print</a:t>
+            </a:r>
+            <a:r>
+              <a:rPr lang="en-ID" sz="1500" b="0">
+                <a:solidFill>
+                  <a:srgbClr val="24292E"/>
+                </a:solidFill>
+                <a:effectLst/>
+                <a:latin typeface="Consolas" panose="020B0609020204030204" pitchFamily="49" charset="0"/>
+              </a:rPr>
+              <a:t>(</a:t>
+            </a:r>
+            <a:r>
+              <a:rPr lang="en-ID" sz="1500" b="0">
+                <a:solidFill>
+                  <a:srgbClr val="032F62"/>
+                </a:solidFill>
+                <a:effectLst/>
+                <a:latin typeface="Consolas" panose="020B0609020204030204" pitchFamily="49" charset="0"/>
+              </a:rPr>
+              <a:t>"faktorial "</a:t>
+            </a:r>
+            <a:r>
+              <a:rPr lang="en-ID" sz="1500" b="0">
+                <a:solidFill>
+                  <a:srgbClr val="D73A49"/>
+                </a:solidFill>
+                <a:effectLst/>
+                <a:latin typeface="Consolas" panose="020B0609020204030204" pitchFamily="49" charset="0"/>
+              </a:rPr>
+              <a:t>+</a:t>
+            </a:r>
+            <a:r>
+              <a:rPr lang="en-ID" sz="1500" b="0">
+                <a:solidFill>
+                  <a:srgbClr val="6F42C1"/>
+                </a:solidFill>
+                <a:effectLst/>
+                <a:latin typeface="Consolas" panose="020B0609020204030204" pitchFamily="49" charset="0"/>
+              </a:rPr>
+              <a:t>str</a:t>
+            </a:r>
+            <a:r>
+              <a:rPr lang="en-ID" sz="1500" b="0">
+                <a:solidFill>
+                  <a:srgbClr val="24292E"/>
+                </a:solidFill>
+                <a:effectLst/>
+                <a:latin typeface="Consolas" panose="020B0609020204030204" pitchFamily="49" charset="0"/>
+              </a:rPr>
+              <a:t>(bilangan)</a:t>
+            </a:r>
+            <a:r>
+              <a:rPr lang="en-ID" sz="1500" b="0">
+                <a:solidFill>
+                  <a:srgbClr val="D73A49"/>
+                </a:solidFill>
+                <a:effectLst/>
+                <a:latin typeface="Consolas" panose="020B0609020204030204" pitchFamily="49" charset="0"/>
+              </a:rPr>
+              <a:t>+</a:t>
+            </a:r>
+            <a:r>
+              <a:rPr lang="en-ID" sz="1500" b="0">
+                <a:solidFill>
+                  <a:srgbClr val="032F62"/>
+                </a:solidFill>
+                <a:effectLst/>
+                <a:latin typeface="Consolas" panose="020B0609020204030204" pitchFamily="49" charset="0"/>
+              </a:rPr>
+              <a:t>" adalah :"</a:t>
+            </a:r>
+            <a:r>
+              <a:rPr lang="en-ID" sz="1500" b="0">
+                <a:solidFill>
+                  <a:srgbClr val="D73A49"/>
+                </a:solidFill>
+                <a:effectLst/>
+                <a:latin typeface="Consolas" panose="020B0609020204030204" pitchFamily="49" charset="0"/>
+              </a:rPr>
+              <a:t>+</a:t>
+            </a:r>
+            <a:r>
+              <a:rPr lang="en-ID" sz="1500" b="0">
+                <a:solidFill>
+                  <a:srgbClr val="6F42C1"/>
+                </a:solidFill>
+                <a:effectLst/>
+                <a:latin typeface="Consolas" panose="020B0609020204030204" pitchFamily="49" charset="0"/>
+              </a:rPr>
+              <a:t>str</a:t>
+            </a:r>
+            <a:r>
+              <a:rPr lang="en-ID" sz="1500" b="0">
+                <a:solidFill>
+                  <a:srgbClr val="24292E"/>
+                </a:solidFill>
+                <a:effectLst/>
+                <a:latin typeface="Consolas" panose="020B0609020204030204" pitchFamily="49" charset="0"/>
+              </a:rPr>
+              <a:t>(faktorial))</a:t>
+            </a:r>
+          </a:p>
+        </p:txBody>
+      </p:sp>
+    </p:spTree>
+    <p:extLst>
+      <p:ext uri="{BB962C8B-B14F-4D97-AF65-F5344CB8AC3E}">
+        <p14:creationId xmlns:p14="http://schemas.microsoft.com/office/powerpoint/2010/main" val="1604995799"/>
+      </p:ext>
+    </p:extLst>
+  </p:cSld>
+  <p:clrMapOvr>
+    <a:masterClrMapping/>
+  </p:clrMapOvr>
+</p:sld>
+</file>
+
+<file path=ppt/slides/slide16.xml><?xml version="1.0" encoding="utf-8"?>
+<p:sld xmlns:a="http://schemas.openxmlformats.org/drawingml/2006/main" xmlns:r="http://schemas.openxmlformats.org/officeDocument/2006/relationships" xmlns:p="http://schemas.openxmlformats.org/presentationml/2006/main">
+  <p:cSld>
+    <p:spTree>
+      <p:nvGrpSpPr>
+        <p:cNvPr id="1" name=""/>
+        <p:cNvGrpSpPr/>
+        <p:nvPr/>
+      </p:nvGrpSpPr>
+      <p:grpSpPr>
+        <a:xfrm>
+          <a:off x="0" y="0"/>
+          <a:ext cx="0" cy="0"/>
+          <a:chOff x="0" y="0"/>
+          <a:chExt cx="0" cy="0"/>
+        </a:xfrm>
+      </p:grpSpPr>
+      <p:sp>
+        <p:nvSpPr>
+          <p:cNvPr id="2" name="Title 1">
+            <a:extLst>
+              <a:ext uri="{FF2B5EF4-FFF2-40B4-BE49-F238E27FC236}">
+                <a16:creationId xmlns:a16="http://schemas.microsoft.com/office/drawing/2014/main" id="{5BE75103-4EB9-997E-68E8-2BFB498FB22C}"/>
+              </a:ext>
+            </a:extLst>
+          </p:cNvPr>
+          <p:cNvSpPr>
+            <a:spLocks noGrp="1"/>
+          </p:cNvSpPr>
+          <p:nvPr>
+            <p:ph type="title"/>
+          </p:nvPr>
+        </p:nvSpPr>
+        <p:spPr>
+          <a:xfrm>
+            <a:off x="211393" y="2766218"/>
+            <a:ext cx="11769212" cy="1325563"/>
+          </a:xfrm>
+        </p:spPr>
+        <p:txBody>
+          <a:bodyPr/>
+          <a:lstStyle/>
+          <a:p>
+            <a:pPr algn="ctr"/>
+            <a:r>
+              <a:rPr lang="en-US"/>
+              <a:t>Terima Kasih</a:t>
+            </a:r>
             <a:endParaRPr lang="en-ID"/>
           </a:p>
         </p:txBody>
@@ -5056,7 +8298,7 @@
           <a:p>
             <a:r>
               <a:rPr lang="en-US"/>
-              <a:t>Template</a:t>
+              <a:t>Bahasa Pemrograman Python</a:t>
             </a:r>
             <a:endParaRPr lang="en-ID"/>
           </a:p>
@@ -5085,14 +8327,70 @@
           </a:xfrm>
         </p:spPr>
         <p:txBody>
-          <a:bodyPr/>
+          <a:bodyPr>
+            <a:normAutofit/>
+          </a:bodyPr>
           <a:lstStyle/>
           <a:p>
-            <a:r>
-              <a:rPr lang="en-US"/>
-              <a:t>Isi</a:t>
-            </a:r>
-            <a:endParaRPr lang="en-ID"/>
+            <a:pPr marL="0" indent="0">
+              <a:buNone/>
+            </a:pPr>
+            <a:r>
+              <a:rPr lang="en-US" sz="2200"/>
+              <a:t>Kebutuhan Perangkat Lunax</a:t>
+            </a:r>
+          </a:p>
+          <a:p>
+            <a:r>
+              <a:rPr lang="en-US" sz="2200"/>
+              <a:t>Anaconda3 2024.06</a:t>
+            </a:r>
+          </a:p>
+          <a:p>
+            <a:r>
+              <a:rPr lang="en-US" sz="2200"/>
+              <a:t>VSCode (last update)</a:t>
+            </a:r>
+          </a:p>
+          <a:p>
+            <a:r>
+              <a:rPr lang="en-US" sz="2200"/>
+              <a:t>Google Chrome (last update)</a:t>
+            </a:r>
+          </a:p>
+          <a:p>
+            <a:pPr marL="0" indent="0">
+              <a:buNone/>
+            </a:pPr>
+            <a:endParaRPr lang="en-US" sz="2200"/>
+          </a:p>
+          <a:p>
+            <a:pPr marL="0" indent="0">
+              <a:buNone/>
+            </a:pPr>
+            <a:r>
+              <a:rPr lang="en-US" sz="2200"/>
+              <a:t>Kebutuhan Perangkat Keras</a:t>
+            </a:r>
+          </a:p>
+          <a:p>
+            <a:r>
+              <a:rPr lang="en-US" sz="2200"/>
+              <a:t>Intel Core i5-8265U 1.80 GHz</a:t>
+            </a:r>
+          </a:p>
+          <a:p>
+            <a:r>
+              <a:rPr lang="en-US" sz="2200"/>
+              <a:t>RAM DDR4 2400 MHz</a:t>
+            </a:r>
+          </a:p>
+          <a:p>
+            <a:r>
+              <a:rPr lang="en-US" sz="2200"/>
+              <a:t>SSD SATA 256GB</a:t>
+            </a:r>
+            <a:endParaRPr lang="en-ID" sz="2200"/>
           </a:p>
         </p:txBody>
       </p:sp>
@@ -5145,7 +8443,7 @@
     </p:spTree>
     <p:extLst>
       <p:ext uri="{BB962C8B-B14F-4D97-AF65-F5344CB8AC3E}">
-        <p14:creationId xmlns:p14="http://schemas.microsoft.com/office/powerpoint/2010/main" val="3858248990"/>
+        <p14:creationId xmlns:p14="http://schemas.microsoft.com/office/powerpoint/2010/main" val="2353544099"/>
       </p:ext>
     </p:extLst>
   </p:cSld>
@@ -5230,69 +8528,146 @@
         </p:spPr>
         <p:txBody>
           <a:bodyPr>
-            <a:normAutofit lnSpcReduction="10000"/>
+            <a:normAutofit/>
           </a:bodyPr>
           <a:lstStyle/>
           <a:p>
-            <a:pPr marL="0" indent="0">
-              <a:buNone/>
-            </a:pPr>
-            <a:r>
-              <a:rPr lang="en-US"/>
-              <a:t>Kebutuhan Perangkat Lunax</a:t>
-            </a:r>
-          </a:p>
-          <a:p>
-            <a:r>
-              <a:rPr lang="en-US"/>
-              <a:t>Anaconda3 2024.06</a:t>
-            </a:r>
-          </a:p>
-          <a:p>
-            <a:r>
-              <a:rPr lang="en-US"/>
-              <a:t>VSCode (last update)</a:t>
-            </a:r>
-          </a:p>
-          <a:p>
-            <a:r>
-              <a:rPr lang="en-US"/>
-              <a:t>Google Chrome (last update)</a:t>
-            </a:r>
-          </a:p>
-          <a:p>
-            <a:pPr marL="0" indent="0">
-              <a:buNone/>
-            </a:pPr>
-            <a:endParaRPr lang="en-US"/>
-          </a:p>
-          <a:p>
-            <a:pPr marL="0" indent="0">
-              <a:buNone/>
-            </a:pPr>
-            <a:r>
-              <a:rPr lang="en-US"/>
-              <a:t>Kebutuhan Perangkat Keras</a:t>
-            </a:r>
-          </a:p>
-          <a:p>
-            <a:r>
-              <a:rPr lang="en-US"/>
-              <a:t>Intel Core i5-8265U 1.80 GHz</a:t>
-            </a:r>
-          </a:p>
-          <a:p>
-            <a:r>
-              <a:rPr lang="en-US"/>
-              <a:t>RAM DDR4 2400 MHz</a:t>
-            </a:r>
-          </a:p>
-          <a:p>
-            <a:r>
-              <a:rPr lang="en-US"/>
-              <a:t>SSD SATA 256GB</a:t>
-            </a:r>
-            <a:endParaRPr lang="en-ID"/>
+            <a:r>
+              <a:rPr lang="en-US" sz="2200"/>
+              <a:t>Bahasa </a:t>
+            </a:r>
+            <a:r>
+              <a:rPr lang="en-US" sz="2200" err="1"/>
+              <a:t>pemrograma</a:t>
+            </a:r>
+            <a:r>
+              <a:rPr lang="en-US" sz="2200"/>
+              <a:t> </a:t>
+            </a:r>
+            <a:r>
+              <a:rPr lang="en-US" sz="2200" err="1"/>
+              <a:t>adalah</a:t>
+            </a:r>
+            <a:r>
+              <a:rPr lang="en-US" sz="2200"/>
+              <a:t> </a:t>
+            </a:r>
+            <a:r>
+              <a:rPr lang="en-US" sz="2200" err="1"/>
+              <a:t>suatu</a:t>
+            </a:r>
+            <a:r>
+              <a:rPr lang="en-US" sz="2200"/>
+              <a:t> </a:t>
+            </a:r>
+            <a:r>
+              <a:rPr lang="en-US" sz="2200" err="1"/>
+              <a:t>bahasa</a:t>
+            </a:r>
+            <a:r>
+              <a:rPr lang="en-US" sz="2200"/>
+              <a:t> </a:t>
+            </a:r>
+            <a:r>
+              <a:rPr lang="en-US" sz="2200" err="1"/>
+              <a:t>untuk</a:t>
+            </a:r>
+            <a:r>
+              <a:rPr lang="en-US" sz="2200"/>
+              <a:t> </a:t>
+            </a:r>
+            <a:r>
+              <a:rPr lang="en-US" sz="2200" err="1"/>
+              <a:t>memberikan</a:t>
+            </a:r>
+            <a:r>
+              <a:rPr lang="en-US" sz="2200"/>
+              <a:t> </a:t>
+            </a:r>
+            <a:r>
+              <a:rPr lang="en-US" sz="2200" err="1"/>
+              <a:t>instruksi</a:t>
+            </a:r>
+            <a:r>
+              <a:rPr lang="en-US" sz="2200"/>
+              <a:t> </a:t>
+            </a:r>
+            <a:r>
+              <a:rPr lang="en-US" sz="2200" err="1"/>
+              <a:t>kepada</a:t>
+            </a:r>
+            <a:r>
+              <a:rPr lang="en-US" sz="2200"/>
+              <a:t> </a:t>
+            </a:r>
+            <a:r>
+              <a:rPr lang="en-US" sz="2200" err="1"/>
+              <a:t>sebuah</a:t>
+            </a:r>
+            <a:r>
+              <a:rPr lang="en-US" sz="2200"/>
+              <a:t> </a:t>
+            </a:r>
+            <a:r>
+              <a:rPr lang="en-US" sz="2200" err="1"/>
+              <a:t>komputer</a:t>
+            </a:r>
+            <a:r>
+              <a:rPr lang="en-US" sz="2200"/>
+              <a:t> agar </a:t>
+            </a:r>
+            <a:r>
+              <a:rPr lang="en-US" sz="2200" err="1"/>
+              <a:t>melakukan</a:t>
+            </a:r>
+            <a:r>
+              <a:rPr lang="en-US" sz="2200"/>
+              <a:t> </a:t>
+            </a:r>
+            <a:r>
+              <a:rPr lang="en-US" sz="2200" err="1"/>
+              <a:t>tugas-tugas</a:t>
+            </a:r>
+            <a:r>
+              <a:rPr lang="en-US" sz="2200"/>
+              <a:t> </a:t>
+            </a:r>
+            <a:r>
+              <a:rPr lang="en-US" sz="2200" err="1"/>
+              <a:t>tertentu</a:t>
+            </a:r>
+            <a:r>
+              <a:rPr lang="en-US" sz="2200"/>
+              <a:t>.</a:t>
+            </a:r>
+          </a:p>
+          <a:p>
+            <a:r>
+              <a:rPr lang="en-US" sz="2200" err="1"/>
+              <a:t>Contoh</a:t>
+            </a:r>
+            <a:r>
+              <a:rPr lang="en-US" sz="2200"/>
+              <a:t>: C, C++, C#, Java, JSP, PHP, Perl, Python, dan lain-lain.</a:t>
+            </a:r>
+          </a:p>
+          <a:p>
+            <a:endParaRPr lang="en-US" sz="2200"/>
+          </a:p>
+          <a:p>
+            <a:r>
+              <a:rPr lang="en-US" sz="2200"/>
+              <a:t>Pemrograman adalah proses menulis, menguji, dan memelihara kode programan untuk membuat perangkat lunak.</a:t>
+            </a:r>
+          </a:p>
+          <a:p>
+            <a:r>
+              <a:rPr lang="en-US" sz="2200"/>
+              <a:t>Contoh: Aplikasi Penjualan Tiket Pesawat Menggunakan Python3</a:t>
+            </a:r>
+          </a:p>
+          <a:p>
+            <a:endParaRPr lang="en-ID" sz="2200"/>
           </a:p>
         </p:txBody>
       </p:sp>
@@ -5345,7 +8720,7 @@
     </p:spTree>
     <p:extLst>
       <p:ext uri="{BB962C8B-B14F-4D97-AF65-F5344CB8AC3E}">
-        <p14:creationId xmlns:p14="http://schemas.microsoft.com/office/powerpoint/2010/main" val="2353544099"/>
+        <p14:creationId xmlns:p14="http://schemas.microsoft.com/office/powerpoint/2010/main" val="1580360477"/>
       </p:ext>
     </p:extLst>
   </p:cSld>
@@ -5400,7 +8775,7 @@
           <a:p>
             <a:r>
               <a:rPr lang="en-US"/>
-              <a:t>Bahasa Pemrograman Python</a:t>
+              <a:t>Konsep Dasar Algoritma dan Pemrograman</a:t>
             </a:r>
             <a:endParaRPr lang="en-ID"/>
           </a:p>
@@ -5434,133 +8809,53 @@
           <a:p>
             <a:r>
               <a:rPr lang="en-US"/>
-              <a:t>Bahasa </a:t>
-            </a:r>
-            <a:r>
-              <a:rPr lang="en-US" err="1"/>
-              <a:t>pemrograma</a:t>
-            </a:r>
+              <a:t>Runtunan (Sequence)</a:t>
+            </a:r>
+          </a:p>
+          <a:p>
+            <a:pPr lvl="1"/>
             <a:r>
               <a:rPr lang="en-US"/>
-              <a:t> </a:t>
-            </a:r>
-            <a:r>
-              <a:rPr lang="en-US" err="1"/>
-              <a:t>adalah</a:t>
-            </a:r>
+              <a:t>“Kode program atau statement akan dieksekusi secara berurutan dari baris pertama sampai baris terakhir”</a:t>
+            </a:r>
+          </a:p>
+          <a:p>
+            <a:pPr marL="457200" lvl="1" indent="0">
+              <a:buNone/>
+            </a:pPr>
+            <a:endParaRPr lang="en-US"/>
+          </a:p>
+          <a:p>
             <a:r>
               <a:rPr lang="en-US"/>
-              <a:t> </a:t>
-            </a:r>
-            <a:r>
-              <a:rPr lang="en-US" err="1"/>
-              <a:t>suatu</a:t>
-            </a:r>
+              <a:t>Percabangan atau Selection</a:t>
+            </a:r>
+          </a:p>
+          <a:p>
+            <a:pPr lvl="1"/>
             <a:r>
               <a:rPr lang="en-US"/>
-              <a:t> </a:t>
-            </a:r>
-            <a:r>
-              <a:rPr lang="en-US" err="1"/>
-              <a:t>bahasa</a:t>
-            </a:r>
+              <a:t>“Kode program atau statement akan dieksekusi apabila kondisi percabangan benar”</a:t>
+            </a:r>
+          </a:p>
+          <a:p>
+            <a:pPr marL="457200" lvl="1" indent="0">
+              <a:buNone/>
+            </a:pPr>
+            <a:endParaRPr lang="en-US"/>
+          </a:p>
+          <a:p>
             <a:r>
               <a:rPr lang="en-US"/>
-              <a:t> </a:t>
-            </a:r>
-            <a:r>
-              <a:rPr lang="en-US" err="1"/>
-              <a:t>untuk</a:t>
-            </a:r>
+              <a:t>Perulangan atau Looping</a:t>
+            </a:r>
+          </a:p>
+          <a:p>
+            <a:pPr lvl="1"/>
             <a:r>
               <a:rPr lang="en-US"/>
-              <a:t> </a:t>
-            </a:r>
-            <a:r>
-              <a:rPr lang="en-US" err="1"/>
-              <a:t>memberikan</a:t>
-            </a:r>
-            <a:r>
-              <a:rPr lang="en-US"/>
-              <a:t> </a:t>
-            </a:r>
-            <a:r>
-              <a:rPr lang="en-US" err="1"/>
-              <a:t>instruksi</a:t>
-            </a:r>
-            <a:r>
-              <a:rPr lang="en-US"/>
-              <a:t> </a:t>
-            </a:r>
-            <a:r>
-              <a:rPr lang="en-US" err="1"/>
-              <a:t>kepada</a:t>
-            </a:r>
-            <a:r>
-              <a:rPr lang="en-US"/>
-              <a:t> </a:t>
-            </a:r>
-            <a:r>
-              <a:rPr lang="en-US" err="1"/>
-              <a:t>sebuah</a:t>
-            </a:r>
-            <a:r>
-              <a:rPr lang="en-US"/>
-              <a:t> </a:t>
-            </a:r>
-            <a:r>
-              <a:rPr lang="en-US" err="1"/>
-              <a:t>komputer</a:t>
-            </a:r>
-            <a:r>
-              <a:rPr lang="en-US"/>
-              <a:t> agar </a:t>
-            </a:r>
-            <a:r>
-              <a:rPr lang="en-US" err="1"/>
-              <a:t>melakukan</a:t>
-            </a:r>
-            <a:r>
-              <a:rPr lang="en-US"/>
-              <a:t> </a:t>
-            </a:r>
-            <a:r>
-              <a:rPr lang="en-US" err="1"/>
-              <a:t>tugas-tugas</a:t>
-            </a:r>
-            <a:r>
-              <a:rPr lang="en-US"/>
-              <a:t> </a:t>
-            </a:r>
-            <a:r>
-              <a:rPr lang="en-US" err="1"/>
-              <a:t>tertentu</a:t>
-            </a:r>
-            <a:r>
-              <a:rPr lang="en-US"/>
-              <a:t>.</a:t>
-            </a:r>
-          </a:p>
-          <a:p>
-            <a:r>
-              <a:rPr lang="en-US" err="1"/>
-              <a:t>Contoh</a:t>
-            </a:r>
-            <a:r>
-              <a:rPr lang="en-US"/>
-              <a:t>: C, C++, C#, Java, JSP, PHP, Perl, Python, dan lain-lain.</a:t>
-            </a:r>
-          </a:p>
-          <a:p>
-            <a:endParaRPr lang="en-US"/>
-          </a:p>
-          <a:p>
-            <a:r>
-              <a:rPr lang="en-US"/>
-              <a:t>Pemrograman adalah proses menulis, menguji, dan memelihara kode programan untuk membuat perangkat lunak.</a:t>
-            </a:r>
-          </a:p>
-          <a:p>
+              <a:t>“Kode program atau statement akan terus dieksekusi selama kondisi perulangan benar”</a:t>
+            </a:r>
             <a:endParaRPr lang="en-ID"/>
           </a:p>
         </p:txBody>
@@ -5614,7 +8909,7 @@
     </p:spTree>
     <p:extLst>
       <p:ext uri="{BB962C8B-B14F-4D97-AF65-F5344CB8AC3E}">
-        <p14:creationId xmlns:p14="http://schemas.microsoft.com/office/powerpoint/2010/main" val="1580360477"/>
+        <p14:creationId xmlns:p14="http://schemas.microsoft.com/office/powerpoint/2010/main" val="3916889851"/>
       </p:ext>
     </p:extLst>
   </p:cSld>
@@ -5667,88 +8962,10 @@
           <a:bodyPr/>
           <a:lstStyle/>
           <a:p>
+            <a:pPr algn="ctr"/>
             <a:r>
               <a:rPr lang="en-US"/>
-              <a:t>Konsep Dasar Algoritma dan Pemrograman</a:t>
-            </a:r>
-            <a:endParaRPr lang="en-ID"/>
-          </a:p>
-        </p:txBody>
-      </p:sp>
-      <p:sp>
-        <p:nvSpPr>
-          <p:cNvPr id="3" name="Content Placeholder 2">
-            <a:extLst>
-              <a:ext uri="{FF2B5EF4-FFF2-40B4-BE49-F238E27FC236}">
-                <a16:creationId xmlns:a16="http://schemas.microsoft.com/office/drawing/2014/main" id="{07C74A71-5A41-4FA3-87FB-3311DF9E9C5F}"/>
-              </a:ext>
-            </a:extLst>
-          </p:cNvPr>
-          <p:cNvSpPr>
-            <a:spLocks noGrp="1"/>
-          </p:cNvSpPr>
-          <p:nvPr>
-            <p:ph idx="1"/>
-          </p:nvPr>
-        </p:nvSpPr>
-        <p:spPr>
-          <a:xfrm>
-            <a:off x="221225" y="1825625"/>
-            <a:ext cx="11769213" cy="4530930"/>
-          </a:xfrm>
-        </p:spPr>
-        <p:txBody>
-          <a:bodyPr/>
-          <a:lstStyle/>
-          <a:p>
-            <a:r>
-              <a:rPr lang="en-US"/>
-              <a:t>Runtunan (Sequence)</a:t>
-            </a:r>
-          </a:p>
-          <a:p>
-            <a:pPr lvl="1"/>
-            <a:r>
-              <a:rPr lang="en-US"/>
-              <a:t>“Kode program atau statement akan dieksekusi secara berurutan dari baris pertama sampai baris terakhir”</a:t>
-            </a:r>
-          </a:p>
-          <a:p>
-            <a:pPr marL="457200" lvl="1" indent="0">
-              <a:buNone/>
-            </a:pPr>
-            <a:endParaRPr lang="en-US"/>
-          </a:p>
-          <a:p>
-            <a:r>
-              <a:rPr lang="en-US"/>
-              <a:t>Percabangan atau Selection</a:t>
-            </a:r>
-          </a:p>
-          <a:p>
-            <a:pPr lvl="1"/>
-            <a:r>
-              <a:rPr lang="en-US"/>
-              <a:t>“Kode program atau statement akan dieksekusi apabila kondisi percabangan benar”</a:t>
-            </a:r>
-          </a:p>
-          <a:p>
-            <a:pPr marL="457200" lvl="1" indent="0">
-              <a:buNone/>
-            </a:pPr>
-            <a:endParaRPr lang="en-US"/>
-          </a:p>
-          <a:p>
-            <a:r>
-              <a:rPr lang="en-US"/>
-              <a:t>Perulangan atau Looping</a:t>
-            </a:r>
-          </a:p>
-          <a:p>
-            <a:pPr lvl="1"/>
-            <a:r>
-              <a:rPr lang="en-US"/>
-              <a:t>“Kode program atau statement akan terus dieksekusi selama kondisi perulangan benar”</a:t>
+              <a:t>Python – First Code</a:t>
             </a:r>
             <a:endParaRPr lang="en-ID"/>
           </a:p>
@@ -5800,10 +9017,260 @@
           </a:p>
         </p:txBody>
       </p:sp>
+      <p:sp>
+        <p:nvSpPr>
+          <p:cNvPr id="16" name="TextBox 15">
+            <a:extLst>
+              <a:ext uri="{FF2B5EF4-FFF2-40B4-BE49-F238E27FC236}">
+                <a16:creationId xmlns:a16="http://schemas.microsoft.com/office/drawing/2014/main" id="{EF176D88-8F25-6ADC-D7E1-01A68CF59AF4}"/>
+              </a:ext>
+            </a:extLst>
+          </p:cNvPr>
+          <p:cNvSpPr txBox="1"/>
+          <p:nvPr/>
+        </p:nvSpPr>
+        <p:spPr>
+          <a:xfrm>
+            <a:off x="2043917" y="2574920"/>
+            <a:ext cx="8123829" cy="1708160"/>
+          </a:xfrm>
+          <a:prstGeom prst="rect">
+            <a:avLst/>
+          </a:prstGeom>
+          <a:solidFill>
+            <a:schemeClr val="accent4">
+              <a:lumMod val="20000"/>
+              <a:lumOff val="80000"/>
+            </a:schemeClr>
+          </a:solidFill>
+        </p:spPr>
+        <p:style>
+          <a:lnRef idx="2">
+            <a:schemeClr val="dk1"/>
+          </a:lnRef>
+          <a:fillRef idx="1">
+            <a:schemeClr val="lt1"/>
+          </a:fillRef>
+          <a:effectRef idx="0">
+            <a:schemeClr val="dk1"/>
+          </a:effectRef>
+          <a:fontRef idx="minor">
+            <a:schemeClr val="dk1"/>
+          </a:fontRef>
+        </p:style>
+        <p:txBody>
+          <a:bodyPr wrap="square">
+            <a:spAutoFit/>
+          </a:bodyPr>
+          <a:lstStyle/>
+          <a:p>
+            <a:r>
+              <a:rPr lang="en-US" sz="1500" b="0">
+                <a:solidFill>
+                  <a:srgbClr val="6E7781"/>
+                </a:solidFill>
+                <a:effectLst/>
+                <a:latin typeface="Consolas" panose="020B0609020204030204" pitchFamily="49" charset="0"/>
+              </a:rPr>
+              <a:t># PROGRAM Hello.py</a:t>
+            </a:r>
+            <a:endParaRPr lang="en-US" sz="1500" b="0">
+              <a:solidFill>
+                <a:srgbClr val="1F2328"/>
+              </a:solidFill>
+              <a:effectLst/>
+              <a:latin typeface="Consolas" panose="020B0609020204030204" pitchFamily="49" charset="0"/>
+            </a:endParaRPr>
+          </a:p>
+          <a:p>
+            <a:br>
+              <a:rPr lang="en-US" sz="1500" b="0">
+                <a:solidFill>
+                  <a:srgbClr val="1F2328"/>
+                </a:solidFill>
+                <a:effectLst/>
+                <a:latin typeface="Consolas" panose="020B0609020204030204" pitchFamily="49" charset="0"/>
+              </a:rPr>
+            </a:br>
+            <a:r>
+              <a:rPr lang="en-US" sz="1500" b="0">
+                <a:solidFill>
+                  <a:srgbClr val="6E7781"/>
+                </a:solidFill>
+                <a:effectLst/>
+                <a:latin typeface="Consolas" panose="020B0609020204030204" pitchFamily="49" charset="0"/>
+              </a:rPr>
+              <a:t># ALGORITMA</a:t>
+            </a:r>
+            <a:endParaRPr lang="en-US" sz="1500" b="0">
+              <a:solidFill>
+                <a:srgbClr val="1F2328"/>
+              </a:solidFill>
+              <a:effectLst/>
+              <a:latin typeface="Consolas" panose="020B0609020204030204" pitchFamily="49" charset="0"/>
+            </a:endParaRPr>
+          </a:p>
+          <a:p>
+            <a:r>
+              <a:rPr lang="en-US" sz="1500" b="0">
+                <a:solidFill>
+                  <a:srgbClr val="CF222E"/>
+                </a:solidFill>
+                <a:effectLst/>
+                <a:latin typeface="Consolas" panose="020B0609020204030204" pitchFamily="49" charset="0"/>
+              </a:rPr>
+              <a:t>if</a:t>
+            </a:r>
+            <a:r>
+              <a:rPr lang="en-US" sz="1500" b="0">
+                <a:solidFill>
+                  <a:srgbClr val="1F2328"/>
+                </a:solidFill>
+                <a:effectLst/>
+                <a:latin typeface="Consolas" panose="020B0609020204030204" pitchFamily="49" charset="0"/>
+              </a:rPr>
+              <a:t> __name__ </a:t>
+            </a:r>
+            <a:r>
+              <a:rPr lang="en-US" sz="1500" b="0">
+                <a:solidFill>
+                  <a:srgbClr val="CF222E"/>
+                </a:solidFill>
+                <a:effectLst/>
+                <a:latin typeface="Consolas" panose="020B0609020204030204" pitchFamily="49" charset="0"/>
+              </a:rPr>
+              <a:t>==</a:t>
+            </a:r>
+            <a:r>
+              <a:rPr lang="en-US" sz="1500" b="0">
+                <a:solidFill>
+                  <a:srgbClr val="1F2328"/>
+                </a:solidFill>
+                <a:effectLst/>
+                <a:latin typeface="Consolas" panose="020B0609020204030204" pitchFamily="49" charset="0"/>
+              </a:rPr>
+              <a:t> </a:t>
+            </a:r>
+            <a:r>
+              <a:rPr lang="en-US" sz="1500" b="0">
+                <a:solidFill>
+                  <a:srgbClr val="0A3069"/>
+                </a:solidFill>
+                <a:effectLst/>
+                <a:latin typeface="Consolas" panose="020B0609020204030204" pitchFamily="49" charset="0"/>
+              </a:rPr>
+              <a:t>"__main__"</a:t>
+            </a:r>
+            <a:r>
+              <a:rPr lang="en-US" sz="1500" b="0">
+                <a:solidFill>
+                  <a:srgbClr val="1F2328"/>
+                </a:solidFill>
+                <a:effectLst/>
+                <a:latin typeface="Consolas" panose="020B0609020204030204" pitchFamily="49" charset="0"/>
+              </a:rPr>
+              <a:t>:</a:t>
+            </a:r>
+          </a:p>
+          <a:p>
+            <a:r>
+              <a:rPr lang="en-US" sz="1500" b="0">
+                <a:solidFill>
+                  <a:srgbClr val="1F2328"/>
+                </a:solidFill>
+                <a:effectLst/>
+                <a:latin typeface="Consolas" panose="020B0609020204030204" pitchFamily="49" charset="0"/>
+              </a:rPr>
+              <a:t>    </a:t>
+            </a:r>
+          </a:p>
+          <a:p>
+            <a:r>
+              <a:rPr lang="en-US" sz="1500" b="0">
+                <a:solidFill>
+                  <a:srgbClr val="1F2328"/>
+                </a:solidFill>
+                <a:effectLst/>
+                <a:latin typeface="Consolas" panose="020B0609020204030204" pitchFamily="49" charset="0"/>
+              </a:rPr>
+              <a:t>  </a:t>
+            </a:r>
+            <a:r>
+              <a:rPr lang="en-US" sz="1500" b="0">
+                <a:solidFill>
+                  <a:srgbClr val="6E7781"/>
+                </a:solidFill>
+                <a:effectLst/>
+                <a:latin typeface="Consolas" panose="020B0609020204030204" pitchFamily="49" charset="0"/>
+              </a:rPr>
+              <a:t># keluaran program</a:t>
+            </a:r>
+            <a:endParaRPr lang="en-US" sz="1500" b="0">
+              <a:solidFill>
+                <a:srgbClr val="1F2328"/>
+              </a:solidFill>
+              <a:effectLst/>
+              <a:latin typeface="Consolas" panose="020B0609020204030204" pitchFamily="49" charset="0"/>
+            </a:endParaRPr>
+          </a:p>
+          <a:p>
+            <a:r>
+              <a:rPr lang="en-US" sz="1500" b="0">
+                <a:solidFill>
+                  <a:srgbClr val="1F2328"/>
+                </a:solidFill>
+                <a:effectLst/>
+                <a:latin typeface="Consolas" panose="020B0609020204030204" pitchFamily="49" charset="0"/>
+              </a:rPr>
+              <a:t>  </a:t>
+            </a:r>
+            <a:r>
+              <a:rPr lang="en-US" sz="1500" b="0">
+                <a:solidFill>
+                  <a:srgbClr val="8250DF"/>
+                </a:solidFill>
+                <a:effectLst/>
+                <a:latin typeface="Consolas" panose="020B0609020204030204" pitchFamily="49" charset="0"/>
+              </a:rPr>
+              <a:t>print</a:t>
+            </a:r>
+            <a:r>
+              <a:rPr lang="en-US" sz="1500" b="0">
+                <a:solidFill>
+                  <a:srgbClr val="1F2328"/>
+                </a:solidFill>
+                <a:effectLst/>
+                <a:latin typeface="Consolas" panose="020B0609020204030204" pitchFamily="49" charset="0"/>
+              </a:rPr>
+              <a:t>(</a:t>
+            </a:r>
+            <a:r>
+              <a:rPr lang="en-US" sz="1500" b="0">
+                <a:solidFill>
+                  <a:srgbClr val="0A3069"/>
+                </a:solidFill>
+                <a:effectLst/>
+                <a:latin typeface="Consolas" panose="020B0609020204030204" pitchFamily="49" charset="0"/>
+              </a:rPr>
+              <a:t>"Hello World"</a:t>
+            </a:r>
+            <a:r>
+              <a:rPr lang="en-US" sz="1500" b="0">
+                <a:solidFill>
+                  <a:srgbClr val="1F2328"/>
+                </a:solidFill>
+                <a:effectLst/>
+                <a:latin typeface="Consolas" panose="020B0609020204030204" pitchFamily="49" charset="0"/>
+              </a:rPr>
+              <a:t>)</a:t>
+            </a:r>
+          </a:p>
+        </p:txBody>
+      </p:sp>
     </p:spTree>
     <p:extLst>
       <p:ext uri="{BB962C8B-B14F-4D97-AF65-F5344CB8AC3E}">
-        <p14:creationId xmlns:p14="http://schemas.microsoft.com/office/powerpoint/2010/main" val="3916889851"/>
+        <p14:creationId xmlns:p14="http://schemas.microsoft.com/office/powerpoint/2010/main" val="953604966"/>
       </p:ext>
     </p:extLst>
   </p:cSld>
@@ -5856,9 +9323,10 @@
           <a:bodyPr/>
           <a:lstStyle/>
           <a:p>
+            <a:pPr algn="ctr"/>
             <a:r>
               <a:rPr lang="en-US"/>
-              <a:t>Python – First Code</a:t>
+              <a:t>Python – Input Output</a:t>
             </a:r>
             <a:endParaRPr lang="en-ID"/>
           </a:p>
@@ -5912,10 +9380,10 @@
       </p:sp>
       <p:sp>
         <p:nvSpPr>
-          <p:cNvPr id="16" name="TextBox 15">
+          <p:cNvPr id="11" name="TextBox 10">
             <a:extLst>
               <a:ext uri="{FF2B5EF4-FFF2-40B4-BE49-F238E27FC236}">
-                <a16:creationId xmlns:a16="http://schemas.microsoft.com/office/drawing/2014/main" id="{EF176D88-8F25-6ADC-D7E1-01A68CF59AF4}"/>
+                <a16:creationId xmlns:a16="http://schemas.microsoft.com/office/drawing/2014/main" id="{06086D7B-F954-39E7-37DB-1F080935692D}"/>
               </a:ext>
             </a:extLst>
           </p:cNvPr>
@@ -5924,8 +9392,8 @@
         </p:nvSpPr>
         <p:spPr>
           <a:xfrm>
-            <a:off x="221226" y="1690688"/>
-            <a:ext cx="6114196" cy="2031325"/>
+            <a:off x="2034084" y="1690688"/>
+            <a:ext cx="8123830" cy="3554819"/>
           </a:xfrm>
           <a:prstGeom prst="rect">
             <a:avLst/>
@@ -5958,16 +9426,16 @@
           <a:lstStyle/>
           <a:p>
             <a:r>
-              <a:rPr lang="en-US" b="0">
+              <a:rPr lang="en-ID" sz="1500" b="0">
                 <a:solidFill>
                   <a:srgbClr val="6E7781"/>
                 </a:solidFill>
                 <a:effectLst/>
                 <a:latin typeface="Consolas" panose="020B0609020204030204" pitchFamily="49" charset="0"/>
               </a:rPr>
-              <a:t># PROGRAM Hello.py</a:t>
-            </a:r>
-            <a:endParaRPr lang="en-US" b="0">
+              <a:t># PROGRAM InputOutput.py</a:t>
+            </a:r>
+            <a:endParaRPr lang="en-ID" sz="1500" b="0">
               <a:solidFill>
                 <a:srgbClr val="1F2328"/>
               </a:solidFill>
@@ -5977,7 +9445,7 @@
           </a:p>
           <a:p>
             <a:br>
-              <a:rPr lang="en-US" b="0">
+              <a:rPr lang="en-ID" sz="1500" b="0">
                 <a:solidFill>
                   <a:srgbClr val="1F2328"/>
                 </a:solidFill>
@@ -5986,7 +9454,7 @@
               </a:rPr>
             </a:br>
             <a:r>
-              <a:rPr lang="en-US" b="0">
+              <a:rPr lang="en-ID" sz="1500" b="0">
                 <a:solidFill>
                   <a:srgbClr val="6E7781"/>
                 </a:solidFill>
@@ -5995,7 +9463,7 @@
               </a:rPr>
               <a:t># ALGORITMA</a:t>
             </a:r>
-            <a:endParaRPr lang="en-US" b="0">
+            <a:endParaRPr lang="en-ID" sz="1500" b="0">
               <a:solidFill>
                 <a:srgbClr val="1F2328"/>
               </a:solidFill>
@@ -6005,7 +9473,7 @@
           </a:p>
           <a:p>
             <a:r>
-              <a:rPr lang="en-US" b="0">
+              <a:rPr lang="en-ID" sz="1500" b="0">
                 <a:solidFill>
                   <a:srgbClr val="CF222E"/>
                 </a:solidFill>
@@ -6015,7 +9483,7 @@
               <a:t>if</a:t>
             </a:r>
             <a:r>
-              <a:rPr lang="en-US" b="0">
+              <a:rPr lang="en-ID" sz="1500" b="0">
                 <a:solidFill>
                   <a:srgbClr val="1F2328"/>
                 </a:solidFill>
@@ -6025,7 +9493,7 @@
               <a:t> __name__ </a:t>
             </a:r>
             <a:r>
-              <a:rPr lang="en-US" b="0">
+              <a:rPr lang="en-ID" sz="1500" b="0">
                 <a:solidFill>
                   <a:srgbClr val="CF222E"/>
                 </a:solidFill>
@@ -6035,7 +9503,7 @@
               <a:t>==</a:t>
             </a:r>
             <a:r>
-              <a:rPr lang="en-US" b="0">
+              <a:rPr lang="en-ID" sz="1500" b="0">
                 <a:solidFill>
                   <a:srgbClr val="1F2328"/>
                 </a:solidFill>
@@ -6045,7 +9513,7 @@
               <a:t> </a:t>
             </a:r>
             <a:r>
-              <a:rPr lang="en-US" b="0">
+              <a:rPr lang="en-ID" sz="1500" b="0">
                 <a:solidFill>
                   <a:srgbClr val="0A3069"/>
                 </a:solidFill>
@@ -6055,7 +9523,7 @@
               <a:t>"__main__"</a:t>
             </a:r>
             <a:r>
-              <a:rPr lang="en-US" b="0">
+              <a:rPr lang="en-ID" sz="1500" b="0">
                 <a:solidFill>
                   <a:srgbClr val="1F2328"/>
                 </a:solidFill>
@@ -6067,19 +9535,7 @@
           </a:p>
           <a:p>
             <a:r>
-              <a:rPr lang="en-US" b="0">
-                <a:solidFill>
-                  <a:srgbClr val="1F2328"/>
-                </a:solidFill>
-                <a:effectLst/>
-                <a:latin typeface="Consolas" panose="020B0609020204030204" pitchFamily="49" charset="0"/>
-              </a:rPr>
-              <a:t>    </a:t>
-            </a:r>
-          </a:p>
-          <a:p>
-            <a:r>
-              <a:rPr lang="en-US" b="0">
+              <a:rPr lang="en-ID" sz="1500" b="0">
                 <a:solidFill>
                   <a:srgbClr val="1F2328"/>
                 </a:solidFill>
@@ -6088,17 +9544,29 @@
               </a:rPr>
               <a:t>  </a:t>
             </a:r>
-            <a:r>
-              <a:rPr lang="en-US" b="0">
+          </a:p>
+          <a:p>
+            <a:r>
+              <a:rPr lang="en-ID" sz="1500" b="0">
+                <a:solidFill>
+                  <a:srgbClr val="1F2328"/>
+                </a:solidFill>
+                <a:effectLst/>
+                <a:latin typeface="Consolas" panose="020B0609020204030204" pitchFamily="49" charset="0"/>
+              </a:rPr>
+              <a:t>  </a:t>
+            </a:r>
+            <a:r>
+              <a:rPr lang="en-ID" sz="1500" b="0">
                 <a:solidFill>
                   <a:srgbClr val="6E7781"/>
                 </a:solidFill>
                 <a:effectLst/>
                 <a:latin typeface="Consolas" panose="020B0609020204030204" pitchFamily="49" charset="0"/>
               </a:rPr>
-              <a:t># keluaran program</a:t>
-            </a:r>
-            <a:endParaRPr lang="en-US" b="0">
+              <a:t># Input program</a:t>
+            </a:r>
+            <a:endParaRPr lang="en-ID" sz="1500" b="0">
               <a:solidFill>
                 <a:srgbClr val="1F2328"/>
               </a:solidFill>
@@ -6108,7 +9576,7 @@
           </a:p>
           <a:p>
             <a:r>
-              <a:rPr lang="en-US" b="0">
+              <a:rPr lang="en-ID" sz="1500" b="0">
                 <a:solidFill>
                   <a:srgbClr val="1F2328"/>
                 </a:solidFill>
@@ -6118,7 +9586,7 @@
               <a:t>  </a:t>
             </a:r>
             <a:r>
-              <a:rPr lang="en-US" b="0">
+              <a:rPr lang="en-ID" sz="1500" b="0">
                 <a:solidFill>
                   <a:srgbClr val="8250DF"/>
                 </a:solidFill>
@@ -6128,7 +9596,7 @@
               <a:t>print</a:t>
             </a:r>
             <a:r>
-              <a:rPr lang="en-US" b="0">
+              <a:rPr lang="en-ID" sz="1500" b="0">
                 <a:solidFill>
                   <a:srgbClr val="1F2328"/>
                 </a:solidFill>
@@ -6138,17 +9606,17 @@
               <a:t>(</a:t>
             </a:r>
             <a:r>
-              <a:rPr lang="en-US" b="0">
+              <a:rPr lang="en-ID" sz="1500" b="0">
                 <a:solidFill>
                   <a:srgbClr val="0A3069"/>
                 </a:solidFill>
                 <a:effectLst/>
                 <a:latin typeface="Consolas" panose="020B0609020204030204" pitchFamily="49" charset="0"/>
               </a:rPr>
-              <a:t>"Hello World"</a:t>
-            </a:r>
-            <a:r>
-              <a:rPr lang="en-US" b="0">
+              <a:t>"Input program dari keyboard"</a:t>
+            </a:r>
+            <a:r>
+              <a:rPr lang="en-ID" sz="1500" b="0">
                 <a:solidFill>
                   <a:srgbClr val="1F2328"/>
                 </a:solidFill>
@@ -6156,6 +9624,396 @@
                 <a:latin typeface="Consolas" panose="020B0609020204030204" pitchFamily="49" charset="0"/>
               </a:rPr>
               <a:t>)</a:t>
+            </a:r>
+          </a:p>
+          <a:p>
+            <a:r>
+              <a:rPr lang="en-ID" sz="1500" b="0">
+                <a:solidFill>
+                  <a:srgbClr val="1F2328"/>
+                </a:solidFill>
+                <a:effectLst/>
+                <a:latin typeface="Consolas" panose="020B0609020204030204" pitchFamily="49" charset="0"/>
+              </a:rPr>
+              <a:t>  nama </a:t>
+            </a:r>
+            <a:r>
+              <a:rPr lang="en-ID" sz="1500" b="0">
+                <a:solidFill>
+                  <a:srgbClr val="CF222E"/>
+                </a:solidFill>
+                <a:effectLst/>
+                <a:latin typeface="Consolas" panose="020B0609020204030204" pitchFamily="49" charset="0"/>
+              </a:rPr>
+              <a:t>=</a:t>
+            </a:r>
+            <a:r>
+              <a:rPr lang="en-ID" sz="1500" b="0">
+                <a:solidFill>
+                  <a:srgbClr val="1F2328"/>
+                </a:solidFill>
+                <a:effectLst/>
+                <a:latin typeface="Consolas" panose="020B0609020204030204" pitchFamily="49" charset="0"/>
+              </a:rPr>
+              <a:t> </a:t>
+            </a:r>
+            <a:r>
+              <a:rPr lang="en-ID" sz="1500" b="0">
+                <a:solidFill>
+                  <a:srgbClr val="8250DF"/>
+                </a:solidFill>
+                <a:effectLst/>
+                <a:latin typeface="Consolas" panose="020B0609020204030204" pitchFamily="49" charset="0"/>
+              </a:rPr>
+              <a:t>input</a:t>
+            </a:r>
+            <a:r>
+              <a:rPr lang="en-ID" sz="1500" b="0">
+                <a:solidFill>
+                  <a:srgbClr val="1F2328"/>
+                </a:solidFill>
+                <a:effectLst/>
+                <a:latin typeface="Consolas" panose="020B0609020204030204" pitchFamily="49" charset="0"/>
+              </a:rPr>
+              <a:t>(</a:t>
+            </a:r>
+            <a:r>
+              <a:rPr lang="en-ID" sz="1500" b="0">
+                <a:solidFill>
+                  <a:srgbClr val="0A3069"/>
+                </a:solidFill>
+                <a:effectLst/>
+                <a:latin typeface="Consolas" panose="020B0609020204030204" pitchFamily="49" charset="0"/>
+              </a:rPr>
+              <a:t>"Siapa nama anda : "</a:t>
+            </a:r>
+            <a:r>
+              <a:rPr lang="en-ID" sz="1500" b="0">
+                <a:solidFill>
+                  <a:srgbClr val="1F2328"/>
+                </a:solidFill>
+                <a:effectLst/>
+                <a:latin typeface="Consolas" panose="020B0609020204030204" pitchFamily="49" charset="0"/>
+              </a:rPr>
+              <a:t>)</a:t>
+            </a:r>
+          </a:p>
+          <a:p>
+            <a:r>
+              <a:rPr lang="en-ID" sz="1500" b="0">
+                <a:solidFill>
+                  <a:srgbClr val="1F2328"/>
+                </a:solidFill>
+                <a:effectLst/>
+                <a:latin typeface="Consolas" panose="020B0609020204030204" pitchFamily="49" charset="0"/>
+              </a:rPr>
+              <a:t>  jurusan </a:t>
+            </a:r>
+            <a:r>
+              <a:rPr lang="en-ID" sz="1500" b="0">
+                <a:solidFill>
+                  <a:srgbClr val="CF222E"/>
+                </a:solidFill>
+                <a:effectLst/>
+                <a:latin typeface="Consolas" panose="020B0609020204030204" pitchFamily="49" charset="0"/>
+              </a:rPr>
+              <a:t>=</a:t>
+            </a:r>
+            <a:r>
+              <a:rPr lang="en-ID" sz="1500" b="0">
+                <a:solidFill>
+                  <a:srgbClr val="1F2328"/>
+                </a:solidFill>
+                <a:effectLst/>
+                <a:latin typeface="Consolas" panose="020B0609020204030204" pitchFamily="49" charset="0"/>
+              </a:rPr>
+              <a:t> </a:t>
+            </a:r>
+            <a:r>
+              <a:rPr lang="en-ID" sz="1500" b="0">
+                <a:solidFill>
+                  <a:srgbClr val="8250DF"/>
+                </a:solidFill>
+                <a:effectLst/>
+                <a:latin typeface="Consolas" panose="020B0609020204030204" pitchFamily="49" charset="0"/>
+              </a:rPr>
+              <a:t>input</a:t>
+            </a:r>
+            <a:r>
+              <a:rPr lang="en-ID" sz="1500" b="0">
+                <a:solidFill>
+                  <a:srgbClr val="1F2328"/>
+                </a:solidFill>
+                <a:effectLst/>
+                <a:latin typeface="Consolas" panose="020B0609020204030204" pitchFamily="49" charset="0"/>
+              </a:rPr>
+              <a:t>(</a:t>
+            </a:r>
+            <a:r>
+              <a:rPr lang="en-ID" sz="1500" b="0">
+                <a:solidFill>
+                  <a:srgbClr val="0A3069"/>
+                </a:solidFill>
+                <a:effectLst/>
+                <a:latin typeface="Consolas" panose="020B0609020204030204" pitchFamily="49" charset="0"/>
+              </a:rPr>
+              <a:t>"Apa jurusan anda : "</a:t>
+            </a:r>
+            <a:r>
+              <a:rPr lang="en-ID" sz="1500" b="0">
+                <a:solidFill>
+                  <a:srgbClr val="1F2328"/>
+                </a:solidFill>
+                <a:effectLst/>
+                <a:latin typeface="Consolas" panose="020B0609020204030204" pitchFamily="49" charset="0"/>
+              </a:rPr>
+              <a:t>)</a:t>
+            </a:r>
+          </a:p>
+          <a:p>
+            <a:r>
+              <a:rPr lang="en-ID" sz="1500" b="0">
+                <a:solidFill>
+                  <a:srgbClr val="1F2328"/>
+                </a:solidFill>
+                <a:effectLst/>
+                <a:latin typeface="Consolas" panose="020B0609020204030204" pitchFamily="49" charset="0"/>
+              </a:rPr>
+              <a:t>  </a:t>
+            </a:r>
+            <a:r>
+              <a:rPr lang="en-ID" sz="1500" b="0">
+                <a:solidFill>
+                  <a:srgbClr val="8250DF"/>
+                </a:solidFill>
+                <a:effectLst/>
+                <a:latin typeface="Consolas" panose="020B0609020204030204" pitchFamily="49" charset="0"/>
+              </a:rPr>
+              <a:t>print</a:t>
+            </a:r>
+            <a:r>
+              <a:rPr lang="en-ID" sz="1500" b="0">
+                <a:solidFill>
+                  <a:srgbClr val="1F2328"/>
+                </a:solidFill>
+                <a:effectLst/>
+                <a:latin typeface="Consolas" panose="020B0609020204030204" pitchFamily="49" charset="0"/>
+              </a:rPr>
+              <a:t>(</a:t>
+            </a:r>
+            <a:r>
+              <a:rPr lang="en-ID" sz="1500" b="0">
+                <a:solidFill>
+                  <a:srgbClr val="0A3069"/>
+                </a:solidFill>
+                <a:effectLst/>
+                <a:latin typeface="Consolas" panose="020B0609020204030204" pitchFamily="49" charset="0"/>
+              </a:rPr>
+              <a:t>""</a:t>
+            </a:r>
+            <a:r>
+              <a:rPr lang="en-ID" sz="1500" b="0">
+                <a:solidFill>
+                  <a:srgbClr val="1F2328"/>
+                </a:solidFill>
+                <a:effectLst/>
+                <a:latin typeface="Consolas" panose="020B0609020204030204" pitchFamily="49" charset="0"/>
+              </a:rPr>
+              <a:t>)</a:t>
+            </a:r>
+          </a:p>
+          <a:p>
+            <a:br>
+              <a:rPr lang="en-ID" sz="1500" b="0">
+                <a:solidFill>
+                  <a:srgbClr val="1F2328"/>
+                </a:solidFill>
+                <a:effectLst/>
+                <a:latin typeface="Consolas" panose="020B0609020204030204" pitchFamily="49" charset="0"/>
+              </a:rPr>
+            </a:br>
+            <a:r>
+              <a:rPr lang="en-ID" sz="1500" b="0">
+                <a:solidFill>
+                  <a:srgbClr val="1F2328"/>
+                </a:solidFill>
+                <a:effectLst/>
+                <a:latin typeface="Consolas" panose="020B0609020204030204" pitchFamily="49" charset="0"/>
+              </a:rPr>
+              <a:t>  </a:t>
+            </a:r>
+            <a:r>
+              <a:rPr lang="en-ID" sz="1500" b="0">
+                <a:solidFill>
+                  <a:srgbClr val="6E7781"/>
+                </a:solidFill>
+                <a:effectLst/>
+                <a:latin typeface="Consolas" panose="020B0609020204030204" pitchFamily="49" charset="0"/>
+              </a:rPr>
+              <a:t># Output program</a:t>
+            </a:r>
+            <a:endParaRPr lang="en-ID" sz="1500" b="0">
+              <a:solidFill>
+                <a:srgbClr val="1F2328"/>
+              </a:solidFill>
+              <a:effectLst/>
+              <a:latin typeface="Consolas" panose="020B0609020204030204" pitchFamily="49" charset="0"/>
+            </a:endParaRPr>
+          </a:p>
+          <a:p>
+            <a:r>
+              <a:rPr lang="en-ID" sz="1500" b="0">
+                <a:solidFill>
+                  <a:srgbClr val="1F2328"/>
+                </a:solidFill>
+                <a:effectLst/>
+                <a:latin typeface="Consolas" panose="020B0609020204030204" pitchFamily="49" charset="0"/>
+              </a:rPr>
+              <a:t>  </a:t>
+            </a:r>
+            <a:r>
+              <a:rPr lang="en-ID" sz="1500" b="0">
+                <a:solidFill>
+                  <a:srgbClr val="8250DF"/>
+                </a:solidFill>
+                <a:effectLst/>
+                <a:latin typeface="Consolas" panose="020B0609020204030204" pitchFamily="49" charset="0"/>
+              </a:rPr>
+              <a:t>print</a:t>
+            </a:r>
+            <a:r>
+              <a:rPr lang="en-ID" sz="1500" b="0">
+                <a:solidFill>
+                  <a:srgbClr val="1F2328"/>
+                </a:solidFill>
+                <a:effectLst/>
+                <a:latin typeface="Consolas" panose="020B0609020204030204" pitchFamily="49" charset="0"/>
+              </a:rPr>
+              <a:t>(</a:t>
+            </a:r>
+            <a:r>
+              <a:rPr lang="en-ID" sz="1500" b="0">
+                <a:solidFill>
+                  <a:srgbClr val="0A3069"/>
+                </a:solidFill>
+                <a:effectLst/>
+                <a:latin typeface="Consolas" panose="020B0609020204030204" pitchFamily="49" charset="0"/>
+              </a:rPr>
+              <a:t>"Output program dari keyboard"</a:t>
+            </a:r>
+            <a:r>
+              <a:rPr lang="en-ID" sz="1500" b="0">
+                <a:solidFill>
+                  <a:srgbClr val="1F2328"/>
+                </a:solidFill>
+                <a:effectLst/>
+                <a:latin typeface="Consolas" panose="020B0609020204030204" pitchFamily="49" charset="0"/>
+              </a:rPr>
+              <a:t>)</a:t>
+            </a:r>
+          </a:p>
+          <a:p>
+            <a:r>
+              <a:rPr lang="en-ID" sz="1500" b="0">
+                <a:solidFill>
+                  <a:srgbClr val="1F2328"/>
+                </a:solidFill>
+                <a:effectLst/>
+                <a:latin typeface="Consolas" panose="020B0609020204030204" pitchFamily="49" charset="0"/>
+              </a:rPr>
+              <a:t>  </a:t>
+            </a:r>
+            <a:r>
+              <a:rPr lang="en-ID" sz="1500" b="0">
+                <a:solidFill>
+                  <a:srgbClr val="8250DF"/>
+                </a:solidFill>
+                <a:effectLst/>
+                <a:latin typeface="Consolas" panose="020B0609020204030204" pitchFamily="49" charset="0"/>
+              </a:rPr>
+              <a:t>print</a:t>
+            </a:r>
+            <a:r>
+              <a:rPr lang="en-ID" sz="1500" b="0">
+                <a:solidFill>
+                  <a:srgbClr val="1F2328"/>
+                </a:solidFill>
+                <a:effectLst/>
+                <a:latin typeface="Consolas" panose="020B0609020204030204" pitchFamily="49" charset="0"/>
+              </a:rPr>
+              <a:t>(</a:t>
+            </a:r>
+            <a:r>
+              <a:rPr lang="en-ID" sz="1500" b="0">
+                <a:solidFill>
+                  <a:srgbClr val="0A3069"/>
+                </a:solidFill>
+                <a:effectLst/>
+                <a:latin typeface="Consolas" panose="020B0609020204030204" pitchFamily="49" charset="0"/>
+              </a:rPr>
+              <a:t>"Nama Anda : "</a:t>
+            </a:r>
+            <a:r>
+              <a:rPr lang="en-ID" sz="1500" b="0">
+                <a:solidFill>
+                  <a:srgbClr val="1F2328"/>
+                </a:solidFill>
+                <a:effectLst/>
+                <a:latin typeface="Consolas" panose="020B0609020204030204" pitchFamily="49" charset="0"/>
+              </a:rPr>
+              <a:t>, nama)</a:t>
+            </a:r>
+          </a:p>
+          <a:p>
+            <a:r>
+              <a:rPr lang="en-ID" sz="1500" b="0">
+                <a:solidFill>
+                  <a:srgbClr val="1F2328"/>
+                </a:solidFill>
+                <a:effectLst/>
+                <a:latin typeface="Consolas" panose="020B0609020204030204" pitchFamily="49" charset="0"/>
+              </a:rPr>
+              <a:t>  </a:t>
+            </a:r>
+            <a:r>
+              <a:rPr lang="en-ID" sz="1500" b="0">
+                <a:solidFill>
+                  <a:srgbClr val="8250DF"/>
+                </a:solidFill>
+                <a:effectLst/>
+                <a:latin typeface="Consolas" panose="020B0609020204030204" pitchFamily="49" charset="0"/>
+              </a:rPr>
+              <a:t>print</a:t>
+            </a:r>
+            <a:r>
+              <a:rPr lang="en-ID" sz="1500" b="0">
+                <a:solidFill>
+                  <a:srgbClr val="1F2328"/>
+                </a:solidFill>
+                <a:effectLst/>
+                <a:latin typeface="Consolas" panose="020B0609020204030204" pitchFamily="49" charset="0"/>
+              </a:rPr>
+              <a:t>(</a:t>
+            </a:r>
+            <a:r>
+              <a:rPr lang="en-ID" sz="1500" b="0">
+                <a:solidFill>
+                  <a:srgbClr val="0A3069"/>
+                </a:solidFill>
+                <a:effectLst/>
+                <a:latin typeface="Consolas" panose="020B0609020204030204" pitchFamily="49" charset="0"/>
+              </a:rPr>
+              <a:t>"Jurusan Anda : "</a:t>
+            </a:r>
+            <a:r>
+              <a:rPr lang="en-ID" sz="1500" b="0">
+                <a:solidFill>
+                  <a:srgbClr val="1F2328"/>
+                </a:solidFill>
+                <a:effectLst/>
+                <a:latin typeface="Consolas" panose="020B0609020204030204" pitchFamily="49" charset="0"/>
+              </a:rPr>
+              <a:t>, jurusan)</a:t>
             </a:r>
           </a:p>
         </p:txBody>
@@ -6163,7 +10021,7 @@
     </p:spTree>
     <p:extLst>
       <p:ext uri="{BB962C8B-B14F-4D97-AF65-F5344CB8AC3E}">
-        <p14:creationId xmlns:p14="http://schemas.microsoft.com/office/powerpoint/2010/main" val="953604966"/>
+        <p14:creationId xmlns:p14="http://schemas.microsoft.com/office/powerpoint/2010/main" val="3722044741"/>
       </p:ext>
     </p:extLst>
   </p:cSld>
@@ -6216,11 +10074,578 @@
           <a:bodyPr/>
           <a:lstStyle/>
           <a:p>
+            <a:pPr algn="ctr"/>
             <a:r>
               <a:rPr lang="en-US"/>
-              <a:t>Python – Input Output</a:t>
+              <a:t>Python – Sequence</a:t>
             </a:r>
             <a:endParaRPr lang="en-ID"/>
+          </a:p>
+        </p:txBody>
+      </p:sp>
+      <p:sp>
+        <p:nvSpPr>
+          <p:cNvPr id="7" name="TextBox 6">
+            <a:extLst>
+              <a:ext uri="{FF2B5EF4-FFF2-40B4-BE49-F238E27FC236}">
+                <a16:creationId xmlns:a16="http://schemas.microsoft.com/office/drawing/2014/main" id="{4AF941D2-3823-825E-4A88-F124299D61F6}"/>
+              </a:ext>
+            </a:extLst>
+          </p:cNvPr>
+          <p:cNvSpPr txBox="1"/>
+          <p:nvPr/>
+        </p:nvSpPr>
+        <p:spPr>
+          <a:xfrm>
+            <a:off x="2043917" y="1690688"/>
+            <a:ext cx="8123830" cy="3093154"/>
+          </a:xfrm>
+          <a:prstGeom prst="rect">
+            <a:avLst/>
+          </a:prstGeom>
+          <a:solidFill>
+            <a:schemeClr val="accent4">
+              <a:lumMod val="20000"/>
+              <a:lumOff val="80000"/>
+            </a:schemeClr>
+          </a:solidFill>
+        </p:spPr>
+        <p:style>
+          <a:lnRef idx="2">
+            <a:schemeClr val="dk1"/>
+          </a:lnRef>
+          <a:fillRef idx="1">
+            <a:schemeClr val="lt1"/>
+          </a:fillRef>
+          <a:effectRef idx="0">
+            <a:schemeClr val="dk1"/>
+          </a:effectRef>
+          <a:fontRef idx="minor">
+            <a:schemeClr val="dk1"/>
+          </a:fontRef>
+        </p:style>
+        <p:txBody>
+          <a:bodyPr wrap="square">
+            <a:spAutoFit/>
+          </a:bodyPr>
+          <a:lstStyle/>
+          <a:p>
+            <a:r>
+              <a:rPr lang="en-ID" sz="1500" b="0">
+                <a:solidFill>
+                  <a:srgbClr val="6E7781"/>
+                </a:solidFill>
+                <a:effectLst/>
+                <a:latin typeface="Consolas" panose="020B0609020204030204" pitchFamily="49" charset="0"/>
+              </a:rPr>
+              <a:t># PROGRAM Zakat.py</a:t>
+            </a:r>
+            <a:endParaRPr lang="en-ID" sz="1500" b="0">
+              <a:solidFill>
+                <a:srgbClr val="1F2328"/>
+              </a:solidFill>
+              <a:effectLst/>
+              <a:latin typeface="Consolas" panose="020B0609020204030204" pitchFamily="49" charset="0"/>
+            </a:endParaRPr>
+          </a:p>
+          <a:p>
+            <a:r>
+              <a:rPr lang="en-ID" sz="1500" b="0">
+                <a:solidFill>
+                  <a:srgbClr val="1F2328"/>
+                </a:solidFill>
+                <a:effectLst/>
+                <a:latin typeface="Consolas" panose="020B0609020204030204" pitchFamily="49" charset="0"/>
+              </a:rPr>
+              <a:t> </a:t>
+            </a:r>
+          </a:p>
+          <a:p>
+            <a:r>
+              <a:rPr lang="en-ID" sz="1500" b="0">
+                <a:solidFill>
+                  <a:srgbClr val="6E7781"/>
+                </a:solidFill>
+                <a:effectLst/>
+                <a:latin typeface="Consolas" panose="020B0609020204030204" pitchFamily="49" charset="0"/>
+              </a:rPr>
+              <a:t># main method</a:t>
+            </a:r>
+            <a:endParaRPr lang="en-ID" sz="1500" b="0">
+              <a:solidFill>
+                <a:srgbClr val="1F2328"/>
+              </a:solidFill>
+              <a:effectLst/>
+              <a:latin typeface="Consolas" panose="020B0609020204030204" pitchFamily="49" charset="0"/>
+            </a:endParaRPr>
+          </a:p>
+          <a:p>
+            <a:r>
+              <a:rPr lang="en-ID" sz="1500" b="0">
+                <a:solidFill>
+                  <a:srgbClr val="CF222E"/>
+                </a:solidFill>
+                <a:effectLst/>
+                <a:latin typeface="Consolas" panose="020B0609020204030204" pitchFamily="49" charset="0"/>
+              </a:rPr>
+              <a:t>if</a:t>
+            </a:r>
+            <a:r>
+              <a:rPr lang="en-ID" sz="1500" b="0">
+                <a:solidFill>
+                  <a:srgbClr val="1F2328"/>
+                </a:solidFill>
+                <a:effectLst/>
+                <a:latin typeface="Consolas" panose="020B0609020204030204" pitchFamily="49" charset="0"/>
+              </a:rPr>
+              <a:t> __name__ </a:t>
+            </a:r>
+            <a:r>
+              <a:rPr lang="en-ID" sz="1500" b="0">
+                <a:solidFill>
+                  <a:srgbClr val="CF222E"/>
+                </a:solidFill>
+                <a:effectLst/>
+                <a:latin typeface="Consolas" panose="020B0609020204030204" pitchFamily="49" charset="0"/>
+              </a:rPr>
+              <a:t>==</a:t>
+            </a:r>
+            <a:r>
+              <a:rPr lang="en-ID" sz="1500" b="0">
+                <a:solidFill>
+                  <a:srgbClr val="1F2328"/>
+                </a:solidFill>
+                <a:effectLst/>
+                <a:latin typeface="Consolas" panose="020B0609020204030204" pitchFamily="49" charset="0"/>
+              </a:rPr>
+              <a:t> </a:t>
+            </a:r>
+            <a:r>
+              <a:rPr lang="en-ID" sz="1500" b="0">
+                <a:solidFill>
+                  <a:srgbClr val="0A3069"/>
+                </a:solidFill>
+                <a:effectLst/>
+                <a:latin typeface="Consolas" panose="020B0609020204030204" pitchFamily="49" charset="0"/>
+              </a:rPr>
+              <a:t>"__main__"</a:t>
+            </a:r>
+            <a:r>
+              <a:rPr lang="en-ID" sz="1500" b="0">
+                <a:solidFill>
+                  <a:srgbClr val="1F2328"/>
+                </a:solidFill>
+                <a:effectLst/>
+                <a:latin typeface="Consolas" panose="020B0609020204030204" pitchFamily="49" charset="0"/>
+              </a:rPr>
+              <a:t>:</a:t>
+            </a:r>
+          </a:p>
+          <a:p>
+            <a:r>
+              <a:rPr lang="en-ID" sz="1500" b="0">
+                <a:solidFill>
+                  <a:srgbClr val="1F2328"/>
+                </a:solidFill>
+                <a:effectLst/>
+                <a:latin typeface="Consolas" panose="020B0609020204030204" pitchFamily="49" charset="0"/>
+              </a:rPr>
+              <a:t> </a:t>
+            </a:r>
+          </a:p>
+          <a:p>
+            <a:r>
+              <a:rPr lang="en-ID" sz="1500" b="0">
+                <a:solidFill>
+                  <a:srgbClr val="1F2328"/>
+                </a:solidFill>
+                <a:effectLst/>
+                <a:latin typeface="Consolas" panose="020B0609020204030204" pitchFamily="49" charset="0"/>
+              </a:rPr>
+              <a:t>  </a:t>
+            </a:r>
+            <a:r>
+              <a:rPr lang="en-ID" sz="1500" b="0">
+                <a:solidFill>
+                  <a:srgbClr val="6E7781"/>
+                </a:solidFill>
+                <a:effectLst/>
+                <a:latin typeface="Consolas" panose="020B0609020204030204" pitchFamily="49" charset="0"/>
+              </a:rPr>
+              <a:t># - input program</a:t>
+            </a:r>
+            <a:endParaRPr lang="en-ID" sz="1500" b="0">
+              <a:solidFill>
+                <a:srgbClr val="1F2328"/>
+              </a:solidFill>
+              <a:effectLst/>
+              <a:latin typeface="Consolas" panose="020B0609020204030204" pitchFamily="49" charset="0"/>
+            </a:endParaRPr>
+          </a:p>
+          <a:p>
+            <a:r>
+              <a:rPr lang="en-ID" sz="1500" b="0">
+                <a:solidFill>
+                  <a:srgbClr val="1F2328"/>
+                </a:solidFill>
+                <a:effectLst/>
+                <a:latin typeface="Consolas" panose="020B0609020204030204" pitchFamily="49" charset="0"/>
+              </a:rPr>
+              <a:t>  penghasilan </a:t>
+            </a:r>
+            <a:r>
+              <a:rPr lang="en-ID" sz="1500" b="0">
+                <a:solidFill>
+                  <a:srgbClr val="CF222E"/>
+                </a:solidFill>
+                <a:effectLst/>
+                <a:latin typeface="Consolas" panose="020B0609020204030204" pitchFamily="49" charset="0"/>
+              </a:rPr>
+              <a:t>=</a:t>
+            </a:r>
+            <a:r>
+              <a:rPr lang="en-ID" sz="1500" b="0">
+                <a:solidFill>
+                  <a:srgbClr val="1F2328"/>
+                </a:solidFill>
+                <a:effectLst/>
+                <a:latin typeface="Consolas" panose="020B0609020204030204" pitchFamily="49" charset="0"/>
+              </a:rPr>
+              <a:t> </a:t>
+            </a:r>
+            <a:r>
+              <a:rPr lang="en-ID" sz="1500" b="0">
+                <a:solidFill>
+                  <a:srgbClr val="8250DF"/>
+                </a:solidFill>
+                <a:effectLst/>
+                <a:latin typeface="Consolas" panose="020B0609020204030204" pitchFamily="49" charset="0"/>
+              </a:rPr>
+              <a:t>input</a:t>
+            </a:r>
+            <a:r>
+              <a:rPr lang="en-ID" sz="1500" b="0">
+                <a:solidFill>
+                  <a:srgbClr val="1F2328"/>
+                </a:solidFill>
+                <a:effectLst/>
+                <a:latin typeface="Consolas" panose="020B0609020204030204" pitchFamily="49" charset="0"/>
+              </a:rPr>
+              <a:t>(</a:t>
+            </a:r>
+            <a:r>
+              <a:rPr lang="en-ID" sz="1500" b="0">
+                <a:solidFill>
+                  <a:srgbClr val="0A3069"/>
+                </a:solidFill>
+                <a:effectLst/>
+                <a:latin typeface="Consolas" panose="020B0609020204030204" pitchFamily="49" charset="0"/>
+              </a:rPr>
+              <a:t>"Masukan penghasilan anda : Rp. "</a:t>
+            </a:r>
+            <a:r>
+              <a:rPr lang="en-ID" sz="1500" b="0">
+                <a:solidFill>
+                  <a:srgbClr val="1F2328"/>
+                </a:solidFill>
+                <a:effectLst/>
+                <a:latin typeface="Consolas" panose="020B0609020204030204" pitchFamily="49" charset="0"/>
+              </a:rPr>
+              <a:t>)</a:t>
+            </a:r>
+          </a:p>
+          <a:p>
+            <a:r>
+              <a:rPr lang="en-ID" sz="1500" b="0">
+                <a:solidFill>
+                  <a:srgbClr val="1F2328"/>
+                </a:solidFill>
+                <a:effectLst/>
+                <a:latin typeface="Consolas" panose="020B0609020204030204" pitchFamily="49" charset="0"/>
+              </a:rPr>
+              <a:t> </a:t>
+            </a:r>
+          </a:p>
+          <a:p>
+            <a:r>
+              <a:rPr lang="en-ID" sz="1500" b="0">
+                <a:solidFill>
+                  <a:srgbClr val="1F2328"/>
+                </a:solidFill>
+                <a:effectLst/>
+                <a:latin typeface="Consolas" panose="020B0609020204030204" pitchFamily="49" charset="0"/>
+              </a:rPr>
+              <a:t>  </a:t>
+            </a:r>
+            <a:r>
+              <a:rPr lang="en-ID" sz="1500" b="0">
+                <a:solidFill>
+                  <a:srgbClr val="6E7781"/>
+                </a:solidFill>
+                <a:effectLst/>
+                <a:latin typeface="Consolas" panose="020B0609020204030204" pitchFamily="49" charset="0"/>
+              </a:rPr>
+              <a:t># - proses program</a:t>
+            </a:r>
+            <a:endParaRPr lang="en-ID" sz="1500" b="0">
+              <a:solidFill>
+                <a:srgbClr val="1F2328"/>
+              </a:solidFill>
+              <a:effectLst/>
+              <a:latin typeface="Consolas" panose="020B0609020204030204" pitchFamily="49" charset="0"/>
+            </a:endParaRPr>
+          </a:p>
+          <a:p>
+            <a:r>
+              <a:rPr lang="en-ID" sz="1500" b="0">
+                <a:solidFill>
+                  <a:srgbClr val="1F2328"/>
+                </a:solidFill>
+                <a:effectLst/>
+                <a:latin typeface="Consolas" panose="020B0609020204030204" pitchFamily="49" charset="0"/>
+              </a:rPr>
+              <a:t>  zakat </a:t>
+            </a:r>
+            <a:r>
+              <a:rPr lang="en-ID" sz="1500" b="0">
+                <a:solidFill>
+                  <a:srgbClr val="CF222E"/>
+                </a:solidFill>
+                <a:effectLst/>
+                <a:latin typeface="Consolas" panose="020B0609020204030204" pitchFamily="49" charset="0"/>
+              </a:rPr>
+              <a:t>=</a:t>
+            </a:r>
+            <a:r>
+              <a:rPr lang="en-ID" sz="1500" b="0">
+                <a:solidFill>
+                  <a:srgbClr val="1F2328"/>
+                </a:solidFill>
+                <a:effectLst/>
+                <a:latin typeface="Consolas" panose="020B0609020204030204" pitchFamily="49" charset="0"/>
+              </a:rPr>
+              <a:t> </a:t>
+            </a:r>
+            <a:r>
+              <a:rPr lang="en-ID" sz="1500" b="0">
+                <a:solidFill>
+                  <a:srgbClr val="953800"/>
+                </a:solidFill>
+                <a:effectLst/>
+                <a:latin typeface="Consolas" panose="020B0609020204030204" pitchFamily="49" charset="0"/>
+              </a:rPr>
+              <a:t>float</a:t>
+            </a:r>
+            <a:r>
+              <a:rPr lang="en-ID" sz="1500" b="0">
+                <a:solidFill>
+                  <a:srgbClr val="1F2328"/>
+                </a:solidFill>
+                <a:effectLst/>
+                <a:latin typeface="Consolas" panose="020B0609020204030204" pitchFamily="49" charset="0"/>
+              </a:rPr>
+              <a:t>(penghasilan) </a:t>
+            </a:r>
+            <a:r>
+              <a:rPr lang="en-ID" sz="1500" b="0">
+                <a:solidFill>
+                  <a:srgbClr val="CF222E"/>
+                </a:solidFill>
+                <a:effectLst/>
+                <a:latin typeface="Consolas" panose="020B0609020204030204" pitchFamily="49" charset="0"/>
+              </a:rPr>
+              <a:t>*</a:t>
+            </a:r>
+            <a:r>
+              <a:rPr lang="en-ID" sz="1500" b="0">
+                <a:solidFill>
+                  <a:srgbClr val="1F2328"/>
+                </a:solidFill>
+                <a:effectLst/>
+                <a:latin typeface="Consolas" panose="020B0609020204030204" pitchFamily="49" charset="0"/>
+              </a:rPr>
+              <a:t> </a:t>
+            </a:r>
+            <a:r>
+              <a:rPr lang="en-ID" sz="1500" b="0">
+                <a:solidFill>
+                  <a:srgbClr val="0550AE"/>
+                </a:solidFill>
+                <a:effectLst/>
+                <a:latin typeface="Consolas" panose="020B0609020204030204" pitchFamily="49" charset="0"/>
+              </a:rPr>
+              <a:t>0.025</a:t>
+            </a:r>
+            <a:endParaRPr lang="en-ID" sz="1500" b="0">
+              <a:solidFill>
+                <a:srgbClr val="1F2328"/>
+              </a:solidFill>
+              <a:effectLst/>
+              <a:latin typeface="Consolas" panose="020B0609020204030204" pitchFamily="49" charset="0"/>
+            </a:endParaRPr>
+          </a:p>
+          <a:p>
+            <a:r>
+              <a:rPr lang="en-ID" sz="1500" b="0">
+                <a:solidFill>
+                  <a:srgbClr val="1F2328"/>
+                </a:solidFill>
+                <a:effectLst/>
+                <a:latin typeface="Consolas" panose="020B0609020204030204" pitchFamily="49" charset="0"/>
+              </a:rPr>
+              <a:t> </a:t>
+            </a:r>
+          </a:p>
+          <a:p>
+            <a:r>
+              <a:rPr lang="en-ID" sz="1500" b="0">
+                <a:solidFill>
+                  <a:srgbClr val="1F2328"/>
+                </a:solidFill>
+                <a:effectLst/>
+                <a:latin typeface="Consolas" panose="020B0609020204030204" pitchFamily="49" charset="0"/>
+              </a:rPr>
+              <a:t>  </a:t>
+            </a:r>
+            <a:r>
+              <a:rPr lang="en-ID" sz="1500" b="0">
+                <a:solidFill>
+                  <a:srgbClr val="6E7781"/>
+                </a:solidFill>
+                <a:effectLst/>
+                <a:latin typeface="Consolas" panose="020B0609020204030204" pitchFamily="49" charset="0"/>
+              </a:rPr>
+              <a:t># - proses program</a:t>
+            </a:r>
+            <a:endParaRPr lang="en-ID" sz="1500" b="0">
+              <a:solidFill>
+                <a:srgbClr val="1F2328"/>
+              </a:solidFill>
+              <a:effectLst/>
+              <a:latin typeface="Consolas" panose="020B0609020204030204" pitchFamily="49" charset="0"/>
+            </a:endParaRPr>
+          </a:p>
+          <a:p>
+            <a:r>
+              <a:rPr lang="en-ID" sz="1500" b="0">
+                <a:solidFill>
+                  <a:srgbClr val="1F2328"/>
+                </a:solidFill>
+                <a:effectLst/>
+                <a:latin typeface="Consolas" panose="020B0609020204030204" pitchFamily="49" charset="0"/>
+              </a:rPr>
+              <a:t>  </a:t>
+            </a:r>
+            <a:r>
+              <a:rPr lang="en-ID" sz="1500" b="0">
+                <a:solidFill>
+                  <a:srgbClr val="8250DF"/>
+                </a:solidFill>
+                <a:effectLst/>
+                <a:latin typeface="Consolas" panose="020B0609020204030204" pitchFamily="49" charset="0"/>
+              </a:rPr>
+              <a:t>print</a:t>
+            </a:r>
+            <a:r>
+              <a:rPr lang="en-ID" sz="1500" b="0">
+                <a:solidFill>
+                  <a:srgbClr val="1F2328"/>
+                </a:solidFill>
+                <a:effectLst/>
+                <a:latin typeface="Consolas" panose="020B0609020204030204" pitchFamily="49" charset="0"/>
+              </a:rPr>
+              <a:t>(</a:t>
+            </a:r>
+            <a:r>
+              <a:rPr lang="en-ID" sz="1500" b="0">
+                <a:solidFill>
+                  <a:srgbClr val="CF222E"/>
+                </a:solidFill>
+                <a:effectLst/>
+                <a:latin typeface="Consolas" panose="020B0609020204030204" pitchFamily="49" charset="0"/>
+              </a:rPr>
+              <a:t>f</a:t>
+            </a:r>
+            <a:r>
+              <a:rPr lang="en-ID" sz="1500" b="0">
+                <a:solidFill>
+                  <a:srgbClr val="0A3069"/>
+                </a:solidFill>
+                <a:effectLst/>
+                <a:latin typeface="Consolas" panose="020B0609020204030204" pitchFamily="49" charset="0"/>
+              </a:rPr>
+              <a:t>"Jumlah zakat sebesar Rp. "</a:t>
+            </a:r>
+            <a:r>
+              <a:rPr lang="en-ID" sz="1500" b="0">
+                <a:solidFill>
+                  <a:srgbClr val="CF222E"/>
+                </a:solidFill>
+                <a:effectLst/>
+                <a:latin typeface="Consolas" panose="020B0609020204030204" pitchFamily="49" charset="0"/>
+              </a:rPr>
+              <a:t>+</a:t>
+            </a:r>
+            <a:r>
+              <a:rPr lang="en-ID" sz="1500" b="0">
+                <a:solidFill>
+                  <a:srgbClr val="0A3069"/>
+                </a:solidFill>
+                <a:effectLst/>
+                <a:latin typeface="Consolas" panose="020B0609020204030204" pitchFamily="49" charset="0"/>
+              </a:rPr>
+              <a:t>"</a:t>
+            </a:r>
+            <a:r>
+              <a:rPr lang="en-ID" sz="1500" b="0">
+                <a:solidFill>
+                  <a:srgbClr val="CF222E"/>
+                </a:solidFill>
+                <a:effectLst/>
+                <a:latin typeface="Consolas" panose="020B0609020204030204" pitchFamily="49" charset="0"/>
+              </a:rPr>
+              <a:t>{:0,.2f}</a:t>
+            </a:r>
+            <a:r>
+              <a:rPr lang="en-ID" sz="1500" b="0">
+                <a:solidFill>
+                  <a:srgbClr val="0A3069"/>
+                </a:solidFill>
+                <a:effectLst/>
+                <a:latin typeface="Consolas" panose="020B0609020204030204" pitchFamily="49" charset="0"/>
+              </a:rPr>
+              <a:t>"</a:t>
+            </a:r>
+            <a:r>
+              <a:rPr lang="en-ID" sz="1500" b="0">
+                <a:solidFill>
+                  <a:srgbClr val="1F2328"/>
+                </a:solidFill>
+                <a:effectLst/>
+                <a:latin typeface="Consolas" panose="020B0609020204030204" pitchFamily="49" charset="0"/>
+              </a:rPr>
+              <a:t>.</a:t>
+            </a:r>
+            <a:r>
+              <a:rPr lang="en-ID" sz="1500" b="0">
+                <a:solidFill>
+                  <a:srgbClr val="8250DF"/>
+                </a:solidFill>
+                <a:effectLst/>
+                <a:latin typeface="Consolas" panose="020B0609020204030204" pitchFamily="49" charset="0"/>
+              </a:rPr>
+              <a:t>format</a:t>
+            </a:r>
+            <a:r>
+              <a:rPr lang="en-ID" sz="1500" b="0">
+                <a:solidFill>
+                  <a:srgbClr val="1F2328"/>
+                </a:solidFill>
+                <a:effectLst/>
+                <a:latin typeface="Consolas" panose="020B0609020204030204" pitchFamily="49" charset="0"/>
+              </a:rPr>
+              <a:t>(zakat))</a:t>
+            </a:r>
           </a:p>
         </p:txBody>
       </p:sp>
@@ -6229,7 +10654,7 @@
           <p:cNvPr id="4" name="Rectangle 3">
             <a:extLst>
               <a:ext uri="{FF2B5EF4-FFF2-40B4-BE49-F238E27FC236}">
-                <a16:creationId xmlns:a16="http://schemas.microsoft.com/office/drawing/2014/main" id="{FBABB7BE-CDDF-5F8C-0140-A6991F61E6EF}"/>
+                <a16:creationId xmlns:a16="http://schemas.microsoft.com/office/drawing/2014/main" id="{347738D3-DFF7-43A2-7455-D930B6966BE2}"/>
               </a:ext>
             </a:extLst>
           </p:cNvPr>
@@ -6270,650 +10695,10 @@
           </a:p>
         </p:txBody>
       </p:sp>
-      <p:sp>
-        <p:nvSpPr>
-          <p:cNvPr id="11" name="TextBox 10">
-            <a:extLst>
-              <a:ext uri="{FF2B5EF4-FFF2-40B4-BE49-F238E27FC236}">
-                <a16:creationId xmlns:a16="http://schemas.microsoft.com/office/drawing/2014/main" id="{06086D7B-F954-39E7-37DB-1F080935692D}"/>
-              </a:ext>
-            </a:extLst>
-          </p:cNvPr>
-          <p:cNvSpPr txBox="1"/>
-          <p:nvPr/>
-        </p:nvSpPr>
-        <p:spPr>
-          <a:xfrm>
-            <a:off x="221226" y="1690688"/>
-            <a:ext cx="6114196" cy="4247317"/>
-          </a:xfrm>
-          <a:prstGeom prst="rect">
-            <a:avLst/>
-          </a:prstGeom>
-          <a:solidFill>
-            <a:schemeClr val="accent4">
-              <a:lumMod val="20000"/>
-              <a:lumOff val="80000"/>
-            </a:schemeClr>
-          </a:solidFill>
-        </p:spPr>
-        <p:style>
-          <a:lnRef idx="2">
-            <a:schemeClr val="dk1"/>
-          </a:lnRef>
-          <a:fillRef idx="1">
-            <a:schemeClr val="lt1"/>
-          </a:fillRef>
-          <a:effectRef idx="0">
-            <a:schemeClr val="dk1"/>
-          </a:effectRef>
-          <a:fontRef idx="minor">
-            <a:schemeClr val="dk1"/>
-          </a:fontRef>
-        </p:style>
-        <p:txBody>
-          <a:bodyPr wrap="square">
-            <a:spAutoFit/>
-          </a:bodyPr>
-          <a:lstStyle/>
-          <a:p>
-            <a:r>
-              <a:rPr lang="en-ID" b="0">
-                <a:solidFill>
-                  <a:srgbClr val="6E7781"/>
-                </a:solidFill>
-                <a:effectLst/>
-                <a:latin typeface="Consolas" panose="020B0609020204030204" pitchFamily="49" charset="0"/>
-              </a:rPr>
-              <a:t># PROGRAM InputOutput.py</a:t>
-            </a:r>
-            <a:endParaRPr lang="en-ID" b="0">
-              <a:solidFill>
-                <a:srgbClr val="1F2328"/>
-              </a:solidFill>
-              <a:effectLst/>
-              <a:latin typeface="Consolas" panose="020B0609020204030204" pitchFamily="49" charset="0"/>
-            </a:endParaRPr>
-          </a:p>
-          <a:p>
-            <a:br>
-              <a:rPr lang="en-ID" b="0">
-                <a:solidFill>
-                  <a:srgbClr val="1F2328"/>
-                </a:solidFill>
-                <a:effectLst/>
-                <a:latin typeface="Consolas" panose="020B0609020204030204" pitchFamily="49" charset="0"/>
-              </a:rPr>
-            </a:br>
-            <a:r>
-              <a:rPr lang="en-ID" b="0">
-                <a:solidFill>
-                  <a:srgbClr val="6E7781"/>
-                </a:solidFill>
-                <a:effectLst/>
-                <a:latin typeface="Consolas" panose="020B0609020204030204" pitchFamily="49" charset="0"/>
-              </a:rPr>
-              <a:t># ALGORITMA</a:t>
-            </a:r>
-            <a:endParaRPr lang="en-ID" b="0">
-              <a:solidFill>
-                <a:srgbClr val="1F2328"/>
-              </a:solidFill>
-              <a:effectLst/>
-              <a:latin typeface="Consolas" panose="020B0609020204030204" pitchFamily="49" charset="0"/>
-            </a:endParaRPr>
-          </a:p>
-          <a:p>
-            <a:r>
-              <a:rPr lang="en-ID" b="0">
-                <a:solidFill>
-                  <a:srgbClr val="CF222E"/>
-                </a:solidFill>
-                <a:effectLst/>
-                <a:latin typeface="Consolas" panose="020B0609020204030204" pitchFamily="49" charset="0"/>
-              </a:rPr>
-              <a:t>if</a:t>
-            </a:r>
-            <a:r>
-              <a:rPr lang="en-ID" b="0">
-                <a:solidFill>
-                  <a:srgbClr val="1F2328"/>
-                </a:solidFill>
-                <a:effectLst/>
-                <a:latin typeface="Consolas" panose="020B0609020204030204" pitchFamily="49" charset="0"/>
-              </a:rPr>
-              <a:t> __name__ </a:t>
-            </a:r>
-            <a:r>
-              <a:rPr lang="en-ID" b="0">
-                <a:solidFill>
-                  <a:srgbClr val="CF222E"/>
-                </a:solidFill>
-                <a:effectLst/>
-                <a:latin typeface="Consolas" panose="020B0609020204030204" pitchFamily="49" charset="0"/>
-              </a:rPr>
-              <a:t>==</a:t>
-            </a:r>
-            <a:r>
-              <a:rPr lang="en-ID" b="0">
-                <a:solidFill>
-                  <a:srgbClr val="1F2328"/>
-                </a:solidFill>
-                <a:effectLst/>
-                <a:latin typeface="Consolas" panose="020B0609020204030204" pitchFamily="49" charset="0"/>
-              </a:rPr>
-              <a:t> </a:t>
-            </a:r>
-            <a:r>
-              <a:rPr lang="en-ID" b="0">
-                <a:solidFill>
-                  <a:srgbClr val="0A3069"/>
-                </a:solidFill>
-                <a:effectLst/>
-                <a:latin typeface="Consolas" panose="020B0609020204030204" pitchFamily="49" charset="0"/>
-              </a:rPr>
-              <a:t>"__main__"</a:t>
-            </a:r>
-            <a:r>
-              <a:rPr lang="en-ID" b="0">
-                <a:solidFill>
-                  <a:srgbClr val="1F2328"/>
-                </a:solidFill>
-                <a:effectLst/>
-                <a:latin typeface="Consolas" panose="020B0609020204030204" pitchFamily="49" charset="0"/>
-              </a:rPr>
-              <a:t>:</a:t>
-            </a:r>
-          </a:p>
-          <a:p>
-            <a:r>
-              <a:rPr lang="en-ID" b="0">
-                <a:solidFill>
-                  <a:srgbClr val="1F2328"/>
-                </a:solidFill>
-                <a:effectLst/>
-                <a:latin typeface="Consolas" panose="020B0609020204030204" pitchFamily="49" charset="0"/>
-              </a:rPr>
-              <a:t>  </a:t>
-            </a:r>
-          </a:p>
-          <a:p>
-            <a:r>
-              <a:rPr lang="en-ID" b="0">
-                <a:solidFill>
-                  <a:srgbClr val="1F2328"/>
-                </a:solidFill>
-                <a:effectLst/>
-                <a:latin typeface="Consolas" panose="020B0609020204030204" pitchFamily="49" charset="0"/>
-              </a:rPr>
-              <a:t>  </a:t>
-            </a:r>
-            <a:r>
-              <a:rPr lang="en-ID" b="0">
-                <a:solidFill>
-                  <a:srgbClr val="6E7781"/>
-                </a:solidFill>
-                <a:effectLst/>
-                <a:latin typeface="Consolas" panose="020B0609020204030204" pitchFamily="49" charset="0"/>
-              </a:rPr>
-              <a:t># Input program</a:t>
-            </a:r>
-            <a:endParaRPr lang="en-ID" b="0">
-              <a:solidFill>
-                <a:srgbClr val="1F2328"/>
-              </a:solidFill>
-              <a:effectLst/>
-              <a:latin typeface="Consolas" panose="020B0609020204030204" pitchFamily="49" charset="0"/>
-            </a:endParaRPr>
-          </a:p>
-          <a:p>
-            <a:r>
-              <a:rPr lang="en-ID" b="0">
-                <a:solidFill>
-                  <a:srgbClr val="1F2328"/>
-                </a:solidFill>
-                <a:effectLst/>
-                <a:latin typeface="Consolas" panose="020B0609020204030204" pitchFamily="49" charset="0"/>
-              </a:rPr>
-              <a:t>  </a:t>
-            </a:r>
-            <a:r>
-              <a:rPr lang="en-ID" b="0">
-                <a:solidFill>
-                  <a:srgbClr val="8250DF"/>
-                </a:solidFill>
-                <a:effectLst/>
-                <a:latin typeface="Consolas" panose="020B0609020204030204" pitchFamily="49" charset="0"/>
-              </a:rPr>
-              <a:t>print</a:t>
-            </a:r>
-            <a:r>
-              <a:rPr lang="en-ID" b="0">
-                <a:solidFill>
-                  <a:srgbClr val="1F2328"/>
-                </a:solidFill>
-                <a:effectLst/>
-                <a:latin typeface="Consolas" panose="020B0609020204030204" pitchFamily="49" charset="0"/>
-              </a:rPr>
-              <a:t>(</a:t>
-            </a:r>
-            <a:r>
-              <a:rPr lang="en-ID" b="0">
-                <a:solidFill>
-                  <a:srgbClr val="0A3069"/>
-                </a:solidFill>
-                <a:effectLst/>
-                <a:latin typeface="Consolas" panose="020B0609020204030204" pitchFamily="49" charset="0"/>
-              </a:rPr>
-              <a:t>"Input program dari keyboard"</a:t>
-            </a:r>
-            <a:r>
-              <a:rPr lang="en-ID" b="0">
-                <a:solidFill>
-                  <a:srgbClr val="1F2328"/>
-                </a:solidFill>
-                <a:effectLst/>
-                <a:latin typeface="Consolas" panose="020B0609020204030204" pitchFamily="49" charset="0"/>
-              </a:rPr>
-              <a:t>)</a:t>
-            </a:r>
-          </a:p>
-          <a:p>
-            <a:r>
-              <a:rPr lang="en-ID" b="0">
-                <a:solidFill>
-                  <a:srgbClr val="1F2328"/>
-                </a:solidFill>
-                <a:effectLst/>
-                <a:latin typeface="Consolas" panose="020B0609020204030204" pitchFamily="49" charset="0"/>
-              </a:rPr>
-              <a:t>  nama </a:t>
-            </a:r>
-            <a:r>
-              <a:rPr lang="en-ID" b="0">
-                <a:solidFill>
-                  <a:srgbClr val="CF222E"/>
-                </a:solidFill>
-                <a:effectLst/>
-                <a:latin typeface="Consolas" panose="020B0609020204030204" pitchFamily="49" charset="0"/>
-              </a:rPr>
-              <a:t>=</a:t>
-            </a:r>
-            <a:r>
-              <a:rPr lang="en-ID" b="0">
-                <a:solidFill>
-                  <a:srgbClr val="1F2328"/>
-                </a:solidFill>
-                <a:effectLst/>
-                <a:latin typeface="Consolas" panose="020B0609020204030204" pitchFamily="49" charset="0"/>
-              </a:rPr>
-              <a:t> </a:t>
-            </a:r>
-            <a:r>
-              <a:rPr lang="en-ID" b="0">
-                <a:solidFill>
-                  <a:srgbClr val="8250DF"/>
-                </a:solidFill>
-                <a:effectLst/>
-                <a:latin typeface="Consolas" panose="020B0609020204030204" pitchFamily="49" charset="0"/>
-              </a:rPr>
-              <a:t>input</a:t>
-            </a:r>
-            <a:r>
-              <a:rPr lang="en-ID" b="0">
-                <a:solidFill>
-                  <a:srgbClr val="1F2328"/>
-                </a:solidFill>
-                <a:effectLst/>
-                <a:latin typeface="Consolas" panose="020B0609020204030204" pitchFamily="49" charset="0"/>
-              </a:rPr>
-              <a:t>(</a:t>
-            </a:r>
-            <a:r>
-              <a:rPr lang="en-ID" b="0">
-                <a:solidFill>
-                  <a:srgbClr val="0A3069"/>
-                </a:solidFill>
-                <a:effectLst/>
-                <a:latin typeface="Consolas" panose="020B0609020204030204" pitchFamily="49" charset="0"/>
-              </a:rPr>
-              <a:t>"Siapa nama anda : "</a:t>
-            </a:r>
-            <a:r>
-              <a:rPr lang="en-ID" b="0">
-                <a:solidFill>
-                  <a:srgbClr val="1F2328"/>
-                </a:solidFill>
-                <a:effectLst/>
-                <a:latin typeface="Consolas" panose="020B0609020204030204" pitchFamily="49" charset="0"/>
-              </a:rPr>
-              <a:t>)</a:t>
-            </a:r>
-          </a:p>
-          <a:p>
-            <a:r>
-              <a:rPr lang="en-ID" b="0">
-                <a:solidFill>
-                  <a:srgbClr val="1F2328"/>
-                </a:solidFill>
-                <a:effectLst/>
-                <a:latin typeface="Consolas" panose="020B0609020204030204" pitchFamily="49" charset="0"/>
-              </a:rPr>
-              <a:t>  jurusan </a:t>
-            </a:r>
-            <a:r>
-              <a:rPr lang="en-ID" b="0">
-                <a:solidFill>
-                  <a:srgbClr val="CF222E"/>
-                </a:solidFill>
-                <a:effectLst/>
-                <a:latin typeface="Consolas" panose="020B0609020204030204" pitchFamily="49" charset="0"/>
-              </a:rPr>
-              <a:t>=</a:t>
-            </a:r>
-            <a:r>
-              <a:rPr lang="en-ID" b="0">
-                <a:solidFill>
-                  <a:srgbClr val="1F2328"/>
-                </a:solidFill>
-                <a:effectLst/>
-                <a:latin typeface="Consolas" panose="020B0609020204030204" pitchFamily="49" charset="0"/>
-              </a:rPr>
-              <a:t> </a:t>
-            </a:r>
-            <a:r>
-              <a:rPr lang="en-ID" b="0">
-                <a:solidFill>
-                  <a:srgbClr val="8250DF"/>
-                </a:solidFill>
-                <a:effectLst/>
-                <a:latin typeface="Consolas" panose="020B0609020204030204" pitchFamily="49" charset="0"/>
-              </a:rPr>
-              <a:t>input</a:t>
-            </a:r>
-            <a:r>
-              <a:rPr lang="en-ID" b="0">
-                <a:solidFill>
-                  <a:srgbClr val="1F2328"/>
-                </a:solidFill>
-                <a:effectLst/>
-                <a:latin typeface="Consolas" panose="020B0609020204030204" pitchFamily="49" charset="0"/>
-              </a:rPr>
-              <a:t>(</a:t>
-            </a:r>
-            <a:r>
-              <a:rPr lang="en-ID" b="0">
-                <a:solidFill>
-                  <a:srgbClr val="0A3069"/>
-                </a:solidFill>
-                <a:effectLst/>
-                <a:latin typeface="Consolas" panose="020B0609020204030204" pitchFamily="49" charset="0"/>
-              </a:rPr>
-              <a:t>"Apa jurusan anda : "</a:t>
-            </a:r>
-            <a:r>
-              <a:rPr lang="en-ID" b="0">
-                <a:solidFill>
-                  <a:srgbClr val="1F2328"/>
-                </a:solidFill>
-                <a:effectLst/>
-                <a:latin typeface="Consolas" panose="020B0609020204030204" pitchFamily="49" charset="0"/>
-              </a:rPr>
-              <a:t>)</a:t>
-            </a:r>
-          </a:p>
-          <a:p>
-            <a:r>
-              <a:rPr lang="en-ID" b="0">
-                <a:solidFill>
-                  <a:srgbClr val="1F2328"/>
-                </a:solidFill>
-                <a:effectLst/>
-                <a:latin typeface="Consolas" panose="020B0609020204030204" pitchFamily="49" charset="0"/>
-              </a:rPr>
-              <a:t>  </a:t>
-            </a:r>
-            <a:r>
-              <a:rPr lang="en-ID" b="0">
-                <a:solidFill>
-                  <a:srgbClr val="8250DF"/>
-                </a:solidFill>
-                <a:effectLst/>
-                <a:latin typeface="Consolas" panose="020B0609020204030204" pitchFamily="49" charset="0"/>
-              </a:rPr>
-              <a:t>print</a:t>
-            </a:r>
-            <a:r>
-              <a:rPr lang="en-ID" b="0">
-                <a:solidFill>
-                  <a:srgbClr val="1F2328"/>
-                </a:solidFill>
-                <a:effectLst/>
-                <a:latin typeface="Consolas" panose="020B0609020204030204" pitchFamily="49" charset="0"/>
-              </a:rPr>
-              <a:t>(</a:t>
-            </a:r>
-            <a:r>
-              <a:rPr lang="en-ID" b="0">
-                <a:solidFill>
-                  <a:srgbClr val="0A3069"/>
-                </a:solidFill>
-                <a:effectLst/>
-                <a:latin typeface="Consolas" panose="020B0609020204030204" pitchFamily="49" charset="0"/>
-              </a:rPr>
-              <a:t>""</a:t>
-            </a:r>
-            <a:r>
-              <a:rPr lang="en-ID" b="0">
-                <a:solidFill>
-                  <a:srgbClr val="1F2328"/>
-                </a:solidFill>
-                <a:effectLst/>
-                <a:latin typeface="Consolas" panose="020B0609020204030204" pitchFamily="49" charset="0"/>
-              </a:rPr>
-              <a:t>)</a:t>
-            </a:r>
-          </a:p>
-          <a:p>
-            <a:br>
-              <a:rPr lang="en-ID" b="0">
-                <a:solidFill>
-                  <a:srgbClr val="1F2328"/>
-                </a:solidFill>
-                <a:effectLst/>
-                <a:latin typeface="Consolas" panose="020B0609020204030204" pitchFamily="49" charset="0"/>
-              </a:rPr>
-            </a:br>
-            <a:r>
-              <a:rPr lang="en-ID" b="0">
-                <a:solidFill>
-                  <a:srgbClr val="1F2328"/>
-                </a:solidFill>
-                <a:effectLst/>
-                <a:latin typeface="Consolas" panose="020B0609020204030204" pitchFamily="49" charset="0"/>
-              </a:rPr>
-              <a:t>  </a:t>
-            </a:r>
-            <a:r>
-              <a:rPr lang="en-ID" b="0">
-                <a:solidFill>
-                  <a:srgbClr val="6E7781"/>
-                </a:solidFill>
-                <a:effectLst/>
-                <a:latin typeface="Consolas" panose="020B0609020204030204" pitchFamily="49" charset="0"/>
-              </a:rPr>
-              <a:t># Output program</a:t>
-            </a:r>
-            <a:endParaRPr lang="en-ID" b="0">
-              <a:solidFill>
-                <a:srgbClr val="1F2328"/>
-              </a:solidFill>
-              <a:effectLst/>
-              <a:latin typeface="Consolas" panose="020B0609020204030204" pitchFamily="49" charset="0"/>
-            </a:endParaRPr>
-          </a:p>
-          <a:p>
-            <a:r>
-              <a:rPr lang="en-ID" b="0">
-                <a:solidFill>
-                  <a:srgbClr val="1F2328"/>
-                </a:solidFill>
-                <a:effectLst/>
-                <a:latin typeface="Consolas" panose="020B0609020204030204" pitchFamily="49" charset="0"/>
-              </a:rPr>
-              <a:t>  </a:t>
-            </a:r>
-            <a:r>
-              <a:rPr lang="en-ID" b="0">
-                <a:solidFill>
-                  <a:srgbClr val="8250DF"/>
-                </a:solidFill>
-                <a:effectLst/>
-                <a:latin typeface="Consolas" panose="020B0609020204030204" pitchFamily="49" charset="0"/>
-              </a:rPr>
-              <a:t>print</a:t>
-            </a:r>
-            <a:r>
-              <a:rPr lang="en-ID" b="0">
-                <a:solidFill>
-                  <a:srgbClr val="1F2328"/>
-                </a:solidFill>
-                <a:effectLst/>
-                <a:latin typeface="Consolas" panose="020B0609020204030204" pitchFamily="49" charset="0"/>
-              </a:rPr>
-              <a:t>(</a:t>
-            </a:r>
-            <a:r>
-              <a:rPr lang="en-ID" b="0">
-                <a:solidFill>
-                  <a:srgbClr val="0A3069"/>
-                </a:solidFill>
-                <a:effectLst/>
-                <a:latin typeface="Consolas" panose="020B0609020204030204" pitchFamily="49" charset="0"/>
-              </a:rPr>
-              <a:t>"Output program dari keyboard"</a:t>
-            </a:r>
-            <a:r>
-              <a:rPr lang="en-ID" b="0">
-                <a:solidFill>
-                  <a:srgbClr val="1F2328"/>
-                </a:solidFill>
-                <a:effectLst/>
-                <a:latin typeface="Consolas" panose="020B0609020204030204" pitchFamily="49" charset="0"/>
-              </a:rPr>
-              <a:t>)</a:t>
-            </a:r>
-          </a:p>
-          <a:p>
-            <a:r>
-              <a:rPr lang="en-ID" b="0">
-                <a:solidFill>
-                  <a:srgbClr val="1F2328"/>
-                </a:solidFill>
-                <a:effectLst/>
-                <a:latin typeface="Consolas" panose="020B0609020204030204" pitchFamily="49" charset="0"/>
-              </a:rPr>
-              <a:t>  </a:t>
-            </a:r>
-            <a:r>
-              <a:rPr lang="en-ID" b="0">
-                <a:solidFill>
-                  <a:srgbClr val="8250DF"/>
-                </a:solidFill>
-                <a:effectLst/>
-                <a:latin typeface="Consolas" panose="020B0609020204030204" pitchFamily="49" charset="0"/>
-              </a:rPr>
-              <a:t>print</a:t>
-            </a:r>
-            <a:r>
-              <a:rPr lang="en-ID" b="0">
-                <a:solidFill>
-                  <a:srgbClr val="1F2328"/>
-                </a:solidFill>
-                <a:effectLst/>
-                <a:latin typeface="Consolas" panose="020B0609020204030204" pitchFamily="49" charset="0"/>
-              </a:rPr>
-              <a:t>(</a:t>
-            </a:r>
-            <a:r>
-              <a:rPr lang="en-ID" b="0">
-                <a:solidFill>
-                  <a:srgbClr val="0A3069"/>
-                </a:solidFill>
-                <a:effectLst/>
-                <a:latin typeface="Consolas" panose="020B0609020204030204" pitchFamily="49" charset="0"/>
-              </a:rPr>
-              <a:t>"Nama Anda : "</a:t>
-            </a:r>
-            <a:r>
-              <a:rPr lang="en-ID" b="0">
-                <a:solidFill>
-                  <a:srgbClr val="1F2328"/>
-                </a:solidFill>
-                <a:effectLst/>
-                <a:latin typeface="Consolas" panose="020B0609020204030204" pitchFamily="49" charset="0"/>
-              </a:rPr>
-              <a:t>, nama)</a:t>
-            </a:r>
-          </a:p>
-          <a:p>
-            <a:r>
-              <a:rPr lang="en-ID" b="0">
-                <a:solidFill>
-                  <a:srgbClr val="1F2328"/>
-                </a:solidFill>
-                <a:effectLst/>
-                <a:latin typeface="Consolas" panose="020B0609020204030204" pitchFamily="49" charset="0"/>
-              </a:rPr>
-              <a:t>  </a:t>
-            </a:r>
-            <a:r>
-              <a:rPr lang="en-ID" b="0">
-                <a:solidFill>
-                  <a:srgbClr val="8250DF"/>
-                </a:solidFill>
-                <a:effectLst/>
-                <a:latin typeface="Consolas" panose="020B0609020204030204" pitchFamily="49" charset="0"/>
-              </a:rPr>
-              <a:t>print</a:t>
-            </a:r>
-            <a:r>
-              <a:rPr lang="en-ID" b="0">
-                <a:solidFill>
-                  <a:srgbClr val="1F2328"/>
-                </a:solidFill>
-                <a:effectLst/>
-                <a:latin typeface="Consolas" panose="020B0609020204030204" pitchFamily="49" charset="0"/>
-              </a:rPr>
-              <a:t>(</a:t>
-            </a:r>
-            <a:r>
-              <a:rPr lang="en-ID" b="0">
-                <a:solidFill>
-                  <a:srgbClr val="0A3069"/>
-                </a:solidFill>
-                <a:effectLst/>
-                <a:latin typeface="Consolas" panose="020B0609020204030204" pitchFamily="49" charset="0"/>
-              </a:rPr>
-              <a:t>"Jurusan Anda : "</a:t>
-            </a:r>
-            <a:r>
-              <a:rPr lang="en-ID" b="0">
-                <a:solidFill>
-                  <a:srgbClr val="1F2328"/>
-                </a:solidFill>
-                <a:effectLst/>
-                <a:latin typeface="Consolas" panose="020B0609020204030204" pitchFamily="49" charset="0"/>
-              </a:rPr>
-              <a:t>, jurusan)</a:t>
-            </a:r>
-          </a:p>
-        </p:txBody>
-      </p:sp>
     </p:spTree>
     <p:extLst>
       <p:ext uri="{BB962C8B-B14F-4D97-AF65-F5344CB8AC3E}">
-        <p14:creationId xmlns:p14="http://schemas.microsoft.com/office/powerpoint/2010/main" val="3722044741"/>
+        <p14:creationId xmlns:p14="http://schemas.microsoft.com/office/powerpoint/2010/main" val="1856238074"/>
       </p:ext>
     </p:extLst>
   </p:cSld>
@@ -6966,6 +10751,7 @@
           <a:bodyPr/>
           <a:lstStyle/>
           <a:p>
+            <a:pPr algn="ctr"/>
             <a:r>
               <a:rPr lang="en-US"/>
               <a:t>Python – Sequence</a:t>
@@ -6976,574 +10762,119 @@
       </p:sp>
       <p:sp>
         <p:nvSpPr>
-          <p:cNvPr id="7" name="TextBox 6">
+          <p:cNvPr id="3" name="Content Placeholder 2">
             <a:extLst>
               <a:ext uri="{FF2B5EF4-FFF2-40B4-BE49-F238E27FC236}">
-                <a16:creationId xmlns:a16="http://schemas.microsoft.com/office/drawing/2014/main" id="{4AF941D2-3823-825E-4A88-F124299D61F6}"/>
+                <a16:creationId xmlns:a16="http://schemas.microsoft.com/office/drawing/2014/main" id="{07C74A71-5A41-4FA3-87FB-3311DF9E9C5F}"/>
               </a:ext>
             </a:extLst>
           </p:cNvPr>
-          <p:cNvSpPr txBox="1"/>
+          <p:cNvSpPr>
+            <a:spLocks noGrp="1"/>
+          </p:cNvSpPr>
+          <p:nvPr>
+            <p:ph idx="1"/>
+          </p:nvPr>
+        </p:nvSpPr>
+        <p:spPr>
+          <a:xfrm>
+            <a:off x="221225" y="1825625"/>
+            <a:ext cx="11769213" cy="4530930"/>
+          </a:xfrm>
+        </p:spPr>
+        <p:txBody>
+          <a:bodyPr>
+            <a:normAutofit/>
+          </a:bodyPr>
+          <a:lstStyle/>
+          <a:p>
+            <a:r>
+              <a:rPr lang="en-US" sz="2200"/>
+              <a:t>Buatlah program untuk menghitung berat badan ideal. Rumus untuk menghitung berat badan ideal adalah tinggi badan dikurangi 100. Kemudian dikurangi lagi dengan 10% dari pengurangan pertama.</a:t>
+            </a:r>
+          </a:p>
+          <a:p>
+            <a:r>
+              <a:rPr lang="en-US" sz="2200"/>
+              <a:t>Buatlah program untuk menghitung luas dan keliling dari tiga bangun datar dan bangun ruang.</a:t>
+            </a:r>
+          </a:p>
+          <a:p>
+            <a:r>
+              <a:rPr lang="en-ID" sz="2200"/>
+              <a:t>Jika diketahui X merupakan satuan suhu. Dimana titik didih air adalah 75 derajat X. Tuliskan program untuk melakukan konversi suhu dari X menjadi celcius, reamur, fahrenheit, dan kelvin.</a:t>
+            </a:r>
+          </a:p>
+          <a:p>
+            <a:r>
+              <a:rPr lang="en-ID" sz="2200"/>
+              <a:t>Jika sebuah segitiga memiliki alas X cm dan tinggi Y cm. Tuliskan program untuk menghitung sisi miring dari segitiga tersebut.</a:t>
+            </a:r>
+          </a:p>
+          <a:p>
+            <a:r>
+              <a:rPr lang="en-ID" sz="2200"/>
+              <a:t>Sebuah mobil melaju dengan kecepatan tetap x km/jam dan berjalan selama t jam. Tuliskan program untuk menghitung jarak yang sudah ditempuh oleh mobil tersebut (dalam meter).</a:t>
+            </a:r>
+          </a:p>
+          <a:p>
+            <a:r>
+              <a:rPr lang="en-ID" sz="2200"/>
+              <a:t>Sebuah program memiliki input berupa x hari. Tuliskan program untuk merubah x hari menjadi A tahun, B bulan, dan C hari (yyyy-mm-dd). Diasumsikan 1 bulan = 30 hari dan 1 tahun = 360 hari.</a:t>
+            </a:r>
+          </a:p>
+        </p:txBody>
+      </p:sp>
+      <p:sp>
+        <p:nvSpPr>
+          <p:cNvPr id="4" name="Rectangle 3">
+            <a:extLst>
+              <a:ext uri="{FF2B5EF4-FFF2-40B4-BE49-F238E27FC236}">
+                <a16:creationId xmlns:a16="http://schemas.microsoft.com/office/drawing/2014/main" id="{FBABB7BE-CDDF-5F8C-0140-A6991F61E6EF}"/>
+              </a:ext>
+            </a:extLst>
+          </p:cNvPr>
+          <p:cNvSpPr/>
           <p:nvPr/>
         </p:nvSpPr>
         <p:spPr>
           <a:xfrm>
-            <a:off x="221226" y="1690688"/>
-            <a:ext cx="8123830" cy="3693319"/>
+            <a:off x="0" y="6492875"/>
+            <a:ext cx="12191999" cy="365124"/>
           </a:xfrm>
           <a:prstGeom prst="rect">
             <a:avLst/>
           </a:prstGeom>
-          <a:solidFill>
-            <a:schemeClr val="accent4">
-              <a:lumMod val="20000"/>
-              <a:lumOff val="80000"/>
-            </a:schemeClr>
-          </a:solidFill>
         </p:spPr>
         <p:style>
           <a:lnRef idx="2">
-            <a:schemeClr val="dk1"/>
+            <a:schemeClr val="accent1">
+              <a:shade val="15000"/>
+            </a:schemeClr>
           </a:lnRef>
           <a:fillRef idx="1">
-            <a:schemeClr val="lt1"/>
+            <a:schemeClr val="accent1"/>
           </a:fillRef>
           <a:effectRef idx="0">
-            <a:schemeClr val="dk1"/>
+            <a:schemeClr val="accent1"/>
           </a:effectRef>
           <a:fontRef idx="minor">
-            <a:schemeClr val="dk1"/>
+            <a:schemeClr val="lt1"/>
           </a:fontRef>
         </p:style>
         <p:txBody>
-          <a:bodyPr wrap="square">
-            <a:spAutoFit/>
-          </a:bodyPr>
+          <a:bodyPr rtlCol="0" anchor="ctr"/>
           <a:lstStyle/>
           <a:p>
-            <a:r>
-              <a:rPr lang="en-ID" b="0">
-                <a:solidFill>
-                  <a:srgbClr val="6E7781"/>
-                </a:solidFill>
-                <a:effectLst/>
-                <a:latin typeface="Consolas" panose="020B0609020204030204" pitchFamily="49" charset="0"/>
-              </a:rPr>
-              <a:t># PROGRAM Zakat.py</a:t>
-            </a:r>
-            <a:endParaRPr lang="en-ID" b="0">
-              <a:solidFill>
-                <a:srgbClr val="1F2328"/>
-              </a:solidFill>
-              <a:effectLst/>
-              <a:latin typeface="Consolas" panose="020B0609020204030204" pitchFamily="49" charset="0"/>
-            </a:endParaRPr>
-          </a:p>
-          <a:p>
-            <a:r>
-              <a:rPr lang="en-ID" b="0">
-                <a:solidFill>
-                  <a:srgbClr val="1F2328"/>
-                </a:solidFill>
-                <a:effectLst/>
-                <a:latin typeface="Consolas" panose="020B0609020204030204" pitchFamily="49" charset="0"/>
-              </a:rPr>
-              <a:t> </a:t>
-            </a:r>
-          </a:p>
-          <a:p>
-            <a:r>
-              <a:rPr lang="en-ID" b="0">
-                <a:solidFill>
-                  <a:srgbClr val="6E7781"/>
-                </a:solidFill>
-                <a:effectLst/>
-                <a:latin typeface="Consolas" panose="020B0609020204030204" pitchFamily="49" charset="0"/>
-              </a:rPr>
-              <a:t># main method</a:t>
-            </a:r>
-            <a:endParaRPr lang="en-ID" b="0">
-              <a:solidFill>
-                <a:srgbClr val="1F2328"/>
-              </a:solidFill>
-              <a:effectLst/>
-              <a:latin typeface="Consolas" panose="020B0609020204030204" pitchFamily="49" charset="0"/>
-            </a:endParaRPr>
-          </a:p>
-          <a:p>
-            <a:r>
-              <a:rPr lang="en-ID" b="0">
-                <a:solidFill>
-                  <a:srgbClr val="CF222E"/>
-                </a:solidFill>
-                <a:effectLst/>
-                <a:latin typeface="Consolas" panose="020B0609020204030204" pitchFamily="49" charset="0"/>
-              </a:rPr>
-              <a:t>if</a:t>
-            </a:r>
-            <a:r>
-              <a:rPr lang="en-ID" b="0">
-                <a:solidFill>
-                  <a:srgbClr val="1F2328"/>
-                </a:solidFill>
-                <a:effectLst/>
-                <a:latin typeface="Consolas" panose="020B0609020204030204" pitchFamily="49" charset="0"/>
-              </a:rPr>
-              <a:t> __name__ </a:t>
-            </a:r>
-            <a:r>
-              <a:rPr lang="en-ID" b="0">
-                <a:solidFill>
-                  <a:srgbClr val="CF222E"/>
-                </a:solidFill>
-                <a:effectLst/>
-                <a:latin typeface="Consolas" panose="020B0609020204030204" pitchFamily="49" charset="0"/>
-              </a:rPr>
-              <a:t>==</a:t>
-            </a:r>
-            <a:r>
-              <a:rPr lang="en-ID" b="0">
-                <a:solidFill>
-                  <a:srgbClr val="1F2328"/>
-                </a:solidFill>
-                <a:effectLst/>
-                <a:latin typeface="Consolas" panose="020B0609020204030204" pitchFamily="49" charset="0"/>
-              </a:rPr>
-              <a:t> </a:t>
-            </a:r>
-            <a:r>
-              <a:rPr lang="en-ID" b="0">
-                <a:solidFill>
-                  <a:srgbClr val="0A3069"/>
-                </a:solidFill>
-                <a:effectLst/>
-                <a:latin typeface="Consolas" panose="020B0609020204030204" pitchFamily="49" charset="0"/>
-              </a:rPr>
-              <a:t>"__main__"</a:t>
-            </a:r>
-            <a:r>
-              <a:rPr lang="en-ID" b="0">
-                <a:solidFill>
-                  <a:srgbClr val="1F2328"/>
-                </a:solidFill>
-                <a:effectLst/>
-                <a:latin typeface="Consolas" panose="020B0609020204030204" pitchFamily="49" charset="0"/>
-              </a:rPr>
-              <a:t>:</a:t>
-            </a:r>
-          </a:p>
-          <a:p>
-            <a:r>
-              <a:rPr lang="en-ID" b="0">
-                <a:solidFill>
-                  <a:srgbClr val="1F2328"/>
-                </a:solidFill>
-                <a:effectLst/>
-                <a:latin typeface="Consolas" panose="020B0609020204030204" pitchFamily="49" charset="0"/>
-              </a:rPr>
-              <a:t> </a:t>
-            </a:r>
-          </a:p>
-          <a:p>
-            <a:r>
-              <a:rPr lang="en-ID" b="0">
-                <a:solidFill>
-                  <a:srgbClr val="1F2328"/>
-                </a:solidFill>
-                <a:effectLst/>
-                <a:latin typeface="Consolas" panose="020B0609020204030204" pitchFamily="49" charset="0"/>
-              </a:rPr>
-              <a:t>  </a:t>
-            </a:r>
-            <a:r>
-              <a:rPr lang="en-ID" b="0">
-                <a:solidFill>
-                  <a:srgbClr val="6E7781"/>
-                </a:solidFill>
-                <a:effectLst/>
-                <a:latin typeface="Consolas" panose="020B0609020204030204" pitchFamily="49" charset="0"/>
-              </a:rPr>
-              <a:t># - input program</a:t>
-            </a:r>
-            <a:endParaRPr lang="en-ID" b="0">
-              <a:solidFill>
-                <a:srgbClr val="1F2328"/>
-              </a:solidFill>
-              <a:effectLst/>
-              <a:latin typeface="Consolas" panose="020B0609020204030204" pitchFamily="49" charset="0"/>
-            </a:endParaRPr>
-          </a:p>
-          <a:p>
-            <a:r>
-              <a:rPr lang="en-ID" b="0">
-                <a:solidFill>
-                  <a:srgbClr val="1F2328"/>
-                </a:solidFill>
-                <a:effectLst/>
-                <a:latin typeface="Consolas" panose="020B0609020204030204" pitchFamily="49" charset="0"/>
-              </a:rPr>
-              <a:t>  penghasilan </a:t>
-            </a:r>
-            <a:r>
-              <a:rPr lang="en-ID" b="0">
-                <a:solidFill>
-                  <a:srgbClr val="CF222E"/>
-                </a:solidFill>
-                <a:effectLst/>
-                <a:latin typeface="Consolas" panose="020B0609020204030204" pitchFamily="49" charset="0"/>
-              </a:rPr>
-              <a:t>=</a:t>
-            </a:r>
-            <a:r>
-              <a:rPr lang="en-ID" b="0">
-                <a:solidFill>
-                  <a:srgbClr val="1F2328"/>
-                </a:solidFill>
-                <a:effectLst/>
-                <a:latin typeface="Consolas" panose="020B0609020204030204" pitchFamily="49" charset="0"/>
-              </a:rPr>
-              <a:t> </a:t>
-            </a:r>
-            <a:r>
-              <a:rPr lang="en-ID" b="0">
-                <a:solidFill>
-                  <a:srgbClr val="8250DF"/>
-                </a:solidFill>
-                <a:effectLst/>
-                <a:latin typeface="Consolas" panose="020B0609020204030204" pitchFamily="49" charset="0"/>
-              </a:rPr>
-              <a:t>input</a:t>
-            </a:r>
-            <a:r>
-              <a:rPr lang="en-ID" b="0">
-                <a:solidFill>
-                  <a:srgbClr val="1F2328"/>
-                </a:solidFill>
-                <a:effectLst/>
-                <a:latin typeface="Consolas" panose="020B0609020204030204" pitchFamily="49" charset="0"/>
-              </a:rPr>
-              <a:t>(</a:t>
-            </a:r>
-            <a:r>
-              <a:rPr lang="en-ID" b="0">
-                <a:solidFill>
-                  <a:srgbClr val="0A3069"/>
-                </a:solidFill>
-                <a:effectLst/>
-                <a:latin typeface="Consolas" panose="020B0609020204030204" pitchFamily="49" charset="0"/>
-              </a:rPr>
-              <a:t>"Masukan penghasilan anda : Rp. "</a:t>
-            </a:r>
-            <a:r>
-              <a:rPr lang="en-ID" b="0">
-                <a:solidFill>
-                  <a:srgbClr val="1F2328"/>
-                </a:solidFill>
-                <a:effectLst/>
-                <a:latin typeface="Consolas" panose="020B0609020204030204" pitchFamily="49" charset="0"/>
-              </a:rPr>
-              <a:t>)</a:t>
-            </a:r>
-          </a:p>
-          <a:p>
-            <a:r>
-              <a:rPr lang="en-ID" b="0">
-                <a:solidFill>
-                  <a:srgbClr val="1F2328"/>
-                </a:solidFill>
-                <a:effectLst/>
-                <a:latin typeface="Consolas" panose="020B0609020204030204" pitchFamily="49" charset="0"/>
-              </a:rPr>
-              <a:t> </a:t>
-            </a:r>
-          </a:p>
-          <a:p>
-            <a:r>
-              <a:rPr lang="en-ID" b="0">
-                <a:solidFill>
-                  <a:srgbClr val="1F2328"/>
-                </a:solidFill>
-                <a:effectLst/>
-                <a:latin typeface="Consolas" panose="020B0609020204030204" pitchFamily="49" charset="0"/>
-              </a:rPr>
-              <a:t>  </a:t>
-            </a:r>
-            <a:r>
-              <a:rPr lang="en-ID" b="0">
-                <a:solidFill>
-                  <a:srgbClr val="6E7781"/>
-                </a:solidFill>
-                <a:effectLst/>
-                <a:latin typeface="Consolas" panose="020B0609020204030204" pitchFamily="49" charset="0"/>
-              </a:rPr>
-              <a:t># - proses program</a:t>
-            </a:r>
-            <a:endParaRPr lang="en-ID" b="0">
-              <a:solidFill>
-                <a:srgbClr val="1F2328"/>
-              </a:solidFill>
-              <a:effectLst/>
-              <a:latin typeface="Consolas" panose="020B0609020204030204" pitchFamily="49" charset="0"/>
-            </a:endParaRPr>
-          </a:p>
-          <a:p>
-            <a:r>
-              <a:rPr lang="en-ID" b="0">
-                <a:solidFill>
-                  <a:srgbClr val="1F2328"/>
-                </a:solidFill>
-                <a:effectLst/>
-                <a:latin typeface="Consolas" panose="020B0609020204030204" pitchFamily="49" charset="0"/>
-              </a:rPr>
-              <a:t>  zakat </a:t>
-            </a:r>
-            <a:r>
-              <a:rPr lang="en-ID" b="0">
-                <a:solidFill>
-                  <a:srgbClr val="CF222E"/>
-                </a:solidFill>
-                <a:effectLst/>
-                <a:latin typeface="Consolas" panose="020B0609020204030204" pitchFamily="49" charset="0"/>
-              </a:rPr>
-              <a:t>=</a:t>
-            </a:r>
-            <a:r>
-              <a:rPr lang="en-ID" b="0">
-                <a:solidFill>
-                  <a:srgbClr val="1F2328"/>
-                </a:solidFill>
-                <a:effectLst/>
-                <a:latin typeface="Consolas" panose="020B0609020204030204" pitchFamily="49" charset="0"/>
-              </a:rPr>
-              <a:t> </a:t>
-            </a:r>
-            <a:r>
-              <a:rPr lang="en-ID" b="0">
-                <a:solidFill>
-                  <a:srgbClr val="953800"/>
-                </a:solidFill>
-                <a:effectLst/>
-                <a:latin typeface="Consolas" panose="020B0609020204030204" pitchFamily="49" charset="0"/>
-              </a:rPr>
-              <a:t>float</a:t>
-            </a:r>
-            <a:r>
-              <a:rPr lang="en-ID" b="0">
-                <a:solidFill>
-                  <a:srgbClr val="1F2328"/>
-                </a:solidFill>
-                <a:effectLst/>
-                <a:latin typeface="Consolas" panose="020B0609020204030204" pitchFamily="49" charset="0"/>
-              </a:rPr>
-              <a:t>(penghasilan) </a:t>
-            </a:r>
-            <a:r>
-              <a:rPr lang="en-ID" b="0">
-                <a:solidFill>
-                  <a:srgbClr val="CF222E"/>
-                </a:solidFill>
-                <a:effectLst/>
-                <a:latin typeface="Consolas" panose="020B0609020204030204" pitchFamily="49" charset="0"/>
-              </a:rPr>
-              <a:t>*</a:t>
-            </a:r>
-            <a:r>
-              <a:rPr lang="en-ID" b="0">
-                <a:solidFill>
-                  <a:srgbClr val="1F2328"/>
-                </a:solidFill>
-                <a:effectLst/>
-                <a:latin typeface="Consolas" panose="020B0609020204030204" pitchFamily="49" charset="0"/>
-              </a:rPr>
-              <a:t> </a:t>
-            </a:r>
-            <a:r>
-              <a:rPr lang="en-ID" b="0">
-                <a:solidFill>
-                  <a:srgbClr val="0550AE"/>
-                </a:solidFill>
-                <a:effectLst/>
-                <a:latin typeface="Consolas" panose="020B0609020204030204" pitchFamily="49" charset="0"/>
-              </a:rPr>
-              <a:t>0.025</a:t>
-            </a:r>
-            <a:endParaRPr lang="en-ID" b="0">
-              <a:solidFill>
-                <a:srgbClr val="1F2328"/>
-              </a:solidFill>
-              <a:effectLst/>
-              <a:latin typeface="Consolas" panose="020B0609020204030204" pitchFamily="49" charset="0"/>
-            </a:endParaRPr>
-          </a:p>
-          <a:p>
-            <a:r>
-              <a:rPr lang="en-ID" b="0">
-                <a:solidFill>
-                  <a:srgbClr val="1F2328"/>
-                </a:solidFill>
-                <a:effectLst/>
-                <a:latin typeface="Consolas" panose="020B0609020204030204" pitchFamily="49" charset="0"/>
-              </a:rPr>
-              <a:t> </a:t>
-            </a:r>
-          </a:p>
-          <a:p>
-            <a:r>
-              <a:rPr lang="en-ID" b="0">
-                <a:solidFill>
-                  <a:srgbClr val="1F2328"/>
-                </a:solidFill>
-                <a:effectLst/>
-                <a:latin typeface="Consolas" panose="020B0609020204030204" pitchFamily="49" charset="0"/>
-              </a:rPr>
-              <a:t>  </a:t>
-            </a:r>
-            <a:r>
-              <a:rPr lang="en-ID" b="0">
-                <a:solidFill>
-                  <a:srgbClr val="6E7781"/>
-                </a:solidFill>
-                <a:effectLst/>
-                <a:latin typeface="Consolas" panose="020B0609020204030204" pitchFamily="49" charset="0"/>
-              </a:rPr>
-              <a:t># - proses program</a:t>
-            </a:r>
-            <a:endParaRPr lang="en-ID" b="0">
-              <a:solidFill>
-                <a:srgbClr val="1F2328"/>
-              </a:solidFill>
-              <a:effectLst/>
-              <a:latin typeface="Consolas" panose="020B0609020204030204" pitchFamily="49" charset="0"/>
-            </a:endParaRPr>
-          </a:p>
-          <a:p>
-            <a:r>
-              <a:rPr lang="en-ID" b="0">
-                <a:solidFill>
-                  <a:srgbClr val="1F2328"/>
-                </a:solidFill>
-                <a:effectLst/>
-                <a:latin typeface="Consolas" panose="020B0609020204030204" pitchFamily="49" charset="0"/>
-              </a:rPr>
-              <a:t>  </a:t>
-            </a:r>
-            <a:r>
-              <a:rPr lang="en-ID" b="0">
-                <a:solidFill>
-                  <a:srgbClr val="8250DF"/>
-                </a:solidFill>
-                <a:effectLst/>
-                <a:latin typeface="Consolas" panose="020B0609020204030204" pitchFamily="49" charset="0"/>
-              </a:rPr>
-              <a:t>print</a:t>
-            </a:r>
-            <a:r>
-              <a:rPr lang="en-ID" b="0">
-                <a:solidFill>
-                  <a:srgbClr val="1F2328"/>
-                </a:solidFill>
-                <a:effectLst/>
-                <a:latin typeface="Consolas" panose="020B0609020204030204" pitchFamily="49" charset="0"/>
-              </a:rPr>
-              <a:t>(</a:t>
-            </a:r>
-            <a:r>
-              <a:rPr lang="en-ID" b="0">
-                <a:solidFill>
-                  <a:srgbClr val="CF222E"/>
-                </a:solidFill>
-                <a:effectLst/>
-                <a:latin typeface="Consolas" panose="020B0609020204030204" pitchFamily="49" charset="0"/>
-              </a:rPr>
-              <a:t>f</a:t>
-            </a:r>
-            <a:r>
-              <a:rPr lang="en-ID" b="0">
-                <a:solidFill>
-                  <a:srgbClr val="0A3069"/>
-                </a:solidFill>
-                <a:effectLst/>
-                <a:latin typeface="Consolas" panose="020B0609020204030204" pitchFamily="49" charset="0"/>
-              </a:rPr>
-              <a:t>"Jumlah zakat sebesar Rp. "</a:t>
-            </a:r>
-            <a:r>
-              <a:rPr lang="en-ID" b="0">
-                <a:solidFill>
-                  <a:srgbClr val="CF222E"/>
-                </a:solidFill>
-                <a:effectLst/>
-                <a:latin typeface="Consolas" panose="020B0609020204030204" pitchFamily="49" charset="0"/>
-              </a:rPr>
-              <a:t>+</a:t>
-            </a:r>
-            <a:r>
-              <a:rPr lang="en-ID" b="0">
-                <a:solidFill>
-                  <a:srgbClr val="0A3069"/>
-                </a:solidFill>
-                <a:effectLst/>
-                <a:latin typeface="Consolas" panose="020B0609020204030204" pitchFamily="49" charset="0"/>
-              </a:rPr>
-              <a:t>"</a:t>
-            </a:r>
-            <a:r>
-              <a:rPr lang="en-ID" b="0">
-                <a:solidFill>
-                  <a:srgbClr val="CF222E"/>
-                </a:solidFill>
-                <a:effectLst/>
-                <a:latin typeface="Consolas" panose="020B0609020204030204" pitchFamily="49" charset="0"/>
-              </a:rPr>
-              <a:t>{:0,.2f}</a:t>
-            </a:r>
-            <a:r>
-              <a:rPr lang="en-ID" b="0">
-                <a:solidFill>
-                  <a:srgbClr val="0A3069"/>
-                </a:solidFill>
-                <a:effectLst/>
-                <a:latin typeface="Consolas" panose="020B0609020204030204" pitchFamily="49" charset="0"/>
-              </a:rPr>
-              <a:t>"</a:t>
-            </a:r>
-            <a:r>
-              <a:rPr lang="en-ID" b="0">
-                <a:solidFill>
-                  <a:srgbClr val="1F2328"/>
-                </a:solidFill>
-                <a:effectLst/>
-                <a:latin typeface="Consolas" panose="020B0609020204030204" pitchFamily="49" charset="0"/>
-              </a:rPr>
-              <a:t>.</a:t>
-            </a:r>
-            <a:r>
-              <a:rPr lang="en-ID" b="0">
-                <a:solidFill>
-                  <a:srgbClr val="8250DF"/>
-                </a:solidFill>
-                <a:effectLst/>
-                <a:latin typeface="Consolas" panose="020B0609020204030204" pitchFamily="49" charset="0"/>
-              </a:rPr>
-              <a:t>format</a:t>
-            </a:r>
-            <a:r>
-              <a:rPr lang="en-ID" b="0">
-                <a:solidFill>
-                  <a:srgbClr val="1F2328"/>
-                </a:solidFill>
-                <a:effectLst/>
-                <a:latin typeface="Consolas" panose="020B0609020204030204" pitchFamily="49" charset="0"/>
-              </a:rPr>
-              <a:t>(zakat))</a:t>
-            </a:r>
+            <a:pPr algn="ctr"/>
+            <a:endParaRPr lang="en-ID"/>
           </a:p>
         </p:txBody>
       </p:sp>
     </p:spTree>
     <p:extLst>
       <p:ext uri="{BB962C8B-B14F-4D97-AF65-F5344CB8AC3E}">
-        <p14:creationId xmlns:p14="http://schemas.microsoft.com/office/powerpoint/2010/main" val="1856238074"/>
+        <p14:creationId xmlns:p14="http://schemas.microsoft.com/office/powerpoint/2010/main" val="455242210"/>
       </p:ext>
     </p:extLst>
   </p:cSld>
@@ -7596,6 +10927,7 @@
           <a:bodyPr/>
           <a:lstStyle/>
           <a:p>
+            <a:pPr algn="ctr"/>
             <a:r>
               <a:rPr lang="en-US"/>
               <a:t>Python – Selection</a:t>
@@ -7618,8 +10950,8 @@
         </p:nvSpPr>
         <p:spPr>
           <a:xfrm>
-            <a:off x="221226" y="1690688"/>
-            <a:ext cx="6107372" cy="4524315"/>
+            <a:off x="2043917" y="1690688"/>
+            <a:ext cx="8123830" cy="3785652"/>
           </a:xfrm>
           <a:prstGeom prst="rect">
             <a:avLst/>
@@ -7652,7 +10984,7 @@
           <a:lstStyle/>
           <a:p>
             <a:r>
-              <a:rPr lang="en-ID" b="0">
+              <a:rPr lang="en-ID" sz="1500" b="0">
                 <a:solidFill>
                   <a:srgbClr val="6E7781"/>
                 </a:solidFill>
@@ -7661,7 +10993,7 @@
               </a:rPr>
               <a:t># PROGRAM GanjilGenap.py</a:t>
             </a:r>
-            <a:endParaRPr lang="en-ID" b="0">
+            <a:endParaRPr lang="en-ID" sz="1500" b="0">
               <a:solidFill>
                 <a:srgbClr val="1F2328"/>
               </a:solidFill>
@@ -7671,7 +11003,7 @@
           </a:p>
           <a:p>
             <a:br>
-              <a:rPr lang="en-ID" b="0">
+              <a:rPr lang="en-ID" sz="1500" b="0">
                 <a:solidFill>
                   <a:srgbClr val="1F2328"/>
                 </a:solidFill>
@@ -7680,7 +11012,7 @@
               </a:rPr>
             </a:br>
             <a:r>
-              <a:rPr lang="en-ID" b="0">
+              <a:rPr lang="en-ID" sz="1500" b="0">
                 <a:solidFill>
                   <a:srgbClr val="6E7781"/>
                 </a:solidFill>
@@ -7689,7 +11021,7 @@
               </a:rPr>
               <a:t># main method</a:t>
             </a:r>
-            <a:endParaRPr lang="en-ID" b="0">
+            <a:endParaRPr lang="en-ID" sz="1500" b="0">
               <a:solidFill>
                 <a:srgbClr val="1F2328"/>
               </a:solidFill>
@@ -7699,7 +11031,7 @@
           </a:p>
           <a:p>
             <a:r>
-              <a:rPr lang="en-ID" b="0">
+              <a:rPr lang="en-ID" sz="1500" b="0">
                 <a:solidFill>
                   <a:srgbClr val="CF222E"/>
                 </a:solidFill>
@@ -7709,7 +11041,7 @@
               <a:t>if</a:t>
             </a:r>
             <a:r>
-              <a:rPr lang="en-ID" b="0">
+              <a:rPr lang="en-ID" sz="1500" b="0">
                 <a:solidFill>
                   <a:srgbClr val="1F2328"/>
                 </a:solidFill>
@@ -7719,7 +11051,7 @@
               <a:t> __name__ </a:t>
             </a:r>
             <a:r>
-              <a:rPr lang="en-ID" b="0">
+              <a:rPr lang="en-ID" sz="1500" b="0">
                 <a:solidFill>
                   <a:srgbClr val="CF222E"/>
                 </a:solidFill>
@@ -7729,7 +11061,7 @@
               <a:t>==</a:t>
             </a:r>
             <a:r>
-              <a:rPr lang="en-ID" b="0">
+              <a:rPr lang="en-ID" sz="1500" b="0">
                 <a:solidFill>
                   <a:srgbClr val="1F2328"/>
                 </a:solidFill>
@@ -7739,7 +11071,7 @@
               <a:t> </a:t>
             </a:r>
             <a:r>
-              <a:rPr lang="en-ID" b="0">
+              <a:rPr lang="en-ID" sz="1500" b="0">
                 <a:solidFill>
                   <a:srgbClr val="0A3069"/>
                 </a:solidFill>
@@ -7749,7 +11081,7 @@
               <a:t>"__main__"</a:t>
             </a:r>
             <a:r>
-              <a:rPr lang="en-ID" b="0">
+              <a:rPr lang="en-ID" sz="1500" b="0">
                 <a:solidFill>
                   <a:srgbClr val="1F2328"/>
                 </a:solidFill>
@@ -7761,7 +11093,7 @@
           </a:p>
           <a:p>
             <a:br>
-              <a:rPr lang="en-ID" b="0">
+              <a:rPr lang="en-ID" sz="1500" b="0">
                 <a:solidFill>
                   <a:srgbClr val="1F2328"/>
                 </a:solidFill>
@@ -7770,7 +11102,7 @@
               </a:rPr>
             </a:br>
             <a:r>
-              <a:rPr lang="en-ID" b="0">
+              <a:rPr lang="en-ID" sz="1500" b="0">
                 <a:solidFill>
                   <a:srgbClr val="1F2328"/>
                 </a:solidFill>
@@ -7780,7 +11112,7 @@
               <a:t>  </a:t>
             </a:r>
             <a:r>
-              <a:rPr lang="en-ID" b="0">
+              <a:rPr lang="en-ID" sz="1500" b="0">
                 <a:solidFill>
                   <a:srgbClr val="6E7781"/>
                 </a:solidFill>
@@ -7789,7 +11121,7 @@
               </a:rPr>
               <a:t># input program</a:t>
             </a:r>
-            <a:endParaRPr lang="en-ID" b="0">
+            <a:endParaRPr lang="en-ID" sz="1500" b="0">
               <a:solidFill>
                 <a:srgbClr val="1F2328"/>
               </a:solidFill>
@@ -7799,7 +11131,7 @@
           </a:p>
           <a:p>
             <a:r>
-              <a:rPr lang="en-ID" b="0">
+              <a:rPr lang="en-ID" sz="1500" b="0">
                 <a:solidFill>
                   <a:srgbClr val="1F2328"/>
                 </a:solidFill>
@@ -7809,7 +11141,7 @@
               <a:t>  bilangan </a:t>
             </a:r>
             <a:r>
-              <a:rPr lang="en-ID" b="0">
+              <a:rPr lang="en-ID" sz="1500" b="0">
                 <a:solidFill>
                   <a:srgbClr val="CF222E"/>
                 </a:solidFill>
@@ -7819,7 +11151,7 @@
               <a:t>=</a:t>
             </a:r>
             <a:r>
-              <a:rPr lang="en-ID" b="0">
+              <a:rPr lang="en-ID" sz="1500" b="0">
                 <a:solidFill>
                   <a:srgbClr val="1F2328"/>
                 </a:solidFill>
@@ -7829,7 +11161,7 @@
               <a:t> </a:t>
             </a:r>
             <a:r>
-              <a:rPr lang="en-ID" b="0">
+              <a:rPr lang="en-ID" sz="1500" b="0">
                 <a:solidFill>
                   <a:srgbClr val="953800"/>
                 </a:solidFill>
@@ -7839,7 +11171,7 @@
               <a:t>int</a:t>
             </a:r>
             <a:r>
-              <a:rPr lang="en-ID" b="0">
+              <a:rPr lang="en-ID" sz="1500" b="0">
                 <a:solidFill>
                   <a:srgbClr val="1F2328"/>
                 </a:solidFill>
@@ -7849,7 +11181,7 @@
               <a:t>(</a:t>
             </a:r>
             <a:r>
-              <a:rPr lang="en-ID" b="0">
+              <a:rPr lang="en-ID" sz="1500" b="0">
                 <a:solidFill>
                   <a:srgbClr val="8250DF"/>
                 </a:solidFill>
@@ -7859,7 +11191,7 @@
               <a:t>input</a:t>
             </a:r>
             <a:r>
-              <a:rPr lang="en-ID" b="0">
+              <a:rPr lang="en-ID" sz="1500" b="0">
                 <a:solidFill>
                   <a:srgbClr val="1F2328"/>
                 </a:solidFill>
@@ -7869,7 +11201,7 @@
               <a:t>(</a:t>
             </a:r>
             <a:r>
-              <a:rPr lang="en-ID" b="0">
+              <a:rPr lang="en-ID" sz="1500" b="0">
                 <a:solidFill>
                   <a:srgbClr val="0A3069"/>
                 </a:solidFill>
@@ -7879,7 +11211,7 @@
               <a:t>"Masukan bilangan : "</a:t>
             </a:r>
             <a:r>
-              <a:rPr lang="en-ID" b="0">
+              <a:rPr lang="en-ID" sz="1500" b="0">
                 <a:solidFill>
                   <a:srgbClr val="1F2328"/>
                 </a:solidFill>
@@ -7891,7 +11223,7 @@
           </a:p>
           <a:p>
             <a:br>
-              <a:rPr lang="en-ID" b="0">
+              <a:rPr lang="en-ID" sz="1500" b="0">
                 <a:solidFill>
                   <a:srgbClr val="1F2328"/>
                 </a:solidFill>
@@ -7900,7 +11232,7 @@
               </a:rPr>
             </a:br>
             <a:r>
-              <a:rPr lang="en-ID" b="0">
+              <a:rPr lang="en-ID" sz="1500" b="0">
                 <a:solidFill>
                   <a:srgbClr val="1F2328"/>
                 </a:solidFill>
@@ -7910,7 +11242,7 @@
               <a:t>  </a:t>
             </a:r>
             <a:r>
-              <a:rPr lang="en-ID" b="0">
+              <a:rPr lang="en-ID" sz="1500" b="0">
                 <a:solidFill>
                   <a:srgbClr val="6E7781"/>
                 </a:solidFill>
@@ -7919,7 +11251,7 @@
               </a:rPr>
               <a:t># proses program</a:t>
             </a:r>
-            <a:endParaRPr lang="en-ID" b="0">
+            <a:endParaRPr lang="en-ID" sz="1500" b="0">
               <a:solidFill>
                 <a:srgbClr val="1F2328"/>
               </a:solidFill>
@@ -7929,7 +11261,7 @@
           </a:p>
           <a:p>
             <a:r>
-              <a:rPr lang="en-ID" b="0">
+              <a:rPr lang="en-ID" sz="1500" b="0">
                 <a:solidFill>
                   <a:srgbClr val="1F2328"/>
                 </a:solidFill>
@@ -7939,7 +11271,7 @@
               <a:t>  </a:t>
             </a:r>
             <a:r>
-              <a:rPr lang="en-ID" b="0">
+              <a:rPr lang="en-ID" sz="1500" b="0">
                 <a:solidFill>
                   <a:srgbClr val="CF222E"/>
                 </a:solidFill>
@@ -7949,7 +11281,7 @@
               <a:t>if</a:t>
             </a:r>
             <a:r>
-              <a:rPr lang="en-ID" b="0">
+              <a:rPr lang="en-ID" sz="1500" b="0">
                 <a:solidFill>
                   <a:srgbClr val="1F2328"/>
                 </a:solidFill>
@@ -7959,7 +11291,7 @@
               <a:t> bilangan </a:t>
             </a:r>
             <a:r>
-              <a:rPr lang="en-ID" b="0">
+              <a:rPr lang="en-ID" sz="1500" b="0">
                 <a:solidFill>
                   <a:srgbClr val="CF222E"/>
                 </a:solidFill>
@@ -7969,7 +11301,7 @@
               <a:t>%</a:t>
             </a:r>
             <a:r>
-              <a:rPr lang="en-ID" b="0">
+              <a:rPr lang="en-ID" sz="1500" b="0">
                 <a:solidFill>
                   <a:srgbClr val="1F2328"/>
                 </a:solidFill>
@@ -7979,7 +11311,7 @@
               <a:t> </a:t>
             </a:r>
             <a:r>
-              <a:rPr lang="en-ID" b="0">
+              <a:rPr lang="en-ID" sz="1500" b="0">
                 <a:solidFill>
                   <a:srgbClr val="0550AE"/>
                 </a:solidFill>
@@ -7989,7 +11321,7 @@
               <a:t>2</a:t>
             </a:r>
             <a:r>
-              <a:rPr lang="en-ID" b="0">
+              <a:rPr lang="en-ID" sz="1500" b="0">
                 <a:solidFill>
                   <a:srgbClr val="1F2328"/>
                 </a:solidFill>
@@ -7999,7 +11331,7 @@
               <a:t> </a:t>
             </a:r>
             <a:r>
-              <a:rPr lang="en-ID" b="0">
+              <a:rPr lang="en-ID" sz="1500" b="0">
                 <a:solidFill>
                   <a:srgbClr val="CF222E"/>
                 </a:solidFill>
@@ -8009,7 +11341,7 @@
               <a:t>==</a:t>
             </a:r>
             <a:r>
-              <a:rPr lang="en-ID" b="0">
+              <a:rPr lang="en-ID" sz="1500" b="0">
                 <a:solidFill>
                   <a:srgbClr val="1F2328"/>
                 </a:solidFill>
@@ -8019,7 +11351,7 @@
               <a:t> </a:t>
             </a:r>
             <a:r>
-              <a:rPr lang="en-ID" b="0">
+              <a:rPr lang="en-ID" sz="1500" b="0">
                 <a:solidFill>
                   <a:srgbClr val="0550AE"/>
                 </a:solidFill>
@@ -8029,7 +11361,7 @@
               <a:t>0</a:t>
             </a:r>
             <a:r>
-              <a:rPr lang="en-ID" b="0">
+              <a:rPr lang="en-ID" sz="1500" b="0">
                 <a:solidFill>
                   <a:srgbClr val="1F2328"/>
                 </a:solidFill>
@@ -8041,7 +11373,7 @@
           </a:p>
           <a:p>
             <a:r>
-              <a:rPr lang="en-ID" b="0">
+              <a:rPr lang="en-ID" sz="1500" b="0">
                 <a:solidFill>
                   <a:srgbClr val="1F2328"/>
                 </a:solidFill>
@@ -8051,7 +11383,7 @@
               <a:t>    </a:t>
             </a:r>
             <a:r>
-              <a:rPr lang="en-ID" b="0">
+              <a:rPr lang="en-ID" sz="1500" b="0">
                 <a:solidFill>
                   <a:srgbClr val="6E7781"/>
                 </a:solidFill>
@@ -8060,7 +11392,7 @@
               </a:rPr>
               <a:t># output program</a:t>
             </a:r>
-            <a:endParaRPr lang="en-ID" b="0">
+            <a:endParaRPr lang="en-ID" sz="1500" b="0">
               <a:solidFill>
                 <a:srgbClr val="1F2328"/>
               </a:solidFill>
@@ -8070,7 +11402,7 @@
           </a:p>
           <a:p>
             <a:r>
-              <a:rPr lang="en-ID" b="0">
+              <a:rPr lang="en-ID" sz="1500" b="0">
                 <a:solidFill>
                   <a:srgbClr val="1F2328"/>
                 </a:solidFill>
@@ -8080,7 +11412,7 @@
               <a:t>    </a:t>
             </a:r>
             <a:r>
-              <a:rPr lang="en-ID" b="0">
+              <a:rPr lang="en-ID" sz="1500" b="0">
                 <a:solidFill>
                   <a:srgbClr val="8250DF"/>
                 </a:solidFill>
@@ -8090,7 +11422,7 @@
               <a:t>print</a:t>
             </a:r>
             <a:r>
-              <a:rPr lang="en-ID" b="0">
+              <a:rPr lang="en-ID" sz="1500" b="0">
                 <a:solidFill>
                   <a:srgbClr val="1F2328"/>
                 </a:solidFill>
@@ -8100,7 +11432,7 @@
               <a:t>(</a:t>
             </a:r>
             <a:r>
-              <a:rPr lang="en-ID" b="0">
+              <a:rPr lang="en-ID" sz="1500" b="0">
                 <a:solidFill>
                   <a:srgbClr val="0A3069"/>
                 </a:solidFill>
@@ -8110,7 +11442,7 @@
               <a:t>"Bilangan Genap"</a:t>
             </a:r>
             <a:r>
-              <a:rPr lang="en-ID" b="0">
+              <a:rPr lang="en-ID" sz="1500" b="0">
                 <a:solidFill>
                   <a:srgbClr val="1F2328"/>
                 </a:solidFill>
@@ -8121,7 +11453,7 @@
             </a:r>
           </a:p>
           <a:p>
-            <a:endParaRPr lang="en-ID">
+            <a:endParaRPr lang="en-ID" sz="1500">
               <a:solidFill>
                 <a:srgbClr val="1F2328"/>
               </a:solidFill>
@@ -8130,7 +11462,7 @@
           </a:p>
           <a:p>
             <a:r>
-              <a:rPr lang="en-ID" b="0">
+              <a:rPr lang="en-ID" sz="1500" b="0">
                 <a:solidFill>
                   <a:srgbClr val="1F2328"/>
                 </a:solidFill>
@@ -8140,7 +11472,7 @@
               <a:t>  </a:t>
             </a:r>
             <a:r>
-              <a:rPr lang="en-ID" b="0">
+              <a:rPr lang="en-ID" sz="1500" b="0">
                 <a:solidFill>
                   <a:srgbClr val="CF222E"/>
                 </a:solidFill>
@@ -8150,7 +11482,7 @@
               <a:t>else</a:t>
             </a:r>
             <a:r>
-              <a:rPr lang="en-ID" b="0">
+              <a:rPr lang="en-ID" sz="1500" b="0">
                 <a:solidFill>
                   <a:srgbClr val="1F2328"/>
                 </a:solidFill>
@@ -8162,7 +11494,7 @@
           </a:p>
           <a:p>
             <a:r>
-              <a:rPr lang="en-ID" b="0">
+              <a:rPr lang="en-ID" sz="1500" b="0">
                 <a:solidFill>
                   <a:srgbClr val="1F2328"/>
                 </a:solidFill>
@@ -8172,7 +11504,7 @@
               <a:t>    </a:t>
             </a:r>
             <a:r>
-              <a:rPr lang="en-ID" b="0">
+              <a:rPr lang="en-ID" sz="1500" b="0">
                 <a:solidFill>
                   <a:srgbClr val="6E7781"/>
                 </a:solidFill>
@@ -8181,7 +11513,7 @@
               </a:rPr>
               <a:t># output program</a:t>
             </a:r>
-            <a:endParaRPr lang="en-ID" b="0">
+            <a:endParaRPr lang="en-ID" sz="1500" b="0">
               <a:solidFill>
                 <a:srgbClr val="1F2328"/>
               </a:solidFill>
@@ -8191,7 +11523,7 @@
           </a:p>
           <a:p>
             <a:r>
-              <a:rPr lang="en-ID" b="0">
+              <a:rPr lang="en-ID" sz="1500" b="0">
                 <a:solidFill>
                   <a:srgbClr val="1F2328"/>
                 </a:solidFill>
@@ -8201,7 +11533,7 @@
               <a:t>    </a:t>
             </a:r>
             <a:r>
-              <a:rPr lang="en-ID" b="0">
+              <a:rPr lang="en-ID" sz="1500" b="0">
                 <a:solidFill>
                   <a:srgbClr val="8250DF"/>
                 </a:solidFill>
@@ -8211,7 +11543,7 @@
               <a:t>print</a:t>
             </a:r>
             <a:r>
-              <a:rPr lang="en-ID" b="0">
+              <a:rPr lang="en-ID" sz="1500" b="0">
                 <a:solidFill>
                   <a:srgbClr val="1F2328"/>
                 </a:solidFill>
@@ -8221,7 +11553,7 @@
               <a:t>(</a:t>
             </a:r>
             <a:r>
-              <a:rPr lang="en-ID" b="0">
+              <a:rPr lang="en-ID" sz="1500" b="0">
                 <a:solidFill>
                   <a:srgbClr val="0A3069"/>
                 </a:solidFill>
@@ -8231,7 +11563,7 @@
               <a:t>"Bilangan Ganjil"</a:t>
             </a:r>
             <a:r>
-              <a:rPr lang="en-ID" b="0">
+              <a:rPr lang="en-ID" sz="1500" b="0">
                 <a:solidFill>
                   <a:srgbClr val="1F2328"/>
                 </a:solidFill>

--- a/dokumentasi ppt/Pertemuan 1 – Pengantar Bahasa Python.pptx
+++ b/dokumentasi ppt/Pertemuan 1 – Pengantar Bahasa Python.pptx
@@ -212,7 +212,7 @@
           <a:p>
             <a:fld id="{4D946EBF-1817-442E-86AF-7BE04FBA80C7}" type="datetimeFigureOut">
               <a:rPr lang="en-ID" smtClean="0"/>
-              <a:t>21/09/2024</a:t>
+              <a:t>24/09/2024</a:t>
             </a:fld>
             <a:endParaRPr lang="en-ID"/>
           </a:p>
@@ -797,7 +797,7 @@
           <a:p>
             <a:fld id="{0360BD6B-7546-4394-B4AB-1FCA1312F3BA}" type="datetimeFigureOut">
               <a:rPr lang="en-ID" smtClean="0"/>
-              <a:t>21/09/2024</a:t>
+              <a:t>24/09/2024</a:t>
             </a:fld>
             <a:endParaRPr lang="en-ID"/>
           </a:p>
@@ -997,7 +997,7 @@
           <a:p>
             <a:fld id="{0360BD6B-7546-4394-B4AB-1FCA1312F3BA}" type="datetimeFigureOut">
               <a:rPr lang="en-ID" smtClean="0"/>
-              <a:t>21/09/2024</a:t>
+              <a:t>24/09/2024</a:t>
             </a:fld>
             <a:endParaRPr lang="en-ID"/>
           </a:p>
@@ -1207,7 +1207,7 @@
           <a:p>
             <a:fld id="{0360BD6B-7546-4394-B4AB-1FCA1312F3BA}" type="datetimeFigureOut">
               <a:rPr lang="en-ID" smtClean="0"/>
-              <a:t>21/09/2024</a:t>
+              <a:t>24/09/2024</a:t>
             </a:fld>
             <a:endParaRPr lang="en-ID"/>
           </a:p>
@@ -1407,7 +1407,7 @@
           <a:p>
             <a:fld id="{0360BD6B-7546-4394-B4AB-1FCA1312F3BA}" type="datetimeFigureOut">
               <a:rPr lang="en-ID" smtClean="0"/>
-              <a:t>21/09/2024</a:t>
+              <a:t>24/09/2024</a:t>
             </a:fld>
             <a:endParaRPr lang="en-ID"/>
           </a:p>
@@ -1683,7 +1683,7 @@
           <a:p>
             <a:fld id="{0360BD6B-7546-4394-B4AB-1FCA1312F3BA}" type="datetimeFigureOut">
               <a:rPr lang="en-ID" smtClean="0"/>
-              <a:t>21/09/2024</a:t>
+              <a:t>24/09/2024</a:t>
             </a:fld>
             <a:endParaRPr lang="en-ID"/>
           </a:p>
@@ -1951,7 +1951,7 @@
           <a:p>
             <a:fld id="{0360BD6B-7546-4394-B4AB-1FCA1312F3BA}" type="datetimeFigureOut">
               <a:rPr lang="en-ID" smtClean="0"/>
-              <a:t>21/09/2024</a:t>
+              <a:t>24/09/2024</a:t>
             </a:fld>
             <a:endParaRPr lang="en-ID"/>
           </a:p>
@@ -2366,7 +2366,7 @@
           <a:p>
             <a:fld id="{0360BD6B-7546-4394-B4AB-1FCA1312F3BA}" type="datetimeFigureOut">
               <a:rPr lang="en-ID" smtClean="0"/>
-              <a:t>21/09/2024</a:t>
+              <a:t>24/09/2024</a:t>
             </a:fld>
             <a:endParaRPr lang="en-ID"/>
           </a:p>
@@ -2508,7 +2508,7 @@
           <a:p>
             <a:fld id="{0360BD6B-7546-4394-B4AB-1FCA1312F3BA}" type="datetimeFigureOut">
               <a:rPr lang="en-ID" smtClean="0"/>
-              <a:t>21/09/2024</a:t>
+              <a:t>24/09/2024</a:t>
             </a:fld>
             <a:endParaRPr lang="en-ID"/>
           </a:p>
@@ -2621,7 +2621,7 @@
           <a:p>
             <a:fld id="{0360BD6B-7546-4394-B4AB-1FCA1312F3BA}" type="datetimeFigureOut">
               <a:rPr lang="en-ID" smtClean="0"/>
-              <a:t>21/09/2024</a:t>
+              <a:t>24/09/2024</a:t>
             </a:fld>
             <a:endParaRPr lang="en-ID"/>
           </a:p>
@@ -2934,7 +2934,7 @@
           <a:p>
             <a:fld id="{0360BD6B-7546-4394-B4AB-1FCA1312F3BA}" type="datetimeFigureOut">
               <a:rPr lang="en-ID" smtClean="0"/>
-              <a:t>21/09/2024</a:t>
+              <a:t>24/09/2024</a:t>
             </a:fld>
             <a:endParaRPr lang="en-ID"/>
           </a:p>
@@ -3223,7 +3223,7 @@
           <a:p>
             <a:fld id="{0360BD6B-7546-4394-B4AB-1FCA1312F3BA}" type="datetimeFigureOut">
               <a:rPr lang="en-ID" smtClean="0"/>
-              <a:t>21/09/2024</a:t>
+              <a:t>24/09/2024</a:t>
             </a:fld>
             <a:endParaRPr lang="en-ID"/>
           </a:p>
@@ -3466,7 +3466,7 @@
           <a:p>
             <a:fld id="{0360BD6B-7546-4394-B4AB-1FCA1312F3BA}" type="datetimeFigureOut">
               <a:rPr lang="en-ID" smtClean="0"/>
-              <a:t>21/09/2024</a:t>
+              <a:t>24/09/2024</a:t>
             </a:fld>
             <a:endParaRPr lang="en-ID"/>
           </a:p>

--- a/dokumentasi ppt/Pertemuan 1 – Pengantar Bahasa Python.pptx
+++ b/dokumentasi ppt/Pertemuan 1 – Pengantar Bahasa Python.pptx
@@ -5,7 +5,7 @@
     <p:sldMasterId id="2147483648" r:id="rId1"/>
   </p:sldMasterIdLst>
   <p:notesMasterIdLst>
-    <p:notesMasterId r:id="rId18"/>
+    <p:notesMasterId r:id="rId17"/>
   </p:notesMasterIdLst>
   <p:sldIdLst>
     <p:sldId id="256" r:id="rId2"/>
@@ -22,8 +22,7 @@
     <p:sldId id="271" r:id="rId13"/>
     <p:sldId id="270" r:id="rId14"/>
     <p:sldId id="272" r:id="rId15"/>
-    <p:sldId id="273" r:id="rId16"/>
-    <p:sldId id="267" r:id="rId17"/>
+    <p:sldId id="267" r:id="rId16"/>
   </p:sldIdLst>
   <p:sldSz cx="12192000" cy="6858000"/>
   <p:notesSz cx="6858000" cy="9144000"/>
@@ -212,7 +211,7 @@
           <a:p>
             <a:fld id="{4D946EBF-1817-442E-86AF-7BE04FBA80C7}" type="datetimeFigureOut">
               <a:rPr lang="en-ID" smtClean="0"/>
-              <a:t>24/09/2024</a:t>
+              <a:t>04/01/2025</a:t>
             </a:fld>
             <a:endParaRPr lang="en-ID"/>
           </a:p>
@@ -797,7 +796,7 @@
           <a:p>
             <a:fld id="{0360BD6B-7546-4394-B4AB-1FCA1312F3BA}" type="datetimeFigureOut">
               <a:rPr lang="en-ID" smtClean="0"/>
-              <a:t>24/09/2024</a:t>
+              <a:t>04/01/2025</a:t>
             </a:fld>
             <a:endParaRPr lang="en-ID"/>
           </a:p>
@@ -997,7 +996,7 @@
           <a:p>
             <a:fld id="{0360BD6B-7546-4394-B4AB-1FCA1312F3BA}" type="datetimeFigureOut">
               <a:rPr lang="en-ID" smtClean="0"/>
-              <a:t>24/09/2024</a:t>
+              <a:t>04/01/2025</a:t>
             </a:fld>
             <a:endParaRPr lang="en-ID"/>
           </a:p>
@@ -1207,7 +1206,7 @@
           <a:p>
             <a:fld id="{0360BD6B-7546-4394-B4AB-1FCA1312F3BA}" type="datetimeFigureOut">
               <a:rPr lang="en-ID" smtClean="0"/>
-              <a:t>24/09/2024</a:t>
+              <a:t>04/01/2025</a:t>
             </a:fld>
             <a:endParaRPr lang="en-ID"/>
           </a:p>
@@ -1407,7 +1406,7 @@
           <a:p>
             <a:fld id="{0360BD6B-7546-4394-B4AB-1FCA1312F3BA}" type="datetimeFigureOut">
               <a:rPr lang="en-ID" smtClean="0"/>
-              <a:t>24/09/2024</a:t>
+              <a:t>04/01/2025</a:t>
             </a:fld>
             <a:endParaRPr lang="en-ID"/>
           </a:p>
@@ -1683,7 +1682,7 @@
           <a:p>
             <a:fld id="{0360BD6B-7546-4394-B4AB-1FCA1312F3BA}" type="datetimeFigureOut">
               <a:rPr lang="en-ID" smtClean="0"/>
-              <a:t>24/09/2024</a:t>
+              <a:t>04/01/2025</a:t>
             </a:fld>
             <a:endParaRPr lang="en-ID"/>
           </a:p>
@@ -1951,7 +1950,7 @@
           <a:p>
             <a:fld id="{0360BD6B-7546-4394-B4AB-1FCA1312F3BA}" type="datetimeFigureOut">
               <a:rPr lang="en-ID" smtClean="0"/>
-              <a:t>24/09/2024</a:t>
+              <a:t>04/01/2025</a:t>
             </a:fld>
             <a:endParaRPr lang="en-ID"/>
           </a:p>
@@ -2366,7 +2365,7 @@
           <a:p>
             <a:fld id="{0360BD6B-7546-4394-B4AB-1FCA1312F3BA}" type="datetimeFigureOut">
               <a:rPr lang="en-ID" smtClean="0"/>
-              <a:t>24/09/2024</a:t>
+              <a:t>04/01/2025</a:t>
             </a:fld>
             <a:endParaRPr lang="en-ID"/>
           </a:p>
@@ -2508,7 +2507,7 @@
           <a:p>
             <a:fld id="{0360BD6B-7546-4394-B4AB-1FCA1312F3BA}" type="datetimeFigureOut">
               <a:rPr lang="en-ID" smtClean="0"/>
-              <a:t>24/09/2024</a:t>
+              <a:t>04/01/2025</a:t>
             </a:fld>
             <a:endParaRPr lang="en-ID"/>
           </a:p>
@@ -2621,7 +2620,7 @@
           <a:p>
             <a:fld id="{0360BD6B-7546-4394-B4AB-1FCA1312F3BA}" type="datetimeFigureOut">
               <a:rPr lang="en-ID" smtClean="0"/>
-              <a:t>24/09/2024</a:t>
+              <a:t>04/01/2025</a:t>
             </a:fld>
             <a:endParaRPr lang="en-ID"/>
           </a:p>
@@ -2934,7 +2933,7 @@
           <a:p>
             <a:fld id="{0360BD6B-7546-4394-B4AB-1FCA1312F3BA}" type="datetimeFigureOut">
               <a:rPr lang="en-ID" smtClean="0"/>
-              <a:t>24/09/2024</a:t>
+              <a:t>04/01/2025</a:t>
             </a:fld>
             <a:endParaRPr lang="en-ID"/>
           </a:p>
@@ -3223,7 +3222,7 @@
           <a:p>
             <a:fld id="{0360BD6B-7546-4394-B4AB-1FCA1312F3BA}" type="datetimeFigureOut">
               <a:rPr lang="en-ID" smtClean="0"/>
-              <a:t>24/09/2024</a:t>
+              <a:t>04/01/2025</a:t>
             </a:fld>
             <a:endParaRPr lang="en-ID"/>
           </a:p>
@@ -3466,7 +3465,7 @@
           <a:p>
             <a:fld id="{0360BD6B-7546-4394-B4AB-1FCA1312F3BA}" type="datetimeFigureOut">
               <a:rPr lang="en-ID" smtClean="0"/>
-              <a:t>24/09/2024</a:t>
+              <a:t>04/01/2025</a:t>
             </a:fld>
             <a:endParaRPr lang="en-ID"/>
           </a:p>
@@ -7321,828 +7320,6 @@
 </file>
 
 <file path=ppt/slides/slide15.xml><?xml version="1.0" encoding="utf-8"?>
-<p:sld xmlns:a="http://schemas.openxmlformats.org/drawingml/2006/main" xmlns:r="http://schemas.openxmlformats.org/officeDocument/2006/relationships" xmlns:p="http://schemas.openxmlformats.org/presentationml/2006/main">
-  <p:cSld>
-    <p:spTree>
-      <p:nvGrpSpPr>
-        <p:cNvPr id="1" name=""/>
-        <p:cNvGrpSpPr/>
-        <p:nvPr/>
-      </p:nvGrpSpPr>
-      <p:grpSpPr>
-        <a:xfrm>
-          <a:off x="0" y="0"/>
-          <a:ext cx="0" cy="0"/>
-          <a:chOff x="0" y="0"/>
-          <a:chExt cx="0" cy="0"/>
-        </a:xfrm>
-      </p:grpSpPr>
-      <p:sp>
-        <p:nvSpPr>
-          <p:cNvPr id="2" name="Title 1">
-            <a:extLst>
-              <a:ext uri="{FF2B5EF4-FFF2-40B4-BE49-F238E27FC236}">
-                <a16:creationId xmlns:a16="http://schemas.microsoft.com/office/drawing/2014/main" id="{5BE75103-4EB9-997E-68E8-2BFB498FB22C}"/>
-              </a:ext>
-            </a:extLst>
-          </p:cNvPr>
-          <p:cNvSpPr>
-            <a:spLocks noGrp="1"/>
-          </p:cNvSpPr>
-          <p:nvPr>
-            <p:ph type="title"/>
-          </p:nvPr>
-        </p:nvSpPr>
-        <p:spPr>
-          <a:xfrm>
-            <a:off x="221226" y="365125"/>
-            <a:ext cx="11769212" cy="1325563"/>
-          </a:xfrm>
-        </p:spPr>
-        <p:txBody>
-          <a:bodyPr/>
-          <a:lstStyle/>
-          <a:p>
-            <a:pPr algn="ctr"/>
-            <a:r>
-              <a:rPr lang="en-US"/>
-              <a:t>Python – Function</a:t>
-            </a:r>
-            <a:endParaRPr lang="en-ID"/>
-          </a:p>
-        </p:txBody>
-      </p:sp>
-      <p:sp>
-        <p:nvSpPr>
-          <p:cNvPr id="6" name="Rectangle 5">
-            <a:extLst>
-              <a:ext uri="{FF2B5EF4-FFF2-40B4-BE49-F238E27FC236}">
-                <a16:creationId xmlns:a16="http://schemas.microsoft.com/office/drawing/2014/main" id="{A04EAC0C-EF9A-5A6A-8471-812DF50E692B}"/>
-              </a:ext>
-            </a:extLst>
-          </p:cNvPr>
-          <p:cNvSpPr/>
-          <p:nvPr/>
-        </p:nvSpPr>
-        <p:spPr>
-          <a:xfrm>
-            <a:off x="0" y="6492875"/>
-            <a:ext cx="12191999" cy="365124"/>
-          </a:xfrm>
-          <a:prstGeom prst="rect">
-            <a:avLst/>
-          </a:prstGeom>
-        </p:spPr>
-        <p:style>
-          <a:lnRef idx="2">
-            <a:schemeClr val="accent1">
-              <a:shade val="15000"/>
-            </a:schemeClr>
-          </a:lnRef>
-          <a:fillRef idx="1">
-            <a:schemeClr val="accent1"/>
-          </a:fillRef>
-          <a:effectRef idx="0">
-            <a:schemeClr val="accent1"/>
-          </a:effectRef>
-          <a:fontRef idx="minor">
-            <a:schemeClr val="lt1"/>
-          </a:fontRef>
-        </p:style>
-        <p:txBody>
-          <a:bodyPr rtlCol="0" anchor="ctr"/>
-          <a:lstStyle/>
-          <a:p>
-            <a:pPr algn="ctr"/>
-            <a:endParaRPr lang="en-ID"/>
-          </a:p>
-        </p:txBody>
-      </p:sp>
-      <p:sp>
-        <p:nvSpPr>
-          <p:cNvPr id="7" name="TextBox 6">
-            <a:extLst>
-              <a:ext uri="{FF2B5EF4-FFF2-40B4-BE49-F238E27FC236}">
-                <a16:creationId xmlns:a16="http://schemas.microsoft.com/office/drawing/2014/main" id="{FC9822B0-EC3F-B539-C6E8-2567E51C5866}"/>
-              </a:ext>
-            </a:extLst>
-          </p:cNvPr>
-          <p:cNvSpPr txBox="1"/>
-          <p:nvPr/>
-        </p:nvSpPr>
-        <p:spPr>
-          <a:xfrm>
-            <a:off x="2043917" y="1704976"/>
-            <a:ext cx="8123830" cy="3554819"/>
-          </a:xfrm>
-          <a:prstGeom prst="rect">
-            <a:avLst/>
-          </a:prstGeom>
-          <a:solidFill>
-            <a:schemeClr val="accent4">
-              <a:lumMod val="20000"/>
-              <a:lumOff val="80000"/>
-            </a:schemeClr>
-          </a:solidFill>
-        </p:spPr>
-        <p:style>
-          <a:lnRef idx="2">
-            <a:schemeClr val="dk1"/>
-          </a:lnRef>
-          <a:fillRef idx="1">
-            <a:schemeClr val="lt1"/>
-          </a:fillRef>
-          <a:effectRef idx="0">
-            <a:schemeClr val="dk1"/>
-          </a:effectRef>
-          <a:fontRef idx="minor">
-            <a:schemeClr val="dk1"/>
-          </a:fontRef>
-        </p:style>
-        <p:txBody>
-          <a:bodyPr wrap="square">
-            <a:spAutoFit/>
-          </a:bodyPr>
-          <a:lstStyle/>
-          <a:p>
-            <a:r>
-              <a:rPr lang="en-ID" sz="1500" b="0">
-                <a:solidFill>
-                  <a:srgbClr val="6A737D"/>
-                </a:solidFill>
-                <a:effectLst/>
-                <a:latin typeface="Consolas" panose="020B0609020204030204" pitchFamily="49" charset="0"/>
-              </a:rPr>
-              <a:t># PROGRAM Faktorial.py</a:t>
-            </a:r>
-            <a:endParaRPr lang="en-ID" sz="1500" b="0">
-              <a:solidFill>
-                <a:srgbClr val="24292E"/>
-              </a:solidFill>
-              <a:effectLst/>
-              <a:latin typeface="Consolas" panose="020B0609020204030204" pitchFamily="49" charset="0"/>
-            </a:endParaRPr>
-          </a:p>
-          <a:p>
-            <a:br>
-              <a:rPr lang="en-ID" sz="1500" b="0">
-                <a:solidFill>
-                  <a:srgbClr val="24292E"/>
-                </a:solidFill>
-                <a:effectLst/>
-                <a:latin typeface="Consolas" panose="020B0609020204030204" pitchFamily="49" charset="0"/>
-              </a:rPr>
-            </a:br>
-            <a:r>
-              <a:rPr lang="en-ID" sz="1500" b="0">
-                <a:solidFill>
-                  <a:srgbClr val="6A737D"/>
-                </a:solidFill>
-                <a:effectLst/>
-                <a:latin typeface="Consolas" panose="020B0609020204030204" pitchFamily="49" charset="0"/>
-              </a:rPr>
-              <a:t># main method</a:t>
-            </a:r>
-            <a:endParaRPr lang="en-ID" sz="1500" b="0">
-              <a:solidFill>
-                <a:srgbClr val="24292E"/>
-              </a:solidFill>
-              <a:effectLst/>
-              <a:latin typeface="Consolas" panose="020B0609020204030204" pitchFamily="49" charset="0"/>
-            </a:endParaRPr>
-          </a:p>
-          <a:p>
-            <a:r>
-              <a:rPr lang="en-ID" sz="1500" b="0">
-                <a:solidFill>
-                  <a:srgbClr val="D73A49"/>
-                </a:solidFill>
-                <a:effectLst/>
-                <a:latin typeface="Consolas" panose="020B0609020204030204" pitchFamily="49" charset="0"/>
-              </a:rPr>
-              <a:t>if</a:t>
-            </a:r>
-            <a:r>
-              <a:rPr lang="en-ID" sz="1500" b="0">
-                <a:solidFill>
-                  <a:srgbClr val="24292E"/>
-                </a:solidFill>
-                <a:effectLst/>
-                <a:latin typeface="Consolas" panose="020B0609020204030204" pitchFamily="49" charset="0"/>
-              </a:rPr>
-              <a:t> __name__ </a:t>
-            </a:r>
-            <a:r>
-              <a:rPr lang="en-ID" sz="1500" b="0">
-                <a:solidFill>
-                  <a:srgbClr val="D73A49"/>
-                </a:solidFill>
-                <a:effectLst/>
-                <a:latin typeface="Consolas" panose="020B0609020204030204" pitchFamily="49" charset="0"/>
-              </a:rPr>
-              <a:t>==</a:t>
-            </a:r>
-            <a:r>
-              <a:rPr lang="en-ID" sz="1500" b="0">
-                <a:solidFill>
-                  <a:srgbClr val="24292E"/>
-                </a:solidFill>
-                <a:effectLst/>
-                <a:latin typeface="Consolas" panose="020B0609020204030204" pitchFamily="49" charset="0"/>
-              </a:rPr>
-              <a:t> </a:t>
-            </a:r>
-            <a:r>
-              <a:rPr lang="en-ID" sz="1500" b="0">
-                <a:solidFill>
-                  <a:srgbClr val="032F62"/>
-                </a:solidFill>
-                <a:effectLst/>
-                <a:latin typeface="Consolas" panose="020B0609020204030204" pitchFamily="49" charset="0"/>
-              </a:rPr>
-              <a:t>"__main__"</a:t>
-            </a:r>
-            <a:r>
-              <a:rPr lang="en-ID" sz="1500" b="0">
-                <a:solidFill>
-                  <a:srgbClr val="24292E"/>
-                </a:solidFill>
-                <a:effectLst/>
-                <a:latin typeface="Consolas" panose="020B0609020204030204" pitchFamily="49" charset="0"/>
-              </a:rPr>
-              <a:t>:</a:t>
-            </a:r>
-          </a:p>
-          <a:p>
-            <a:br>
-              <a:rPr lang="en-ID" sz="1500" b="0">
-                <a:solidFill>
-                  <a:srgbClr val="24292E"/>
-                </a:solidFill>
-                <a:effectLst/>
-                <a:latin typeface="Consolas" panose="020B0609020204030204" pitchFamily="49" charset="0"/>
-              </a:rPr>
-            </a:br>
-            <a:r>
-              <a:rPr lang="en-ID" sz="1500" b="0">
-                <a:solidFill>
-                  <a:srgbClr val="24292E"/>
-                </a:solidFill>
-                <a:effectLst/>
-                <a:latin typeface="Consolas" panose="020B0609020204030204" pitchFamily="49" charset="0"/>
-              </a:rPr>
-              <a:t>  </a:t>
-            </a:r>
-            <a:r>
-              <a:rPr lang="en-ID" sz="1500" b="0">
-                <a:solidFill>
-                  <a:srgbClr val="6A737D"/>
-                </a:solidFill>
-                <a:effectLst/>
-                <a:latin typeface="Consolas" panose="020B0609020204030204" pitchFamily="49" charset="0"/>
-              </a:rPr>
-              <a:t># input program</a:t>
-            </a:r>
-            <a:endParaRPr lang="en-ID" sz="1500" b="0">
-              <a:solidFill>
-                <a:srgbClr val="24292E"/>
-              </a:solidFill>
-              <a:effectLst/>
-              <a:latin typeface="Consolas" panose="020B0609020204030204" pitchFamily="49" charset="0"/>
-            </a:endParaRPr>
-          </a:p>
-          <a:p>
-            <a:r>
-              <a:rPr lang="en-ID" sz="1500" b="0">
-                <a:solidFill>
-                  <a:srgbClr val="24292E"/>
-                </a:solidFill>
-                <a:effectLst/>
-                <a:latin typeface="Consolas" panose="020B0609020204030204" pitchFamily="49" charset="0"/>
-              </a:rPr>
-              <a:t>  bilangan </a:t>
-            </a:r>
-            <a:r>
-              <a:rPr lang="en-ID" sz="1500" b="0">
-                <a:solidFill>
-                  <a:srgbClr val="D73A49"/>
-                </a:solidFill>
-                <a:effectLst/>
-                <a:latin typeface="Consolas" panose="020B0609020204030204" pitchFamily="49" charset="0"/>
-              </a:rPr>
-              <a:t>=</a:t>
-            </a:r>
-            <a:r>
-              <a:rPr lang="en-ID" sz="1500" b="0">
-                <a:solidFill>
-                  <a:srgbClr val="24292E"/>
-                </a:solidFill>
-                <a:effectLst/>
-                <a:latin typeface="Consolas" panose="020B0609020204030204" pitchFamily="49" charset="0"/>
-              </a:rPr>
-              <a:t> </a:t>
-            </a:r>
-            <a:r>
-              <a:rPr lang="en-ID" sz="1500" b="0">
-                <a:solidFill>
-                  <a:srgbClr val="6F42C1"/>
-                </a:solidFill>
-                <a:effectLst/>
-                <a:latin typeface="Consolas" panose="020B0609020204030204" pitchFamily="49" charset="0"/>
-              </a:rPr>
-              <a:t>int</a:t>
-            </a:r>
-            <a:r>
-              <a:rPr lang="en-ID" sz="1500" b="0">
-                <a:solidFill>
-                  <a:srgbClr val="24292E"/>
-                </a:solidFill>
-                <a:effectLst/>
-                <a:latin typeface="Consolas" panose="020B0609020204030204" pitchFamily="49" charset="0"/>
-              </a:rPr>
-              <a:t>(</a:t>
-            </a:r>
-            <a:r>
-              <a:rPr lang="en-ID" sz="1500" b="0">
-                <a:solidFill>
-                  <a:srgbClr val="6F42C1"/>
-                </a:solidFill>
-                <a:effectLst/>
-                <a:latin typeface="Consolas" panose="020B0609020204030204" pitchFamily="49" charset="0"/>
-              </a:rPr>
-              <a:t>input</a:t>
-            </a:r>
-            <a:r>
-              <a:rPr lang="en-ID" sz="1500" b="0">
-                <a:solidFill>
-                  <a:srgbClr val="24292E"/>
-                </a:solidFill>
-                <a:effectLst/>
-                <a:latin typeface="Consolas" panose="020B0609020204030204" pitchFamily="49" charset="0"/>
-              </a:rPr>
-              <a:t>(</a:t>
-            </a:r>
-            <a:r>
-              <a:rPr lang="en-ID" sz="1500" b="0">
-                <a:solidFill>
-                  <a:srgbClr val="032F62"/>
-                </a:solidFill>
-                <a:effectLst/>
-                <a:latin typeface="Consolas" panose="020B0609020204030204" pitchFamily="49" charset="0"/>
-              </a:rPr>
-              <a:t>"Masukan sebuah bilangan: "</a:t>
-            </a:r>
-            <a:r>
-              <a:rPr lang="en-ID" sz="1500" b="0">
-                <a:solidFill>
-                  <a:srgbClr val="24292E"/>
-                </a:solidFill>
-                <a:effectLst/>
-                <a:latin typeface="Consolas" panose="020B0609020204030204" pitchFamily="49" charset="0"/>
-              </a:rPr>
-              <a:t>))</a:t>
-            </a:r>
-          </a:p>
-          <a:p>
-            <a:br>
-              <a:rPr lang="en-ID" sz="1500" b="0">
-                <a:solidFill>
-                  <a:srgbClr val="24292E"/>
-                </a:solidFill>
-                <a:effectLst/>
-                <a:latin typeface="Consolas" panose="020B0609020204030204" pitchFamily="49" charset="0"/>
-              </a:rPr>
-            </a:br>
-            <a:r>
-              <a:rPr lang="en-ID" sz="1500" b="0">
-                <a:solidFill>
-                  <a:srgbClr val="24292E"/>
-                </a:solidFill>
-                <a:effectLst/>
-                <a:latin typeface="Consolas" panose="020B0609020204030204" pitchFamily="49" charset="0"/>
-              </a:rPr>
-              <a:t>  </a:t>
-            </a:r>
-            <a:r>
-              <a:rPr lang="en-ID" sz="1500" b="0">
-                <a:solidFill>
-                  <a:srgbClr val="6A737D"/>
-                </a:solidFill>
-                <a:effectLst/>
-                <a:latin typeface="Consolas" panose="020B0609020204030204" pitchFamily="49" charset="0"/>
-              </a:rPr>
-              <a:t># proses menghitung faktorial</a:t>
-            </a:r>
-            <a:endParaRPr lang="en-ID" sz="1500" b="0">
-              <a:solidFill>
-                <a:srgbClr val="24292E"/>
-              </a:solidFill>
-              <a:effectLst/>
-              <a:latin typeface="Consolas" panose="020B0609020204030204" pitchFamily="49" charset="0"/>
-            </a:endParaRPr>
-          </a:p>
-          <a:p>
-            <a:r>
-              <a:rPr lang="en-ID" sz="1500" b="0">
-                <a:solidFill>
-                  <a:srgbClr val="24292E"/>
-                </a:solidFill>
-                <a:effectLst/>
-                <a:latin typeface="Consolas" panose="020B0609020204030204" pitchFamily="49" charset="0"/>
-              </a:rPr>
-              <a:t>  faktorial </a:t>
-            </a:r>
-            <a:r>
-              <a:rPr lang="en-ID" sz="1500" b="0">
-                <a:solidFill>
-                  <a:srgbClr val="D73A49"/>
-                </a:solidFill>
-                <a:effectLst/>
-                <a:latin typeface="Consolas" panose="020B0609020204030204" pitchFamily="49" charset="0"/>
-              </a:rPr>
-              <a:t>=</a:t>
-            </a:r>
-            <a:r>
-              <a:rPr lang="en-ID" sz="1500" b="0">
-                <a:solidFill>
-                  <a:srgbClr val="24292E"/>
-                </a:solidFill>
-                <a:effectLst/>
-                <a:latin typeface="Consolas" panose="020B0609020204030204" pitchFamily="49" charset="0"/>
-              </a:rPr>
-              <a:t> </a:t>
-            </a:r>
-            <a:r>
-              <a:rPr lang="en-ID" sz="1500" b="0">
-                <a:solidFill>
-                  <a:srgbClr val="005CC5"/>
-                </a:solidFill>
-                <a:effectLst/>
-                <a:latin typeface="Consolas" panose="020B0609020204030204" pitchFamily="49" charset="0"/>
-              </a:rPr>
-              <a:t>1</a:t>
-            </a:r>
-            <a:endParaRPr lang="en-ID" sz="1500" b="0">
-              <a:solidFill>
-                <a:srgbClr val="24292E"/>
-              </a:solidFill>
-              <a:effectLst/>
-              <a:latin typeface="Consolas" panose="020B0609020204030204" pitchFamily="49" charset="0"/>
-            </a:endParaRPr>
-          </a:p>
-          <a:p>
-            <a:r>
-              <a:rPr lang="en-ID" sz="1500" b="0">
-                <a:solidFill>
-                  <a:srgbClr val="24292E"/>
-                </a:solidFill>
-                <a:effectLst/>
-                <a:latin typeface="Consolas" panose="020B0609020204030204" pitchFamily="49" charset="0"/>
-              </a:rPr>
-              <a:t>  </a:t>
-            </a:r>
-            <a:r>
-              <a:rPr lang="en-ID" sz="1500" b="0">
-                <a:solidFill>
-                  <a:srgbClr val="D73A49"/>
-                </a:solidFill>
-                <a:effectLst/>
-                <a:latin typeface="Consolas" panose="020B0609020204030204" pitchFamily="49" charset="0"/>
-              </a:rPr>
-              <a:t>for</a:t>
-            </a:r>
-            <a:r>
-              <a:rPr lang="en-ID" sz="1500" b="0">
-                <a:solidFill>
-                  <a:srgbClr val="24292E"/>
-                </a:solidFill>
-                <a:effectLst/>
-                <a:latin typeface="Consolas" panose="020B0609020204030204" pitchFamily="49" charset="0"/>
-              </a:rPr>
-              <a:t> i </a:t>
-            </a:r>
-            <a:r>
-              <a:rPr lang="en-ID" sz="1500" b="0">
-                <a:solidFill>
-                  <a:srgbClr val="D73A49"/>
-                </a:solidFill>
-                <a:effectLst/>
-                <a:latin typeface="Consolas" panose="020B0609020204030204" pitchFamily="49" charset="0"/>
-              </a:rPr>
-              <a:t>in</a:t>
-            </a:r>
-            <a:r>
-              <a:rPr lang="en-ID" sz="1500" b="0">
-                <a:solidFill>
-                  <a:srgbClr val="24292E"/>
-                </a:solidFill>
-                <a:effectLst/>
-                <a:latin typeface="Consolas" panose="020B0609020204030204" pitchFamily="49" charset="0"/>
-              </a:rPr>
-              <a:t> </a:t>
-            </a:r>
-            <a:r>
-              <a:rPr lang="en-ID" sz="1500" b="0">
-                <a:solidFill>
-                  <a:srgbClr val="6F42C1"/>
-                </a:solidFill>
-                <a:effectLst/>
-                <a:latin typeface="Consolas" panose="020B0609020204030204" pitchFamily="49" charset="0"/>
-              </a:rPr>
-              <a:t>range</a:t>
-            </a:r>
-            <a:r>
-              <a:rPr lang="en-ID" sz="1500" b="0">
-                <a:solidFill>
-                  <a:srgbClr val="24292E"/>
-                </a:solidFill>
-                <a:effectLst/>
-                <a:latin typeface="Consolas" panose="020B0609020204030204" pitchFamily="49" charset="0"/>
-              </a:rPr>
-              <a:t>(bilangan, </a:t>
-            </a:r>
-            <a:r>
-              <a:rPr lang="en-ID" sz="1500" b="0">
-                <a:solidFill>
-                  <a:srgbClr val="005CC5"/>
-                </a:solidFill>
-                <a:effectLst/>
-                <a:latin typeface="Consolas" panose="020B0609020204030204" pitchFamily="49" charset="0"/>
-              </a:rPr>
-              <a:t>1</a:t>
-            </a:r>
-            <a:r>
-              <a:rPr lang="en-ID" sz="1500" b="0">
-                <a:solidFill>
-                  <a:srgbClr val="24292E"/>
-                </a:solidFill>
-                <a:effectLst/>
-                <a:latin typeface="Consolas" panose="020B0609020204030204" pitchFamily="49" charset="0"/>
-              </a:rPr>
-              <a:t>, </a:t>
-            </a:r>
-            <a:r>
-              <a:rPr lang="en-ID" sz="1500" b="0">
-                <a:solidFill>
-                  <a:srgbClr val="D73A49"/>
-                </a:solidFill>
-                <a:effectLst/>
-                <a:latin typeface="Consolas" panose="020B0609020204030204" pitchFamily="49" charset="0"/>
-              </a:rPr>
-              <a:t>-</a:t>
-            </a:r>
-            <a:r>
-              <a:rPr lang="en-ID" sz="1500" b="0">
-                <a:solidFill>
-                  <a:srgbClr val="005CC5"/>
-                </a:solidFill>
-                <a:effectLst/>
-                <a:latin typeface="Consolas" panose="020B0609020204030204" pitchFamily="49" charset="0"/>
-              </a:rPr>
-              <a:t>1</a:t>
-            </a:r>
-            <a:r>
-              <a:rPr lang="en-ID" sz="1500" b="0">
-                <a:solidFill>
-                  <a:srgbClr val="24292E"/>
-                </a:solidFill>
-                <a:effectLst/>
-                <a:latin typeface="Consolas" panose="020B0609020204030204" pitchFamily="49" charset="0"/>
-              </a:rPr>
-              <a:t>):</a:t>
-            </a:r>
-          </a:p>
-          <a:p>
-            <a:r>
-              <a:rPr lang="en-ID" sz="1500" b="0">
-                <a:solidFill>
-                  <a:srgbClr val="24292E"/>
-                </a:solidFill>
-                <a:effectLst/>
-                <a:latin typeface="Consolas" panose="020B0609020204030204" pitchFamily="49" charset="0"/>
-              </a:rPr>
-              <a:t>    faktorial </a:t>
-            </a:r>
-            <a:r>
-              <a:rPr lang="en-ID" sz="1500" b="0">
-                <a:solidFill>
-                  <a:srgbClr val="D73A49"/>
-                </a:solidFill>
-                <a:effectLst/>
-                <a:latin typeface="Consolas" panose="020B0609020204030204" pitchFamily="49" charset="0"/>
-              </a:rPr>
-              <a:t>=</a:t>
-            </a:r>
-            <a:r>
-              <a:rPr lang="en-ID" sz="1500" b="0">
-                <a:solidFill>
-                  <a:srgbClr val="24292E"/>
-                </a:solidFill>
-                <a:effectLst/>
-                <a:latin typeface="Consolas" panose="020B0609020204030204" pitchFamily="49" charset="0"/>
-              </a:rPr>
-              <a:t> faktorial </a:t>
-            </a:r>
-            <a:r>
-              <a:rPr lang="en-ID" sz="1500" b="0">
-                <a:solidFill>
-                  <a:srgbClr val="D73A49"/>
-                </a:solidFill>
-                <a:effectLst/>
-                <a:latin typeface="Consolas" panose="020B0609020204030204" pitchFamily="49" charset="0"/>
-              </a:rPr>
-              <a:t>*</a:t>
-            </a:r>
-            <a:r>
-              <a:rPr lang="en-ID" sz="1500" b="0">
-                <a:solidFill>
-                  <a:srgbClr val="24292E"/>
-                </a:solidFill>
-                <a:effectLst/>
-                <a:latin typeface="Consolas" panose="020B0609020204030204" pitchFamily="49" charset="0"/>
-              </a:rPr>
-              <a:t> i</a:t>
-            </a:r>
-          </a:p>
-          <a:p>
-            <a:r>
-              <a:rPr lang="en-ID" sz="1500" b="0">
-                <a:solidFill>
-                  <a:srgbClr val="24292E"/>
-                </a:solidFill>
-                <a:effectLst/>
-                <a:latin typeface="Consolas" panose="020B0609020204030204" pitchFamily="49" charset="0"/>
-              </a:rPr>
-              <a:t>  </a:t>
-            </a:r>
-          </a:p>
-          <a:p>
-            <a:r>
-              <a:rPr lang="en-ID" sz="1500" b="0">
-                <a:solidFill>
-                  <a:srgbClr val="24292E"/>
-                </a:solidFill>
-                <a:effectLst/>
-                <a:latin typeface="Consolas" panose="020B0609020204030204" pitchFamily="49" charset="0"/>
-              </a:rPr>
-              <a:t>  </a:t>
-            </a:r>
-            <a:r>
-              <a:rPr lang="en-ID" sz="1500" b="0">
-                <a:solidFill>
-                  <a:srgbClr val="6A737D"/>
-                </a:solidFill>
-                <a:effectLst/>
-                <a:latin typeface="Consolas" panose="020B0609020204030204" pitchFamily="49" charset="0"/>
-              </a:rPr>
-              <a:t># output program</a:t>
-            </a:r>
-            <a:endParaRPr lang="en-ID" sz="1500" b="0">
-              <a:solidFill>
-                <a:srgbClr val="24292E"/>
-              </a:solidFill>
-              <a:effectLst/>
-              <a:latin typeface="Consolas" panose="020B0609020204030204" pitchFamily="49" charset="0"/>
-            </a:endParaRPr>
-          </a:p>
-          <a:p>
-            <a:r>
-              <a:rPr lang="en-ID" sz="1500" b="0">
-                <a:solidFill>
-                  <a:srgbClr val="24292E"/>
-                </a:solidFill>
-                <a:effectLst/>
-                <a:latin typeface="Consolas" panose="020B0609020204030204" pitchFamily="49" charset="0"/>
-              </a:rPr>
-              <a:t>  </a:t>
-            </a:r>
-            <a:r>
-              <a:rPr lang="en-ID" sz="1500" b="0">
-                <a:solidFill>
-                  <a:srgbClr val="6F42C1"/>
-                </a:solidFill>
-                <a:effectLst/>
-                <a:latin typeface="Consolas" panose="020B0609020204030204" pitchFamily="49" charset="0"/>
-              </a:rPr>
-              <a:t>print</a:t>
-            </a:r>
-            <a:r>
-              <a:rPr lang="en-ID" sz="1500" b="0">
-                <a:solidFill>
-                  <a:srgbClr val="24292E"/>
-                </a:solidFill>
-                <a:effectLst/>
-                <a:latin typeface="Consolas" panose="020B0609020204030204" pitchFamily="49" charset="0"/>
-              </a:rPr>
-              <a:t>(</a:t>
-            </a:r>
-            <a:r>
-              <a:rPr lang="en-ID" sz="1500" b="0">
-                <a:solidFill>
-                  <a:srgbClr val="032F62"/>
-                </a:solidFill>
-                <a:effectLst/>
-                <a:latin typeface="Consolas" panose="020B0609020204030204" pitchFamily="49" charset="0"/>
-              </a:rPr>
-              <a:t>"faktorial "</a:t>
-            </a:r>
-            <a:r>
-              <a:rPr lang="en-ID" sz="1500" b="0">
-                <a:solidFill>
-                  <a:srgbClr val="D73A49"/>
-                </a:solidFill>
-                <a:effectLst/>
-                <a:latin typeface="Consolas" panose="020B0609020204030204" pitchFamily="49" charset="0"/>
-              </a:rPr>
-              <a:t>+</a:t>
-            </a:r>
-            <a:r>
-              <a:rPr lang="en-ID" sz="1500" b="0">
-                <a:solidFill>
-                  <a:srgbClr val="6F42C1"/>
-                </a:solidFill>
-                <a:effectLst/>
-                <a:latin typeface="Consolas" panose="020B0609020204030204" pitchFamily="49" charset="0"/>
-              </a:rPr>
-              <a:t>str</a:t>
-            </a:r>
-            <a:r>
-              <a:rPr lang="en-ID" sz="1500" b="0">
-                <a:solidFill>
-                  <a:srgbClr val="24292E"/>
-                </a:solidFill>
-                <a:effectLst/>
-                <a:latin typeface="Consolas" panose="020B0609020204030204" pitchFamily="49" charset="0"/>
-              </a:rPr>
-              <a:t>(bilangan)</a:t>
-            </a:r>
-            <a:r>
-              <a:rPr lang="en-ID" sz="1500" b="0">
-                <a:solidFill>
-                  <a:srgbClr val="D73A49"/>
-                </a:solidFill>
-                <a:effectLst/>
-                <a:latin typeface="Consolas" panose="020B0609020204030204" pitchFamily="49" charset="0"/>
-              </a:rPr>
-              <a:t>+</a:t>
-            </a:r>
-            <a:r>
-              <a:rPr lang="en-ID" sz="1500" b="0">
-                <a:solidFill>
-                  <a:srgbClr val="032F62"/>
-                </a:solidFill>
-                <a:effectLst/>
-                <a:latin typeface="Consolas" panose="020B0609020204030204" pitchFamily="49" charset="0"/>
-              </a:rPr>
-              <a:t>" adalah :"</a:t>
-            </a:r>
-            <a:r>
-              <a:rPr lang="en-ID" sz="1500" b="0">
-                <a:solidFill>
-                  <a:srgbClr val="D73A49"/>
-                </a:solidFill>
-                <a:effectLst/>
-                <a:latin typeface="Consolas" panose="020B0609020204030204" pitchFamily="49" charset="0"/>
-              </a:rPr>
-              <a:t>+</a:t>
-            </a:r>
-            <a:r>
-              <a:rPr lang="en-ID" sz="1500" b="0">
-                <a:solidFill>
-                  <a:srgbClr val="6F42C1"/>
-                </a:solidFill>
-                <a:effectLst/>
-                <a:latin typeface="Consolas" panose="020B0609020204030204" pitchFamily="49" charset="0"/>
-              </a:rPr>
-              <a:t>str</a:t>
-            </a:r>
-            <a:r>
-              <a:rPr lang="en-ID" sz="1500" b="0">
-                <a:solidFill>
-                  <a:srgbClr val="24292E"/>
-                </a:solidFill>
-                <a:effectLst/>
-                <a:latin typeface="Consolas" panose="020B0609020204030204" pitchFamily="49" charset="0"/>
-              </a:rPr>
-              <a:t>(faktorial))</a:t>
-            </a:r>
-          </a:p>
-        </p:txBody>
-      </p:sp>
-    </p:spTree>
-    <p:extLst>
-      <p:ext uri="{BB962C8B-B14F-4D97-AF65-F5344CB8AC3E}">
-        <p14:creationId xmlns:p14="http://schemas.microsoft.com/office/powerpoint/2010/main" val="1604995799"/>
-      </p:ext>
-    </p:extLst>
-  </p:cSld>
-  <p:clrMapOvr>
-    <a:masterClrMapping/>
-  </p:clrMapOvr>
-</p:sld>
-</file>
-
-<file path=ppt/slides/slide16.xml><?xml version="1.0" encoding="utf-8"?>
 <p:sld xmlns:a="http://schemas.openxmlformats.org/drawingml/2006/main" xmlns:r="http://schemas.openxmlformats.org/officeDocument/2006/relationships" xmlns:p="http://schemas.openxmlformats.org/presentationml/2006/main">
   <p:cSld>
     <p:spTree>
